--- a/slide.pptx
+++ b/slide.pptx
@@ -1,64 +1,64 @@
 
 <file path=ppt/presentation.xml><?xml version="1.0" encoding="utf-8"?>
-<p:presentation xmlns:a="http://schemas.openxmlformats.org/drawingml/2006/main" xmlns:r="http://schemas.openxmlformats.org/officeDocument/2006/relationships" xmlns:p="http://schemas.openxmlformats.org/presentationml/2006/main" saveSubsetFonts="1" embedTrueTypeFonts="true">
+<p:presentation xmlns:a="http://schemas.openxmlformats.org/drawingml/2006/main" xmlns:r="http://schemas.openxmlformats.org/officeDocument/2006/relationships" xmlns:p="http://schemas.openxmlformats.org/presentationml/2006/main" embedTrueTypeFonts="1" saveSubsetFonts="1">
   <p:sldMasterIdLst>
     <p:sldMasterId id="2147483648" r:id="rId1"/>
   </p:sldMasterIdLst>
   <p:notesMasterIdLst>
-    <p:notesMasterId r:id="rId24"/>
+    <p:notesMasterId r:id="rId14"/>
   </p:notesMasterIdLst>
   <p:sldIdLst>
-    <p:sldId id="256" r:id="rId6"/>
-    <p:sldId id="257" r:id="rId7"/>
-    <p:sldId id="258" r:id="rId8"/>
-    <p:sldId id="259" r:id="rId9"/>
-    <p:sldId id="260" r:id="rId10"/>
-    <p:sldId id="261" r:id="rId11"/>
-    <p:sldId id="262" r:id="rId12"/>
-    <p:sldId id="263" r:id="rId13"/>
-    <p:sldId id="264" r:id="rId14"/>
-    <p:sldId id="265" r:id="rId15"/>
-    <p:sldId id="266" r:id="rId16"/>
-    <p:sldId id="267" r:id="rId17"/>
+    <p:sldId id="256" r:id="rId2"/>
+    <p:sldId id="257" r:id="rId3"/>
+    <p:sldId id="258" r:id="rId4"/>
+    <p:sldId id="259" r:id="rId5"/>
+    <p:sldId id="260" r:id="rId6"/>
+    <p:sldId id="261" r:id="rId7"/>
+    <p:sldId id="262" r:id="rId8"/>
+    <p:sldId id="263" r:id="rId9"/>
+    <p:sldId id="264" r:id="rId10"/>
+    <p:sldId id="265" r:id="rId11"/>
+    <p:sldId id="266" r:id="rId12"/>
+    <p:sldId id="267" r:id="rId13"/>
   </p:sldIdLst>
   <p:sldSz cx="18288000" cy="10287000"/>
   <p:notesSz cx="6858000" cy="9144000"/>
   <p:embeddedFontLst>
     <p:embeddedFont>
-      <p:font typeface="Arimo Bold" charset="1" panose="020B0704020202020204"/>
+      <p:font typeface="Agrandir" panose="020B0604020202020204" charset="0"/>
+      <p:regular r:id="rId15"/>
+    </p:embeddedFont>
+    <p:embeddedFont>
+      <p:font typeface="Agrandir Bold" panose="020B0604020202020204" charset="0"/>
+      <p:regular r:id="rId16"/>
+    </p:embeddedFont>
+    <p:embeddedFont>
+      <p:font typeface="Arimo" panose="020B0604020202020204" charset="0"/>
+      <p:regular r:id="rId17"/>
+    </p:embeddedFont>
+    <p:embeddedFont>
+      <p:font typeface="Arimo Bold" panose="020B0604020202020204" charset="0"/>
       <p:regular r:id="rId18"/>
     </p:embeddedFont>
     <p:embeddedFont>
-      <p:font typeface="Arimo" charset="1" panose="020B0604020202020204"/>
+      <p:font typeface="Arimo Bold Italics" panose="020B0604020202020204" charset="0"/>
       <p:regular r:id="rId19"/>
     </p:embeddedFont>
     <p:embeddedFont>
-      <p:font typeface="Arimo Bold Italics" charset="1" panose="020B0704020202090204"/>
+      <p:font typeface="Open Sauce" panose="020B0604020202020204" charset="0"/>
       <p:regular r:id="rId20"/>
     </p:embeddedFont>
     <p:embeddedFont>
-      <p:font typeface="Quicksand" charset="1" panose="00000000000000000000"/>
+      <p:font typeface="Quicksand" panose="020B0604020202020204" charset="0"/>
       <p:regular r:id="rId21"/>
     </p:embeddedFont>
     <p:embeddedFont>
-      <p:font typeface="Quicksand Bold" charset="1" panose="00000000000000000000"/>
+      <p:font typeface="Quicksand Bold" panose="020B0604020202020204" charset="0"/>
       <p:regular r:id="rId22"/>
     </p:embeddedFont>
     <p:embeddedFont>
-      <p:font typeface="Open Sauce" charset="1" panose="00000500000000000000"/>
+      <p:font typeface="Quicksand Semi-Bold" panose="020B0604020202020204" charset="0"/>
       <p:regular r:id="rId23"/>
-    </p:embeddedFont>
-    <p:embeddedFont>
-      <p:font typeface="Quicksand Semi-Bold" charset="1" panose="00000000000000000000"/>
-      <p:regular r:id="rId27"/>
-    </p:embeddedFont>
-    <p:embeddedFont>
-      <p:font typeface="Agrandir Bold" charset="1" panose="00000800000000000000"/>
-      <p:regular r:id="rId29"/>
-    </p:embeddedFont>
-    <p:embeddedFont>
-      <p:font typeface="Agrandir" charset="1" panose="00000500000000000000"/>
-      <p:regular r:id="rId30"/>
     </p:embeddedFont>
   </p:embeddedFontLst>
   <p:defaultTextStyle>
@@ -156,6 +156,22 @@
       </a:defRPr>
     </a:lvl9pPr>
   </p:defaultTextStyle>
+  <p:extLst>
+    <p:ext uri="{EFAFB233-063F-42B5-8137-9DF3F51BA10A}">
+      <p15:sldGuideLst xmlns:p15="http://schemas.microsoft.com/office/powerpoint/2012/main">
+        <p15:guide id="1" orient="horz" pos="2160">
+          <p15:clr>
+            <a:srgbClr val="A4A3A4"/>
+          </p15:clr>
+        </p15:guide>
+        <p15:guide id="2" pos="2880">
+          <p15:clr>
+            <a:srgbClr val="A4A3A4"/>
+          </p15:clr>
+        </p15:guide>
+      </p15:sldGuideLst>
+    </p:ext>
+  </p:extLst>
 </p:presentation>
 </file>
 
@@ -241,7 +257,7 @@
           <a:p>
             <a:fld id="{B7268E1E-0E44-426D-905E-8AD9B19D2182}" type="datetimeFigureOut">
               <a:rPr lang="cs-CZ" smtClean="0"/>
-              <a:t>1.7.2013</a:t>
+              <a:t>26.06.2024</a:t>
             </a:fld>
             <a:endParaRPr lang="cs-CZ"/>
           </a:p>
@@ -305,35 +321,35 @@
           <a:p>
             <a:pPr lvl="0"/>
             <a:r>
-              <a:rPr lang="en-US" smtClean="0"/>
+              <a:rPr lang="en-US"/>
               <a:t>Click to edit Master text styles</a:t>
             </a:r>
           </a:p>
           <a:p>
             <a:pPr lvl="1"/>
             <a:r>
-              <a:rPr lang="en-US" smtClean="0"/>
+              <a:rPr lang="en-US"/>
               <a:t>Second level</a:t>
             </a:r>
           </a:p>
           <a:p>
             <a:pPr lvl="2"/>
             <a:r>
-              <a:rPr lang="en-US" smtClean="0"/>
+              <a:rPr lang="en-US"/>
               <a:t>Third level</a:t>
             </a:r>
           </a:p>
           <a:p>
             <a:pPr lvl="3"/>
             <a:r>
-              <a:rPr lang="en-US" smtClean="0"/>
+              <a:rPr lang="en-US"/>
               <a:t>Fourth level</a:t>
             </a:r>
           </a:p>
           <a:p>
             <a:pPr lvl="4"/>
             <a:r>
-              <a:rPr lang="en-US" smtClean="0"/>
+              <a:rPr lang="en-US"/>
               <a:t>Fifth level</a:t>
             </a:r>
             <a:endParaRPr lang="cs-CZ"/>
@@ -510,9 +526,9 @@
 </file>
 
 <file path=ppt/notesSlides/notesSlide1.xml><?xml version="1.0" encoding="utf-8"?>
-<p:notes xmlns:p="http://schemas.openxmlformats.org/presentationml/2006/main">
+<p:notes xmlns:a="http://schemas.openxmlformats.org/drawingml/2006/main" xmlns:r="http://schemas.openxmlformats.org/officeDocument/2006/relationships" xmlns:p="http://schemas.openxmlformats.org/presentationml/2006/main">
   <p:cSld>
-    <p:spTree xmlns:a="http://schemas.openxmlformats.org/drawingml/2006/main" xmlns:r="http://schemas.openxmlformats.org/officeDocument/2006/relationships">
+    <p:spTree>
       <p:nvGrpSpPr>
         <p:cNvPr id="1" name=""/>
         <p:cNvGrpSpPr/>
@@ -552,7 +568,9 @@
               <a:defRPr sz="1200"/>
             </a:lvl1pPr>
           </a:lstStyle>
-          <a:p/>
+          <a:p>
+            <a:endParaRPr/>
+          </a:p>
         </p:txBody>
       </p:sp>
       <p:sp>
@@ -582,8 +600,8 @@
             </a:lvl1pPr>
           </a:lstStyle>
           <a:p>
-            <a:r id="{B7268E1E-0E44-426D-905E-8AD9B19D2182}" type="datetimeFigureOut">
-              <a:rPr lang="cs-CZ" smtClean="0"/>
+            <a:r>
+              <a:rPr lang="cs-CZ"/>
               <a:t>1.7.2013</a:t>
             </a:r>
           </a:p>
@@ -617,7 +635,9 @@
         <p:txBody>
           <a:bodyPr vert="horz" lIns="91440" tIns="45720" rIns="91440" bIns="45720" rtlCol="0" anchor="ctr"/>
           <a:lstStyle/>
-          <a:p/>
+          <a:p>
+            <a:endParaRPr/>
+          </a:p>
         </p:txBody>
       </p:sp>
       <p:sp>
@@ -661,10 +681,7 @@
             </a:r>
           </a:p>
           <a:p>
-            <a:r>
-              <a:rPr lang="en-US"/>
-              <a:t/>
-            </a:r>
+            <a:endParaRPr lang="en-US"/>
           </a:p>
           <a:p>
             <a:r>
@@ -685,10 +702,7 @@
             </a:r>
           </a:p>
           <a:p>
-            <a:r>
-              <a:rPr lang="en-US"/>
-              <a:t/>
-            </a:r>
+            <a:endParaRPr lang="en-US"/>
           </a:p>
           <a:p>
             <a:r>
@@ -736,7 +750,9 @@
               <a:defRPr sz="1200"/>
             </a:lvl1pPr>
           </a:lstStyle>
-          <a:p/>
+          <a:p>
+            <a:endParaRPr/>
+          </a:p>
         </p:txBody>
       </p:sp>
       <p:sp>
@@ -766,8 +782,8 @@
             </a:lvl1pPr>
           </a:lstStyle>
           <a:p>
-            <a:r id="{871B2431-D351-4C6E-A3CF-9DFAC0E3E050}" type="slidenum">
-              <a:rPr lang="cs-CZ" smtClean="0"/>
+            <a:r>
+              <a:rPr lang="cs-CZ"/>
               <a:t>‹#›</a:t>
             </a:r>
           </a:p>
@@ -775,13 +791,16 @@
       </p:sp>
     </p:spTree>
   </p:cSld>
+  <p:clrMapOvr>
+    <a:masterClrMapping/>
+  </p:clrMapOvr>
 </p:notes>
 </file>
 
 <file path=ppt/notesSlides/notesSlide2.xml><?xml version="1.0" encoding="utf-8"?>
-<p:notes xmlns:p="http://schemas.openxmlformats.org/presentationml/2006/main">
+<p:notes xmlns:a="http://schemas.openxmlformats.org/drawingml/2006/main" xmlns:r="http://schemas.openxmlformats.org/officeDocument/2006/relationships" xmlns:p="http://schemas.openxmlformats.org/presentationml/2006/main">
   <p:cSld>
-    <p:spTree xmlns:a="http://schemas.openxmlformats.org/drawingml/2006/main" xmlns:r="http://schemas.openxmlformats.org/officeDocument/2006/relationships">
+    <p:spTree>
       <p:nvGrpSpPr>
         <p:cNvPr id="1" name=""/>
         <p:cNvGrpSpPr/>
@@ -821,7 +840,9 @@
               <a:defRPr sz="1200"/>
             </a:lvl1pPr>
           </a:lstStyle>
-          <a:p/>
+          <a:p>
+            <a:endParaRPr/>
+          </a:p>
         </p:txBody>
       </p:sp>
       <p:sp>
@@ -851,8 +872,8 @@
             </a:lvl1pPr>
           </a:lstStyle>
           <a:p>
-            <a:r id="{B7268E1E-0E44-426D-905E-8AD9B19D2182}" type="datetimeFigureOut">
-              <a:rPr lang="cs-CZ" smtClean="0"/>
+            <a:r>
+              <a:rPr lang="cs-CZ"/>
               <a:t>1.7.2013</a:t>
             </a:r>
           </a:p>
@@ -886,7 +907,9 @@
         <p:txBody>
           <a:bodyPr vert="horz" lIns="91440" tIns="45720" rIns="91440" bIns="45720" rtlCol="0" anchor="ctr"/>
           <a:lstStyle/>
-          <a:p/>
+          <a:p>
+            <a:endParaRPr/>
+          </a:p>
         </p:txBody>
       </p:sp>
       <p:sp>
@@ -930,10 +953,7 @@
             </a:r>
           </a:p>
           <a:p>
-            <a:r>
-              <a:rPr lang="en-US"/>
-              <a:t/>
-            </a:r>
+            <a:endParaRPr lang="en-US"/>
           </a:p>
           <a:p>
             <a:r>
@@ -954,10 +974,7 @@
             </a:r>
           </a:p>
           <a:p>
-            <a:r>
-              <a:rPr lang="en-US"/>
-              <a:t/>
-            </a:r>
+            <a:endParaRPr lang="en-US"/>
           </a:p>
           <a:p>
             <a:r>
@@ -978,22 +995,13 @@
             </a:r>
           </a:p>
           <a:p>
-            <a:r>
-              <a:rPr lang="en-US"/>
-              <a:t/>
-            </a:r>
-          </a:p>
-          <a:p>
-            <a:r>
-              <a:rPr lang="en-US"/>
-              <a:t/>
-            </a:r>
-          </a:p>
-          <a:p>
-            <a:r>
-              <a:rPr lang="en-US"/>
-              <a:t/>
-            </a:r>
+            <a:endParaRPr lang="en-US"/>
+          </a:p>
+          <a:p>
+            <a:endParaRPr lang="en-US"/>
+          </a:p>
+          <a:p>
+            <a:endParaRPr lang="en-US"/>
           </a:p>
           <a:p>
             <a:r>
@@ -1014,16 +1022,10 @@
             </a:r>
           </a:p>
           <a:p>
-            <a:r>
-              <a:rPr lang="en-US"/>
-              <a:t/>
-            </a:r>
-          </a:p>
-          <a:p>
-            <a:r>
-              <a:rPr lang="en-US"/>
-              <a:t/>
-            </a:r>
+            <a:endParaRPr lang="en-US"/>
+          </a:p>
+          <a:p>
+            <a:endParaRPr lang="en-US"/>
           </a:p>
           <a:p>
             <a:r>
@@ -1071,7 +1073,9 @@
               <a:defRPr sz="1200"/>
             </a:lvl1pPr>
           </a:lstStyle>
-          <a:p/>
+          <a:p>
+            <a:endParaRPr/>
+          </a:p>
         </p:txBody>
       </p:sp>
       <p:sp>
@@ -1101,8 +1105,8 @@
             </a:lvl1pPr>
           </a:lstStyle>
           <a:p>
-            <a:r id="{871B2431-D351-4C6E-A3CF-9DFAC0E3E050}" type="slidenum">
-              <a:rPr lang="cs-CZ" smtClean="0"/>
+            <a:r>
+              <a:rPr lang="cs-CZ"/>
               <a:t>‹#›</a:t>
             </a:r>
           </a:p>
@@ -1110,6 +1114,9 @@
       </p:sp>
     </p:spTree>
   </p:cSld>
+  <p:clrMapOvr>
+    <a:masterClrMapping/>
+  </p:clrMapOvr>
 </p:notes>
 </file>
 
@@ -1151,10 +1158,9 @@
           <a:lstStyle/>
           <a:p>
             <a:r>
-              <a:rPr lang="en-US" smtClean="0"/>
+              <a:rPr lang="en-US"/>
               <a:t>Click to edit Master title style</a:t>
             </a:r>
-            <a:endParaRPr lang="en-US"/>
           </a:p>
         </p:txBody>
       </p:sp>
@@ -1270,10 +1276,9 @@
           </a:lstStyle>
           <a:p>
             <a:r>
-              <a:rPr lang="en-US" smtClean="0"/>
+              <a:rPr lang="en-US"/>
               <a:t>Click to edit Master subtitle style</a:t>
             </a:r>
-            <a:endParaRPr lang="en-US"/>
           </a:p>
         </p:txBody>
       </p:sp>
@@ -1295,7 +1300,7 @@
             <a:fld id="{1D8BD707-D9CF-40AE-B4C6-C98DA3205C09}" type="datetimeFigureOut">
               <a:rPr lang="en-US" smtClean="0"/>
               <a:pPr/>
-              <a:t>8/1/2011</a:t>
+              <a:t>6/26/2024</a:t>
             </a:fld>
             <a:endParaRPr lang="en-US"/>
           </a:p>
@@ -1385,10 +1390,9 @@
           <a:lstStyle/>
           <a:p>
             <a:r>
-              <a:rPr lang="en-US" smtClean="0"/>
+              <a:rPr lang="en-US"/>
               <a:t>Click to edit Master title style</a:t>
             </a:r>
-            <a:endParaRPr lang="en-US"/>
           </a:p>
         </p:txBody>
       </p:sp>
@@ -1409,38 +1413,37 @@
           <a:p>
             <a:pPr lvl="0"/>
             <a:r>
-              <a:rPr lang="en-US" smtClean="0"/>
+              <a:rPr lang="en-US"/>
               <a:t>Click to edit Master text styles</a:t>
             </a:r>
           </a:p>
           <a:p>
             <a:pPr lvl="1"/>
             <a:r>
-              <a:rPr lang="en-US" smtClean="0"/>
+              <a:rPr lang="en-US"/>
               <a:t>Second level</a:t>
             </a:r>
           </a:p>
           <a:p>
             <a:pPr lvl="2"/>
             <a:r>
-              <a:rPr lang="en-US" smtClean="0"/>
+              <a:rPr lang="en-US"/>
               <a:t>Third level</a:t>
             </a:r>
           </a:p>
           <a:p>
             <a:pPr lvl="3"/>
             <a:r>
-              <a:rPr lang="en-US" smtClean="0"/>
+              <a:rPr lang="en-US"/>
               <a:t>Fourth level</a:t>
             </a:r>
           </a:p>
           <a:p>
             <a:pPr lvl="4"/>
             <a:r>
-              <a:rPr lang="en-US" smtClean="0"/>
+              <a:rPr lang="en-US"/>
               <a:t>Fifth level</a:t>
             </a:r>
-            <a:endParaRPr lang="en-US"/>
           </a:p>
         </p:txBody>
       </p:sp>
@@ -1462,7 +1465,7 @@
             <a:fld id="{1D8BD707-D9CF-40AE-B4C6-C98DA3205C09}" type="datetimeFigureOut">
               <a:rPr lang="en-US" smtClean="0"/>
               <a:pPr/>
-              <a:t>8/1/2011</a:t>
+              <a:t>6/26/2024</a:t>
             </a:fld>
             <a:endParaRPr lang="en-US"/>
           </a:p>
@@ -1557,10 +1560,9 @@
           <a:lstStyle/>
           <a:p>
             <a:r>
-              <a:rPr lang="en-US" smtClean="0"/>
+              <a:rPr lang="en-US"/>
               <a:t>Click to edit Master title style</a:t>
             </a:r>
-            <a:endParaRPr lang="en-US"/>
           </a:p>
         </p:txBody>
       </p:sp>
@@ -1586,38 +1588,37 @@
           <a:p>
             <a:pPr lvl="0"/>
             <a:r>
-              <a:rPr lang="en-US" smtClean="0"/>
+              <a:rPr lang="en-US"/>
               <a:t>Click to edit Master text styles</a:t>
             </a:r>
           </a:p>
           <a:p>
             <a:pPr lvl="1"/>
             <a:r>
-              <a:rPr lang="en-US" smtClean="0"/>
+              <a:rPr lang="en-US"/>
               <a:t>Second level</a:t>
             </a:r>
           </a:p>
           <a:p>
             <a:pPr lvl="2"/>
             <a:r>
-              <a:rPr lang="en-US" smtClean="0"/>
+              <a:rPr lang="en-US"/>
               <a:t>Third level</a:t>
             </a:r>
           </a:p>
           <a:p>
             <a:pPr lvl="3"/>
             <a:r>
-              <a:rPr lang="en-US" smtClean="0"/>
+              <a:rPr lang="en-US"/>
               <a:t>Fourth level</a:t>
             </a:r>
           </a:p>
           <a:p>
             <a:pPr lvl="4"/>
             <a:r>
-              <a:rPr lang="en-US" smtClean="0"/>
+              <a:rPr lang="en-US"/>
               <a:t>Fifth level</a:t>
             </a:r>
-            <a:endParaRPr lang="en-US"/>
           </a:p>
         </p:txBody>
       </p:sp>
@@ -1639,7 +1640,7 @@
             <a:fld id="{1D8BD707-D9CF-40AE-B4C6-C98DA3205C09}" type="datetimeFigureOut">
               <a:rPr lang="en-US" smtClean="0"/>
               <a:pPr/>
-              <a:t>8/1/2011</a:t>
+              <a:t>6/26/2024</a:t>
             </a:fld>
             <a:endParaRPr lang="en-US"/>
           </a:p>
@@ -1729,10 +1730,9 @@
           <a:lstStyle/>
           <a:p>
             <a:r>
-              <a:rPr lang="en-US" smtClean="0"/>
+              <a:rPr lang="en-US"/>
               <a:t>Click to edit Master title style</a:t>
             </a:r>
-            <a:endParaRPr lang="en-US"/>
           </a:p>
         </p:txBody>
       </p:sp>
@@ -1753,38 +1753,37 @@
           <a:p>
             <a:pPr lvl="0"/>
             <a:r>
-              <a:rPr lang="en-US" smtClean="0"/>
+              <a:rPr lang="en-US"/>
               <a:t>Click to edit Master text styles</a:t>
             </a:r>
           </a:p>
           <a:p>
             <a:pPr lvl="1"/>
             <a:r>
-              <a:rPr lang="en-US" smtClean="0"/>
+              <a:rPr lang="en-US"/>
               <a:t>Second level</a:t>
             </a:r>
           </a:p>
           <a:p>
             <a:pPr lvl="2"/>
             <a:r>
-              <a:rPr lang="en-US" smtClean="0"/>
+              <a:rPr lang="en-US"/>
               <a:t>Third level</a:t>
             </a:r>
           </a:p>
           <a:p>
             <a:pPr lvl="3"/>
             <a:r>
-              <a:rPr lang="en-US" smtClean="0"/>
+              <a:rPr lang="en-US"/>
               <a:t>Fourth level</a:t>
             </a:r>
           </a:p>
           <a:p>
             <a:pPr lvl="4"/>
             <a:r>
-              <a:rPr lang="en-US" smtClean="0"/>
+              <a:rPr lang="en-US"/>
               <a:t>Fifth level</a:t>
             </a:r>
-            <a:endParaRPr lang="en-US"/>
           </a:p>
         </p:txBody>
       </p:sp>
@@ -1806,7 +1805,7 @@
             <a:fld id="{1D8BD707-D9CF-40AE-B4C6-C98DA3205C09}" type="datetimeFigureOut">
               <a:rPr lang="en-US" smtClean="0"/>
               <a:pPr/>
-              <a:t>8/1/2011</a:t>
+              <a:t>6/26/2024</a:t>
             </a:fld>
             <a:endParaRPr lang="en-US"/>
           </a:p>
@@ -1905,10 +1904,9 @@
           </a:lstStyle>
           <a:p>
             <a:r>
-              <a:rPr lang="en-US" smtClean="0"/>
+              <a:rPr lang="en-US"/>
               <a:t>Click to edit Master title style</a:t>
             </a:r>
-            <a:endParaRPr lang="en-US"/>
           </a:p>
         </p:txBody>
       </p:sp>
@@ -2025,7 +2023,7 @@
           <a:p>
             <a:pPr lvl="0"/>
             <a:r>
-              <a:rPr lang="en-US" smtClean="0"/>
+              <a:rPr lang="en-US"/>
               <a:t>Click to edit Master text styles</a:t>
             </a:r>
           </a:p>
@@ -2049,7 +2047,7 @@
             <a:fld id="{1D8BD707-D9CF-40AE-B4C6-C98DA3205C09}" type="datetimeFigureOut">
               <a:rPr lang="en-US" smtClean="0"/>
               <a:pPr/>
-              <a:t>8/1/2011</a:t>
+              <a:t>6/26/2024</a:t>
             </a:fld>
             <a:endParaRPr lang="en-US"/>
           </a:p>
@@ -2139,10 +2137,9 @@
           <a:lstStyle/>
           <a:p>
             <a:r>
-              <a:rPr lang="en-US" smtClean="0"/>
+              <a:rPr lang="en-US"/>
               <a:t>Click to edit Master title style</a:t>
             </a:r>
-            <a:endParaRPr lang="en-US"/>
           </a:p>
         </p:txBody>
       </p:sp>
@@ -2196,38 +2193,37 @@
           <a:p>
             <a:pPr lvl="0"/>
             <a:r>
-              <a:rPr lang="en-US" smtClean="0"/>
+              <a:rPr lang="en-US"/>
               <a:t>Click to edit Master text styles</a:t>
             </a:r>
           </a:p>
           <a:p>
             <a:pPr lvl="1"/>
             <a:r>
-              <a:rPr lang="en-US" smtClean="0"/>
+              <a:rPr lang="en-US"/>
               <a:t>Second level</a:t>
             </a:r>
           </a:p>
           <a:p>
             <a:pPr lvl="2"/>
             <a:r>
-              <a:rPr lang="en-US" smtClean="0"/>
+              <a:rPr lang="en-US"/>
               <a:t>Third level</a:t>
             </a:r>
           </a:p>
           <a:p>
             <a:pPr lvl="3"/>
             <a:r>
-              <a:rPr lang="en-US" smtClean="0"/>
+              <a:rPr lang="en-US"/>
               <a:t>Fourth level</a:t>
             </a:r>
           </a:p>
           <a:p>
             <a:pPr lvl="4"/>
             <a:r>
-              <a:rPr lang="en-US" smtClean="0"/>
+              <a:rPr lang="en-US"/>
               <a:t>Fifth level</a:t>
             </a:r>
-            <a:endParaRPr lang="en-US"/>
           </a:p>
         </p:txBody>
       </p:sp>
@@ -2281,38 +2277,37 @@
           <a:p>
             <a:pPr lvl="0"/>
             <a:r>
-              <a:rPr lang="en-US" smtClean="0"/>
+              <a:rPr lang="en-US"/>
               <a:t>Click to edit Master text styles</a:t>
             </a:r>
           </a:p>
           <a:p>
             <a:pPr lvl="1"/>
             <a:r>
-              <a:rPr lang="en-US" smtClean="0"/>
+              <a:rPr lang="en-US"/>
               <a:t>Second level</a:t>
             </a:r>
           </a:p>
           <a:p>
             <a:pPr lvl="2"/>
             <a:r>
-              <a:rPr lang="en-US" smtClean="0"/>
+              <a:rPr lang="en-US"/>
               <a:t>Third level</a:t>
             </a:r>
           </a:p>
           <a:p>
             <a:pPr lvl="3"/>
             <a:r>
-              <a:rPr lang="en-US" smtClean="0"/>
+              <a:rPr lang="en-US"/>
               <a:t>Fourth level</a:t>
             </a:r>
           </a:p>
           <a:p>
             <a:pPr lvl="4"/>
             <a:r>
-              <a:rPr lang="en-US" smtClean="0"/>
+              <a:rPr lang="en-US"/>
               <a:t>Fifth level</a:t>
             </a:r>
-            <a:endParaRPr lang="en-US"/>
           </a:p>
         </p:txBody>
       </p:sp>
@@ -2334,7 +2329,7 @@
             <a:fld id="{1D8BD707-D9CF-40AE-B4C6-C98DA3205C09}" type="datetimeFigureOut">
               <a:rPr lang="en-US" smtClean="0"/>
               <a:pPr/>
-              <a:t>8/1/2011</a:t>
+              <a:t>6/26/2024</a:t>
             </a:fld>
             <a:endParaRPr lang="en-US"/>
           </a:p>
@@ -2428,10 +2423,9 @@
           </a:lstStyle>
           <a:p>
             <a:r>
-              <a:rPr lang="en-US" smtClean="0"/>
+              <a:rPr lang="en-US"/>
               <a:t>Click to edit Master title style</a:t>
             </a:r>
-            <a:endParaRPr lang="en-US"/>
           </a:p>
         </p:txBody>
       </p:sp>
@@ -2494,7 +2488,7 @@
           <a:p>
             <a:pPr lvl="0"/>
             <a:r>
-              <a:rPr lang="en-US" smtClean="0"/>
+              <a:rPr lang="en-US"/>
               <a:t>Click to edit Master text styles</a:t>
             </a:r>
           </a:p>
@@ -2550,38 +2544,37 @@
           <a:p>
             <a:pPr lvl="0"/>
             <a:r>
-              <a:rPr lang="en-US" smtClean="0"/>
+              <a:rPr lang="en-US"/>
               <a:t>Click to edit Master text styles</a:t>
             </a:r>
           </a:p>
           <a:p>
             <a:pPr lvl="1"/>
             <a:r>
-              <a:rPr lang="en-US" smtClean="0"/>
+              <a:rPr lang="en-US"/>
               <a:t>Second level</a:t>
             </a:r>
           </a:p>
           <a:p>
             <a:pPr lvl="2"/>
             <a:r>
-              <a:rPr lang="en-US" smtClean="0"/>
+              <a:rPr lang="en-US"/>
               <a:t>Third level</a:t>
             </a:r>
           </a:p>
           <a:p>
             <a:pPr lvl="3"/>
             <a:r>
-              <a:rPr lang="en-US" smtClean="0"/>
+              <a:rPr lang="en-US"/>
               <a:t>Fourth level</a:t>
             </a:r>
           </a:p>
           <a:p>
             <a:pPr lvl="4"/>
             <a:r>
-              <a:rPr lang="en-US" smtClean="0"/>
+              <a:rPr lang="en-US"/>
               <a:t>Fifth level</a:t>
             </a:r>
-            <a:endParaRPr lang="en-US"/>
           </a:p>
         </p:txBody>
       </p:sp>
@@ -2644,7 +2637,7 @@
           <a:p>
             <a:pPr lvl="0"/>
             <a:r>
-              <a:rPr lang="en-US" smtClean="0"/>
+              <a:rPr lang="en-US"/>
               <a:t>Click to edit Master text styles</a:t>
             </a:r>
           </a:p>
@@ -2700,38 +2693,37 @@
           <a:p>
             <a:pPr lvl="0"/>
             <a:r>
-              <a:rPr lang="en-US" smtClean="0"/>
+              <a:rPr lang="en-US"/>
               <a:t>Click to edit Master text styles</a:t>
             </a:r>
           </a:p>
           <a:p>
             <a:pPr lvl="1"/>
             <a:r>
-              <a:rPr lang="en-US" smtClean="0"/>
+              <a:rPr lang="en-US"/>
               <a:t>Second level</a:t>
             </a:r>
           </a:p>
           <a:p>
             <a:pPr lvl="2"/>
             <a:r>
-              <a:rPr lang="en-US" smtClean="0"/>
+              <a:rPr lang="en-US"/>
               <a:t>Third level</a:t>
             </a:r>
           </a:p>
           <a:p>
             <a:pPr lvl="3"/>
             <a:r>
-              <a:rPr lang="en-US" smtClean="0"/>
+              <a:rPr lang="en-US"/>
               <a:t>Fourth level</a:t>
             </a:r>
           </a:p>
           <a:p>
             <a:pPr lvl="4"/>
             <a:r>
-              <a:rPr lang="en-US" smtClean="0"/>
+              <a:rPr lang="en-US"/>
               <a:t>Fifth level</a:t>
             </a:r>
-            <a:endParaRPr lang="en-US"/>
           </a:p>
         </p:txBody>
       </p:sp>
@@ -2753,7 +2745,7 @@
             <a:fld id="{1D8BD707-D9CF-40AE-B4C6-C98DA3205C09}" type="datetimeFigureOut">
               <a:rPr lang="en-US" smtClean="0"/>
               <a:pPr/>
-              <a:t>8/1/2011</a:t>
+              <a:t>6/26/2024</a:t>
             </a:fld>
             <a:endParaRPr lang="en-US"/>
           </a:p>
@@ -2843,10 +2835,9 @@
           <a:lstStyle/>
           <a:p>
             <a:r>
-              <a:rPr lang="en-US" smtClean="0"/>
+              <a:rPr lang="en-US"/>
               <a:t>Click to edit Master title style</a:t>
             </a:r>
-            <a:endParaRPr lang="en-US"/>
           </a:p>
         </p:txBody>
       </p:sp>
@@ -2868,7 +2859,7 @@
             <a:fld id="{1D8BD707-D9CF-40AE-B4C6-C98DA3205C09}" type="datetimeFigureOut">
               <a:rPr lang="en-US" smtClean="0"/>
               <a:pPr/>
-              <a:t>8/1/2011</a:t>
+              <a:t>6/26/2024</a:t>
             </a:fld>
             <a:endParaRPr lang="en-US"/>
           </a:p>
@@ -2960,7 +2951,7 @@
             <a:fld id="{1D8BD707-D9CF-40AE-B4C6-C98DA3205C09}" type="datetimeFigureOut">
               <a:rPr lang="en-US" smtClean="0"/>
               <a:pPr/>
-              <a:t>8/1/2011</a:t>
+              <a:t>6/26/2024</a:t>
             </a:fld>
             <a:endParaRPr lang="en-US"/>
           </a:p>
@@ -3059,10 +3050,9 @@
           </a:lstStyle>
           <a:p>
             <a:r>
-              <a:rPr lang="en-US" smtClean="0"/>
+              <a:rPr lang="en-US"/>
               <a:t>Click to edit Master title style</a:t>
             </a:r>
-            <a:endParaRPr lang="en-US"/>
           </a:p>
         </p:txBody>
       </p:sp>
@@ -3116,38 +3106,37 @@
           <a:p>
             <a:pPr lvl="0"/>
             <a:r>
-              <a:rPr lang="en-US" smtClean="0"/>
+              <a:rPr lang="en-US"/>
               <a:t>Click to edit Master text styles</a:t>
             </a:r>
           </a:p>
           <a:p>
             <a:pPr lvl="1"/>
             <a:r>
-              <a:rPr lang="en-US" smtClean="0"/>
+              <a:rPr lang="en-US"/>
               <a:t>Second level</a:t>
             </a:r>
           </a:p>
           <a:p>
             <a:pPr lvl="2"/>
             <a:r>
-              <a:rPr lang="en-US" smtClean="0"/>
+              <a:rPr lang="en-US"/>
               <a:t>Third level</a:t>
             </a:r>
           </a:p>
           <a:p>
             <a:pPr lvl="3"/>
             <a:r>
-              <a:rPr lang="en-US" smtClean="0"/>
+              <a:rPr lang="en-US"/>
               <a:t>Fourth level</a:t>
             </a:r>
           </a:p>
           <a:p>
             <a:pPr lvl="4"/>
             <a:r>
-              <a:rPr lang="en-US" smtClean="0"/>
+              <a:rPr lang="en-US"/>
               <a:t>Fifth level</a:t>
             </a:r>
-            <a:endParaRPr lang="en-US"/>
           </a:p>
         </p:txBody>
       </p:sp>
@@ -3210,7 +3199,7 @@
           <a:p>
             <a:pPr lvl="0"/>
             <a:r>
-              <a:rPr lang="en-US" smtClean="0"/>
+              <a:rPr lang="en-US"/>
               <a:t>Click to edit Master text styles</a:t>
             </a:r>
           </a:p>
@@ -3234,7 +3223,7 @@
             <a:fld id="{1D8BD707-D9CF-40AE-B4C6-C98DA3205C09}" type="datetimeFigureOut">
               <a:rPr lang="en-US" smtClean="0"/>
               <a:pPr/>
-              <a:t>8/1/2011</a:t>
+              <a:t>6/26/2024</a:t>
             </a:fld>
             <a:endParaRPr lang="en-US"/>
           </a:p>
@@ -3333,10 +3322,9 @@
           </a:lstStyle>
           <a:p>
             <a:r>
-              <a:rPr lang="en-US" smtClean="0"/>
+              <a:rPr lang="en-US"/>
               <a:t>Click to edit Master title style</a:t>
             </a:r>
-            <a:endParaRPr lang="en-US"/>
           </a:p>
         </p:txBody>
       </p:sp>
@@ -3460,7 +3448,7 @@
           <a:p>
             <a:pPr lvl="0"/>
             <a:r>
-              <a:rPr lang="en-US" smtClean="0"/>
+              <a:rPr lang="en-US"/>
               <a:t>Click to edit Master text styles</a:t>
             </a:r>
           </a:p>
@@ -3484,7 +3472,7 @@
             <a:fld id="{1D8BD707-D9CF-40AE-B4C6-C98DA3205C09}" type="datetimeFigureOut">
               <a:rPr lang="en-US" smtClean="0"/>
               <a:pPr/>
-              <a:t>8/1/2011</a:t>
+              <a:t>6/26/2024</a:t>
             </a:fld>
             <a:endParaRPr lang="en-US"/>
           </a:p>
@@ -3589,10 +3577,9 @@
           <a:lstStyle/>
           <a:p>
             <a:r>
-              <a:rPr lang="en-US" smtClean="0"/>
+              <a:rPr lang="en-US"/>
               <a:t>Click to edit Master title style</a:t>
             </a:r>
-            <a:endParaRPr lang="en-US"/>
           </a:p>
         </p:txBody>
       </p:sp>
@@ -3623,38 +3610,37 @@
           <a:p>
             <a:pPr lvl="0"/>
             <a:r>
-              <a:rPr lang="en-US" smtClean="0"/>
+              <a:rPr lang="en-US"/>
               <a:t>Click to edit Master text styles</a:t>
             </a:r>
           </a:p>
           <a:p>
             <a:pPr lvl="1"/>
             <a:r>
-              <a:rPr lang="en-US" smtClean="0"/>
+              <a:rPr lang="en-US"/>
               <a:t>Second level</a:t>
             </a:r>
           </a:p>
           <a:p>
             <a:pPr lvl="2"/>
             <a:r>
-              <a:rPr lang="en-US" smtClean="0"/>
+              <a:rPr lang="en-US"/>
               <a:t>Third level</a:t>
             </a:r>
           </a:p>
           <a:p>
             <a:pPr lvl="3"/>
             <a:r>
-              <a:rPr lang="en-US" smtClean="0"/>
+              <a:rPr lang="en-US"/>
               <a:t>Fourth level</a:t>
             </a:r>
           </a:p>
           <a:p>
             <a:pPr lvl="4"/>
             <a:r>
-              <a:rPr lang="en-US" smtClean="0"/>
+              <a:rPr lang="en-US"/>
               <a:t>Fifth level</a:t>
             </a:r>
-            <a:endParaRPr lang="en-US"/>
           </a:p>
         </p:txBody>
       </p:sp>
@@ -3694,7 +3680,7 @@
             <a:fld id="{1D8BD707-D9CF-40AE-B4C6-C98DA3205C09}" type="datetimeFigureOut">
               <a:rPr lang="en-US" smtClean="0"/>
               <a:pPr/>
-              <a:t>8/1/2011</a:t>
+              <a:t>6/26/2024</a:t>
             </a:fld>
             <a:endParaRPr lang="en-US"/>
           </a:p>
@@ -4049,13 +4035,14 @@
 </file>
 
 <file path=ppt/slides/slide1.xml><?xml version="1.0" encoding="utf-8"?>
-<p:sld xmlns:p="http://schemas.openxmlformats.org/presentationml/2006/main" xmlns:a="http://schemas.openxmlformats.org/drawingml/2006/main" xmlns:r="http://schemas.openxmlformats.org/officeDocument/2006/relationships">
+<p:sld xmlns:a="http://schemas.openxmlformats.org/drawingml/2006/main" xmlns:r="http://schemas.openxmlformats.org/officeDocument/2006/relationships" xmlns:p="http://schemas.openxmlformats.org/presentationml/2006/main">
   <p:cSld>
     <p:bg>
       <p:bgPr>
         <a:solidFill>
           <a:srgbClr val="F2F4F5"/>
         </a:solidFill>
+        <a:effectLst/>
       </p:bgPr>
     </p:bg>
     <p:spTree>
@@ -4074,12 +4061,12 @@
       </p:grpSpPr>
       <p:sp>
         <p:nvSpPr>
-          <p:cNvPr name="Freeform 2" id="2"/>
+          <p:cNvPr id="2" name="Freeform 2"/>
           <p:cNvSpPr/>
           <p:nvPr/>
         </p:nvSpPr>
         <p:spPr>
-          <a:xfrm flipH="false" flipV="false" rot="7659121">
+          <a:xfrm rot="7659121">
             <a:off x="15091031" y="5585714"/>
             <a:ext cx="7629294" cy="7828566"/>
           </a:xfrm>
@@ -4088,9 +4075,9 @@
             <a:gdLst/>
             <a:ahLst/>
             <a:cxnLst/>
-            <a:rect r="r" b="b" t="t" l="l"/>
+            <a:rect l="l" t="t" r="r" b="b"/>
             <a:pathLst>
-              <a:path h="7828566" w="7629294">
+              <a:path w="7629294" h="7828566">
                 <a:moveTo>
                   <a:pt x="0" y="0"/>
                 </a:moveTo>
@@ -4119,19 +4106,26 @@
               </a:extLst>
             </a:blip>
             <a:stretch>
-              <a:fillRect l="0" t="0" r="0" b="0"/>
+              <a:fillRect/>
             </a:stretch>
           </a:blipFill>
         </p:spPr>
-      </p:sp>
-      <p:sp>
-        <p:nvSpPr>
-          <p:cNvPr name="Freeform 3" id="3"/>
+        <p:txBody>
+          <a:bodyPr/>
+          <a:lstStyle/>
+          <a:p>
+            <a:endParaRPr lang="en-US"/>
+          </a:p>
+        </p:txBody>
+      </p:sp>
+      <p:sp>
+        <p:nvSpPr>
+          <p:cNvPr id="3" name="Freeform 3"/>
           <p:cNvSpPr/>
           <p:nvPr/>
         </p:nvSpPr>
         <p:spPr>
-          <a:xfrm flipH="false" flipV="false" rot="0">
+          <a:xfrm>
             <a:off x="-3258071" y="-4629150"/>
             <a:ext cx="7127789" cy="7313963"/>
           </a:xfrm>
@@ -4140,9 +4134,9 @@
             <a:gdLst/>
             <a:ahLst/>
             <a:cxnLst/>
-            <a:rect r="r" b="b" t="t" l="l"/>
+            <a:rect l="l" t="t" r="r" b="b"/>
             <a:pathLst>
-              <a:path h="7313963" w="7127789">
+              <a:path w="7127789" h="7313963">
                 <a:moveTo>
                   <a:pt x="0" y="0"/>
                 </a:moveTo>
@@ -4171,19 +4165,26 @@
               </a:extLst>
             </a:blip>
             <a:stretch>
-              <a:fillRect l="0" t="0" r="0" b="0"/>
+              <a:fillRect/>
             </a:stretch>
           </a:blipFill>
         </p:spPr>
-      </p:sp>
-      <p:sp>
-        <p:nvSpPr>
-          <p:cNvPr name="TextBox 4" id="4"/>
-          <p:cNvSpPr txBox="true"/>
+        <p:txBody>
+          <a:bodyPr/>
+          <a:lstStyle/>
+          <a:p>
+            <a:endParaRPr lang="en-US"/>
+          </a:p>
+        </p:txBody>
+      </p:sp>
+      <p:sp>
+        <p:nvSpPr>
+          <p:cNvPr id="4" name="TextBox 4"/>
+          <p:cNvSpPr txBox="1"/>
           <p:nvPr/>
         </p:nvSpPr>
         <p:spPr>
-          <a:xfrm rot="0">
+          <a:xfrm>
             <a:off x="319190" y="1394404"/>
             <a:ext cx="17649619" cy="4915347"/>
           </a:xfrm>
@@ -4192,7 +4193,7 @@
           </a:prstGeom>
         </p:spPr>
         <p:txBody>
-          <a:bodyPr anchor="t" rtlCol="false" tIns="0" lIns="0" bIns="0" rIns="0">
+          <a:bodyPr lIns="0" tIns="0" rIns="0" bIns="0" rtlCol="0" anchor="t">
             <a:spAutoFit/>
           </a:bodyPr>
           <a:lstStyle/>
@@ -4209,28 +4210,19 @@
                 </a:solidFill>
                 <a:latin typeface="Arimo Bold"/>
               </a:rPr>
-              <a:t>MALJPEG: MACHINE LEARNING BASED SOLUTION FOR </a:t>
-            </a:r>
-            <a:r>
-              <a:rPr lang="en-US" sz="7063" spc="692">
-                <a:solidFill>
-                  <a:srgbClr val="231F20"/>
-                </a:solidFill>
-                <a:latin typeface="Arimo Bold"/>
-              </a:rPr>
-              <a:t>the Detection of Malicious JPEG Images</a:t>
-            </a:r>
-          </a:p>
-        </p:txBody>
-      </p:sp>
-      <p:sp>
-        <p:nvSpPr>
-          <p:cNvPr name="TextBox 5" id="5"/>
-          <p:cNvSpPr txBox="true"/>
+              <a:t>MALJPEG: MACHINE LEARNING BASED SOLUTION FOR the Detection of Malicious JPEG Images</a:t>
+            </a:r>
+          </a:p>
+        </p:txBody>
+      </p:sp>
+      <p:sp>
+        <p:nvSpPr>
+          <p:cNvPr id="5" name="TextBox 5"/>
+          <p:cNvSpPr txBox="1"/>
           <p:nvPr/>
         </p:nvSpPr>
         <p:spPr>
-          <a:xfrm rot="0">
+          <a:xfrm>
             <a:off x="8785549" y="7249606"/>
             <a:ext cx="5453974" cy="513519"/>
           </a:xfrm>
@@ -4239,7 +4231,7 @@
           </a:prstGeom>
         </p:spPr>
         <p:txBody>
-          <a:bodyPr anchor="t" rtlCol="false" tIns="0" lIns="0" bIns="0" rIns="0">
+          <a:bodyPr lIns="0" tIns="0" rIns="0" bIns="0" rtlCol="0" anchor="t">
             <a:spAutoFit/>
           </a:bodyPr>
           <a:lstStyle/>
@@ -4263,12 +4255,12 @@
       </p:sp>
       <p:sp>
         <p:nvSpPr>
-          <p:cNvPr name="TextBox 6" id="6"/>
-          <p:cNvSpPr txBox="true"/>
+          <p:cNvPr id="6" name="TextBox 6"/>
+          <p:cNvSpPr txBox="1"/>
           <p:nvPr/>
         </p:nvSpPr>
         <p:spPr>
-          <a:xfrm rot="0">
+          <a:xfrm>
             <a:off x="8910620" y="8067506"/>
             <a:ext cx="5453974" cy="1432491"/>
           </a:xfrm>
@@ -4277,7 +4269,7 @@
           </a:prstGeom>
         </p:spPr>
         <p:txBody>
-          <a:bodyPr anchor="t" rtlCol="false" tIns="0" lIns="0" bIns="0" rIns="0">
+          <a:bodyPr lIns="0" tIns="0" rIns="0" bIns="0" rtlCol="0" anchor="t">
             <a:spAutoFit/>
           </a:bodyPr>
           <a:lstStyle/>
@@ -4333,12 +4325,12 @@
       </p:sp>
       <p:sp>
         <p:nvSpPr>
-          <p:cNvPr name="TextBox 7" id="7"/>
-          <p:cNvSpPr txBox="true"/>
+          <p:cNvPr id="7" name="TextBox 7"/>
+          <p:cNvSpPr txBox="1"/>
           <p:nvPr/>
         </p:nvSpPr>
         <p:spPr>
-          <a:xfrm rot="0">
+          <a:xfrm>
             <a:off x="1142731" y="7249606"/>
             <a:ext cx="5453974" cy="513519"/>
           </a:xfrm>
@@ -4347,7 +4339,7 @@
           </a:prstGeom>
         </p:spPr>
         <p:txBody>
-          <a:bodyPr anchor="t" rtlCol="false" tIns="0" lIns="0" bIns="0" rIns="0">
+          <a:bodyPr lIns="0" tIns="0" rIns="0" bIns="0" rtlCol="0" anchor="t">
             <a:spAutoFit/>
           </a:bodyPr>
           <a:lstStyle/>
@@ -4371,12 +4363,12 @@
       </p:sp>
       <p:sp>
         <p:nvSpPr>
-          <p:cNvPr name="TextBox 8" id="8"/>
-          <p:cNvSpPr txBox="true"/>
+          <p:cNvPr id="8" name="TextBox 8"/>
+          <p:cNvSpPr txBox="1"/>
           <p:nvPr/>
         </p:nvSpPr>
         <p:spPr>
-          <a:xfrm rot="0">
+          <a:xfrm>
             <a:off x="2309175" y="8067506"/>
             <a:ext cx="3749878" cy="479991"/>
           </a:xfrm>
@@ -4385,7 +4377,7 @@
           </a:prstGeom>
         </p:spPr>
         <p:txBody>
-          <a:bodyPr anchor="t" rtlCol="false" tIns="0" lIns="0" bIns="0" rIns="0">
+          <a:bodyPr lIns="0" tIns="0" rIns="0" bIns="0" rtlCol="0" anchor="t">
             <a:spAutoFit/>
           </a:bodyPr>
           <a:lstStyle/>
@@ -4416,7 +4408,7 @@
 </file>
 
 <file path=ppt/slides/slide10.xml><?xml version="1.0" encoding="utf-8"?>
-<p:sld xmlns:p="http://schemas.openxmlformats.org/presentationml/2006/main" xmlns:a="http://schemas.openxmlformats.org/drawingml/2006/main" xmlns:r="http://schemas.openxmlformats.org/officeDocument/2006/relationships">
+<p:sld xmlns:a="http://schemas.openxmlformats.org/drawingml/2006/main" xmlns:r="http://schemas.openxmlformats.org/officeDocument/2006/relationships" xmlns:p="http://schemas.openxmlformats.org/presentationml/2006/main">
   <p:cSld>
     <p:spTree>
       <p:nvGrpSpPr>
@@ -4434,12 +4426,12 @@
       </p:grpSpPr>
       <p:sp>
         <p:nvSpPr>
-          <p:cNvPr name="Freeform 2" id="2"/>
+          <p:cNvPr id="2" name="Freeform 2"/>
           <p:cNvSpPr/>
           <p:nvPr/>
         </p:nvSpPr>
         <p:spPr>
-          <a:xfrm flipH="true" flipV="true" rot="0">
+          <a:xfrm flipH="1" flipV="1">
             <a:off x="0" y="0"/>
             <a:ext cx="18288000" cy="10287000"/>
           </a:xfrm>
@@ -4448,9 +4440,9 @@
             <a:gdLst/>
             <a:ahLst/>
             <a:cxnLst/>
-            <a:rect r="r" b="b" t="t" l="l"/>
+            <a:rect l="l" t="t" r="r" b="b"/>
             <a:pathLst>
-              <a:path h="10287000" w="18288000">
+              <a:path w="18288000" h="10287000">
                 <a:moveTo>
                   <a:pt x="18288000" y="10287000"/>
                 </a:moveTo>
@@ -4473,19 +4465,26 @@
           <a:blipFill>
             <a:blip r:embed="rId2"/>
             <a:stretch>
-              <a:fillRect l="0" t="-38888" r="0" b="-38888"/>
+              <a:fillRect t="-38888" b="-38888"/>
             </a:stretch>
           </a:blipFill>
         </p:spPr>
-      </p:sp>
-      <p:sp>
-        <p:nvSpPr>
-          <p:cNvPr name="Freeform 3" id="3"/>
+        <p:txBody>
+          <a:bodyPr/>
+          <a:lstStyle/>
+          <a:p>
+            <a:endParaRPr lang="en-US"/>
+          </a:p>
+        </p:txBody>
+      </p:sp>
+      <p:sp>
+        <p:nvSpPr>
+          <p:cNvPr id="3" name="Freeform 3"/>
           <p:cNvSpPr/>
           <p:nvPr/>
         </p:nvSpPr>
         <p:spPr>
-          <a:xfrm flipH="false" flipV="false" rot="0">
+          <a:xfrm>
             <a:off x="-2779578" y="7341318"/>
             <a:ext cx="7616557" cy="7815497"/>
           </a:xfrm>
@@ -4494,9 +4493,9 @@
             <a:gdLst/>
             <a:ahLst/>
             <a:cxnLst/>
-            <a:rect r="r" b="b" t="t" l="l"/>
+            <a:rect l="l" t="t" r="r" b="b"/>
             <a:pathLst>
-              <a:path h="7815497" w="7616557">
+              <a:path w="7616557" h="7815497">
                 <a:moveTo>
                   <a:pt x="0" y="0"/>
                 </a:moveTo>
@@ -4525,19 +4524,26 @@
               </a:extLst>
             </a:blip>
             <a:stretch>
-              <a:fillRect l="0" t="0" r="0" b="0"/>
+              <a:fillRect/>
             </a:stretch>
           </a:blipFill>
         </p:spPr>
-      </p:sp>
-      <p:sp>
-        <p:nvSpPr>
-          <p:cNvPr name="TextBox 4" id="4"/>
-          <p:cNvSpPr txBox="true"/>
+        <p:txBody>
+          <a:bodyPr/>
+          <a:lstStyle/>
+          <a:p>
+            <a:endParaRPr lang="en-US"/>
+          </a:p>
+        </p:txBody>
+      </p:sp>
+      <p:sp>
+        <p:nvSpPr>
+          <p:cNvPr id="4" name="TextBox 4"/>
+          <p:cNvSpPr txBox="1"/>
           <p:nvPr/>
         </p:nvSpPr>
         <p:spPr>
-          <a:xfrm rot="0">
+          <a:xfrm>
             <a:off x="802531" y="3267193"/>
             <a:ext cx="16456769" cy="1062371"/>
           </a:xfrm>
@@ -4546,12 +4552,12 @@
           </a:prstGeom>
         </p:spPr>
         <p:txBody>
-          <a:bodyPr anchor="t" rtlCol="false" tIns="0" lIns="0" bIns="0" rIns="0">
+          <a:bodyPr lIns="0" tIns="0" rIns="0" bIns="0" rtlCol="0" anchor="t">
             <a:spAutoFit/>
           </a:bodyPr>
           <a:lstStyle/>
           <a:p>
-            <a:pPr algn="l" marL="671534" indent="-335767" lvl="1">
+            <a:pPr marL="671534" lvl="1" indent="-335767" algn="l">
               <a:lnSpc>
                 <a:spcPts val="4292"/>
               </a:lnSpc>
@@ -4572,12 +4578,12 @@
       </p:sp>
       <p:sp>
         <p:nvSpPr>
-          <p:cNvPr name="TextBox 5" id="5"/>
-          <p:cNvSpPr txBox="true"/>
+          <p:cNvPr id="5" name="TextBox 5"/>
+          <p:cNvSpPr txBox="1"/>
           <p:nvPr/>
         </p:nvSpPr>
         <p:spPr>
-          <a:xfrm rot="0">
+          <a:xfrm>
             <a:off x="802531" y="4588502"/>
             <a:ext cx="16456769" cy="1062371"/>
           </a:xfrm>
@@ -4586,12 +4592,12 @@
           </a:prstGeom>
         </p:spPr>
         <p:txBody>
-          <a:bodyPr anchor="t" rtlCol="false" tIns="0" lIns="0" bIns="0" rIns="0">
+          <a:bodyPr lIns="0" tIns="0" rIns="0" bIns="0" rtlCol="0" anchor="t">
             <a:spAutoFit/>
           </a:bodyPr>
           <a:lstStyle/>
           <a:p>
-            <a:pPr algn="l" marL="671534" indent="-335767" lvl="1">
+            <a:pPr marL="671534" lvl="1" indent="-335767" algn="l">
               <a:lnSpc>
                 <a:spcPts val="4292"/>
               </a:lnSpc>
@@ -4612,12 +4618,12 @@
       </p:sp>
       <p:sp>
         <p:nvSpPr>
-          <p:cNvPr name="TextBox 6" id="6"/>
-          <p:cNvSpPr txBox="true"/>
+          <p:cNvPr id="6" name="TextBox 6"/>
+          <p:cNvSpPr txBox="1"/>
           <p:nvPr/>
         </p:nvSpPr>
         <p:spPr>
-          <a:xfrm rot="0">
+          <a:xfrm>
             <a:off x="802531" y="5941097"/>
             <a:ext cx="16456769" cy="519446"/>
           </a:xfrm>
@@ -4626,12 +4632,12 @@
           </a:prstGeom>
         </p:spPr>
         <p:txBody>
-          <a:bodyPr anchor="t" rtlCol="false" tIns="0" lIns="0" bIns="0" rIns="0">
+          <a:bodyPr lIns="0" tIns="0" rIns="0" bIns="0" rtlCol="0" anchor="t">
             <a:spAutoFit/>
           </a:bodyPr>
           <a:lstStyle/>
           <a:p>
-            <a:pPr algn="l" marL="671534" indent="-335767" lvl="1">
+            <a:pPr marL="671534" lvl="1" indent="-335767" algn="l">
               <a:lnSpc>
                 <a:spcPts val="4292"/>
               </a:lnSpc>
@@ -4652,12 +4658,12 @@
       </p:sp>
       <p:sp>
         <p:nvSpPr>
-          <p:cNvPr name="TextBox 7" id="7"/>
-          <p:cNvSpPr txBox="true"/>
+          <p:cNvPr id="7" name="TextBox 7"/>
+          <p:cNvSpPr txBox="1"/>
           <p:nvPr/>
         </p:nvSpPr>
         <p:spPr>
-          <a:xfrm rot="0">
+          <a:xfrm>
             <a:off x="802531" y="7057782"/>
             <a:ext cx="16456769" cy="519446"/>
           </a:xfrm>
@@ -4666,12 +4672,12 @@
           </a:prstGeom>
         </p:spPr>
         <p:txBody>
-          <a:bodyPr anchor="t" rtlCol="false" tIns="0" lIns="0" bIns="0" rIns="0">
+          <a:bodyPr lIns="0" tIns="0" rIns="0" bIns="0" rtlCol="0" anchor="t">
             <a:spAutoFit/>
           </a:bodyPr>
           <a:lstStyle/>
           <a:p>
-            <a:pPr algn="l" marL="671534" indent="-335767" lvl="1">
+            <a:pPr marL="671534" lvl="1" indent="-335767" algn="l">
               <a:lnSpc>
                 <a:spcPts val="4292"/>
               </a:lnSpc>
@@ -4692,12 +4698,12 @@
       </p:sp>
       <p:sp>
         <p:nvSpPr>
-          <p:cNvPr name="TextBox 8" id="8"/>
-          <p:cNvSpPr txBox="true"/>
+          <p:cNvPr id="8" name="TextBox 8"/>
+          <p:cNvSpPr txBox="1"/>
           <p:nvPr/>
         </p:nvSpPr>
         <p:spPr>
-          <a:xfrm rot="0">
+          <a:xfrm>
             <a:off x="1248655" y="265941"/>
             <a:ext cx="15839722" cy="1714917"/>
           </a:xfrm>
@@ -4706,7 +4712,7 @@
           </a:prstGeom>
         </p:spPr>
         <p:txBody>
-          <a:bodyPr anchor="t" rtlCol="false" tIns="0" lIns="0" bIns="0" rIns="0">
+          <a:bodyPr lIns="0" tIns="0" rIns="0" bIns="0" rtlCol="0" anchor="t">
             <a:spAutoFit/>
           </a:bodyPr>
           <a:lstStyle/>
@@ -4737,7 +4743,7 @@
 </file>
 
 <file path=ppt/slides/slide11.xml><?xml version="1.0" encoding="utf-8"?>
-<p:sld xmlns:p="http://schemas.openxmlformats.org/presentationml/2006/main" xmlns:a="http://schemas.openxmlformats.org/drawingml/2006/main" xmlns:r="http://schemas.openxmlformats.org/officeDocument/2006/relationships">
+<p:sld xmlns:a="http://schemas.openxmlformats.org/drawingml/2006/main" xmlns:r="http://schemas.openxmlformats.org/officeDocument/2006/relationships" xmlns:p="http://schemas.openxmlformats.org/presentationml/2006/main">
   <p:cSld>
     <p:spTree>
       <p:nvGrpSpPr>
@@ -4755,13 +4761,13 @@
       </p:grpSpPr>
       <p:sp>
         <p:nvSpPr>
-          <p:cNvPr name="Freeform 2" id="2"/>
+          <p:cNvPr id="2" name="Freeform 2"/>
           <p:cNvSpPr/>
           <p:nvPr/>
         </p:nvSpPr>
         <p:spPr>
-          <a:xfrm flipH="true" flipV="true" rot="0">
-            <a:off x="0" y="0"/>
+          <a:xfrm flipH="1" flipV="1">
+            <a:off x="-113085" y="-10632"/>
             <a:ext cx="18288000" cy="10287000"/>
           </a:xfrm>
           <a:custGeom>
@@ -4769,9 +4775,9 @@
             <a:gdLst/>
             <a:ahLst/>
             <a:cxnLst/>
-            <a:rect r="r" b="b" t="t" l="l"/>
+            <a:rect l="l" t="t" r="r" b="b"/>
             <a:pathLst>
-              <a:path h="10287000" w="18288000">
+              <a:path w="18288000" h="10287000">
                 <a:moveTo>
                   <a:pt x="18288000" y="10287000"/>
                 </a:moveTo>
@@ -4794,19 +4800,26 @@
           <a:blipFill>
             <a:blip r:embed="rId2"/>
             <a:stretch>
-              <a:fillRect l="0" t="-38888" r="0" b="-38888"/>
+              <a:fillRect t="-38888" b="-38888"/>
             </a:stretch>
           </a:blipFill>
         </p:spPr>
-      </p:sp>
-      <p:sp>
-        <p:nvSpPr>
-          <p:cNvPr name="Freeform 3" id="3"/>
+        <p:txBody>
+          <a:bodyPr/>
+          <a:lstStyle/>
+          <a:p>
+            <a:endParaRPr lang="en-US"/>
+          </a:p>
+        </p:txBody>
+      </p:sp>
+      <p:sp>
+        <p:nvSpPr>
+          <p:cNvPr id="3" name="Freeform 3"/>
           <p:cNvSpPr/>
           <p:nvPr/>
         </p:nvSpPr>
         <p:spPr>
-          <a:xfrm flipH="false" flipV="false" rot="0">
+          <a:xfrm>
             <a:off x="-2779578" y="7341318"/>
             <a:ext cx="7616557" cy="7815497"/>
           </a:xfrm>
@@ -4815,9 +4828,9 @@
             <a:gdLst/>
             <a:ahLst/>
             <a:cxnLst/>
-            <a:rect r="r" b="b" t="t" l="l"/>
+            <a:rect l="l" t="t" r="r" b="b"/>
             <a:pathLst>
-              <a:path h="7815497" w="7616557">
+              <a:path w="7616557" h="7815497">
                 <a:moveTo>
                   <a:pt x="0" y="0"/>
                 </a:moveTo>
@@ -4846,19 +4859,26 @@
               </a:extLst>
             </a:blip>
             <a:stretch>
-              <a:fillRect l="0" t="0" r="0" b="0"/>
+              <a:fillRect/>
             </a:stretch>
           </a:blipFill>
         </p:spPr>
-      </p:sp>
-      <p:sp>
-        <p:nvSpPr>
-          <p:cNvPr name="TextBox 4" id="4"/>
-          <p:cNvSpPr txBox="true"/>
+        <p:txBody>
+          <a:bodyPr/>
+          <a:lstStyle/>
+          <a:p>
+            <a:endParaRPr lang="en-US"/>
+          </a:p>
+        </p:txBody>
+      </p:sp>
+      <p:sp>
+        <p:nvSpPr>
+          <p:cNvPr id="4" name="TextBox 4"/>
+          <p:cNvSpPr txBox="1"/>
           <p:nvPr/>
         </p:nvSpPr>
         <p:spPr>
-          <a:xfrm rot="0">
+          <a:xfrm>
             <a:off x="802531" y="3267193"/>
             <a:ext cx="16456769" cy="1605296"/>
           </a:xfrm>
@@ -4867,12 +4887,12 @@
           </a:prstGeom>
         </p:spPr>
         <p:txBody>
-          <a:bodyPr anchor="t" rtlCol="false" tIns="0" lIns="0" bIns="0" rIns="0">
+          <a:bodyPr lIns="0" tIns="0" rIns="0" bIns="0" rtlCol="0" anchor="t">
             <a:spAutoFit/>
           </a:bodyPr>
           <a:lstStyle/>
           <a:p>
-            <a:pPr algn="l" marL="671534" indent="-335767" lvl="1">
+            <a:pPr marL="671534" lvl="1" indent="-335767" algn="l">
               <a:lnSpc>
                 <a:spcPts val="4292"/>
               </a:lnSpc>
@@ -4893,12 +4913,12 @@
       </p:sp>
       <p:sp>
         <p:nvSpPr>
-          <p:cNvPr name="TextBox 5" id="5"/>
-          <p:cNvSpPr txBox="true"/>
+          <p:cNvPr id="5" name="TextBox 5"/>
+          <p:cNvSpPr txBox="1"/>
           <p:nvPr/>
         </p:nvSpPr>
         <p:spPr>
-          <a:xfrm rot="0">
+          <a:xfrm>
             <a:off x="802531" y="5941097"/>
             <a:ext cx="16456769" cy="1062371"/>
           </a:xfrm>
@@ -4907,12 +4927,12 @@
           </a:prstGeom>
         </p:spPr>
         <p:txBody>
-          <a:bodyPr anchor="t" rtlCol="false" tIns="0" lIns="0" bIns="0" rIns="0">
+          <a:bodyPr lIns="0" tIns="0" rIns="0" bIns="0" rtlCol="0" anchor="t">
             <a:spAutoFit/>
           </a:bodyPr>
           <a:lstStyle/>
           <a:p>
-            <a:pPr algn="l" marL="671534" indent="-335767" lvl="1">
+            <a:pPr marL="671534" lvl="1" indent="-335767" algn="l">
               <a:lnSpc>
                 <a:spcPts val="4292"/>
               </a:lnSpc>
@@ -4933,12 +4953,12 @@
       </p:sp>
       <p:sp>
         <p:nvSpPr>
-          <p:cNvPr name="TextBox 6" id="6"/>
-          <p:cNvSpPr txBox="true"/>
+          <p:cNvPr id="6" name="TextBox 6"/>
+          <p:cNvSpPr txBox="1"/>
           <p:nvPr/>
         </p:nvSpPr>
         <p:spPr>
-          <a:xfrm rot="0">
+          <a:xfrm>
             <a:off x="1248655" y="265941"/>
             <a:ext cx="15839722" cy="1714917"/>
           </a:xfrm>
@@ -4947,7 +4967,7 @@
           </a:prstGeom>
         </p:spPr>
         <p:txBody>
-          <a:bodyPr anchor="t" rtlCol="false" tIns="0" lIns="0" bIns="0" rIns="0">
+          <a:bodyPr lIns="0" tIns="0" rIns="0" bIns="0" rtlCol="0" anchor="t">
             <a:spAutoFit/>
           </a:bodyPr>
           <a:lstStyle/>
@@ -4966,6 +4986,67 @@
               </a:rPr>
               <a:t>DEMO</a:t>
             </a:r>
+          </a:p>
+        </p:txBody>
+      </p:sp>
+      <p:sp>
+        <p:nvSpPr>
+          <p:cNvPr id="7" name="TextBox 5">
+            <a:extLst>
+              <a:ext uri="{FF2B5EF4-FFF2-40B4-BE49-F238E27FC236}">
+                <a16:creationId xmlns:a16="http://schemas.microsoft.com/office/drawing/2014/main" id="{EB5DF00F-1086-1B78-E2DD-2702C9FA71AB}"/>
+              </a:ext>
+            </a:extLst>
+          </p:cNvPr>
+          <p:cNvSpPr txBox="1"/>
+          <p:nvPr/>
+        </p:nvSpPr>
+        <p:spPr>
+          <a:xfrm>
+            <a:off x="802531" y="1863677"/>
+            <a:ext cx="16456769" cy="1060740"/>
+          </a:xfrm>
+          <a:prstGeom prst="rect">
+            <a:avLst/>
+          </a:prstGeom>
+        </p:spPr>
+        <p:txBody>
+          <a:bodyPr lIns="0" tIns="0" rIns="0" bIns="0" rtlCol="0" anchor="t">
+            <a:spAutoFit/>
+          </a:bodyPr>
+          <a:lstStyle/>
+          <a:p>
+            <a:pPr marL="671534" lvl="1" indent="-335767" algn="l">
+              <a:lnSpc>
+                <a:spcPts val="4292"/>
+              </a:lnSpc>
+              <a:buFont typeface="Arial"/>
+              <a:buChar char="•"/>
+            </a:pPr>
+            <a:r>
+              <a:rPr lang="vi-VN" sz="3110" spc="304">
+                <a:solidFill>
+                  <a:srgbClr val="231F20"/>
+                </a:solidFill>
+                <a:latin typeface="Quicksand"/>
+              </a:rPr>
+              <a:t>Link: </a:t>
+            </a:r>
+            <a:r>
+              <a:rPr lang="vi-VN" sz="3110" spc="304">
+                <a:solidFill>
+                  <a:srgbClr val="FF0000"/>
+                </a:solidFill>
+                <a:latin typeface="Quicksand"/>
+              </a:rPr>
+              <a:t>https://drive.google.com/file/d/1GaHBOebWoKlidZjV5-8y6piGVe7XONpT/view?usp=sharing</a:t>
+            </a:r>
+            <a:endParaRPr lang="en-US" sz="3110" spc="304">
+              <a:solidFill>
+                <a:srgbClr val="FF0000"/>
+              </a:solidFill>
+              <a:latin typeface="Quicksand"/>
+            </a:endParaRPr>
           </a:p>
         </p:txBody>
       </p:sp>
@@ -4978,7 +5059,7 @@
 </file>
 
 <file path=ppt/slides/slide12.xml><?xml version="1.0" encoding="utf-8"?>
-<p:sld xmlns:p="http://schemas.openxmlformats.org/presentationml/2006/main" xmlns:a="http://schemas.openxmlformats.org/drawingml/2006/main" xmlns:r="http://schemas.openxmlformats.org/officeDocument/2006/relationships">
+<p:sld xmlns:a="http://schemas.openxmlformats.org/drawingml/2006/main" xmlns:r="http://schemas.openxmlformats.org/officeDocument/2006/relationships" xmlns:p="http://schemas.openxmlformats.org/presentationml/2006/main">
   <p:cSld>
     <p:spTree>
       <p:nvGrpSpPr>
@@ -4996,13 +5077,13 @@
       </p:grpSpPr>
       <p:sp>
         <p:nvSpPr>
-          <p:cNvPr name="Freeform 2" id="2"/>
+          <p:cNvPr id="2" name="Freeform 2"/>
           <p:cNvSpPr/>
           <p:nvPr/>
         </p:nvSpPr>
         <p:spPr>
-          <a:xfrm flipH="true" flipV="true" rot="0">
-            <a:off x="0" y="0"/>
+          <a:xfrm flipH="1" flipV="1">
+            <a:off x="0" y="17318"/>
             <a:ext cx="18288000" cy="10287000"/>
           </a:xfrm>
           <a:custGeom>
@@ -5010,9 +5091,9 @@
             <a:gdLst/>
             <a:ahLst/>
             <a:cxnLst/>
-            <a:rect r="r" b="b" t="t" l="l"/>
+            <a:rect l="l" t="t" r="r" b="b"/>
             <a:pathLst>
-              <a:path h="10287000" w="18288000">
+              <a:path w="18288000" h="10287000">
                 <a:moveTo>
                   <a:pt x="18288000" y="10287000"/>
                 </a:moveTo>
@@ -5035,71 +5116,26 @@
           <a:blipFill>
             <a:blip r:embed="rId2"/>
             <a:stretch>
-              <a:fillRect l="0" t="-38888" r="0" b="-38888"/>
+              <a:fillRect t="-38888" b="-38888"/>
             </a:stretch>
           </a:blipFill>
         </p:spPr>
-      </p:sp>
-      <p:sp>
-        <p:nvSpPr>
-          <p:cNvPr name="Freeform 3" id="3"/>
-          <p:cNvSpPr/>
+        <p:txBody>
+          <a:bodyPr/>
+          <a:lstStyle/>
+          <a:p>
+            <a:endParaRPr lang="en-US"/>
+          </a:p>
+        </p:txBody>
+      </p:sp>
+      <p:sp>
+        <p:nvSpPr>
+          <p:cNvPr id="4" name="TextBox 4"/>
+          <p:cNvSpPr txBox="1"/>
           <p:nvPr/>
         </p:nvSpPr>
         <p:spPr>
-          <a:xfrm flipH="false" flipV="false" rot="-10580377">
-            <a:off x="9407140" y="-9309963"/>
-            <a:ext cx="24036383" cy="24664199"/>
-          </a:xfrm>
-          <a:custGeom>
-            <a:avLst/>
-            <a:gdLst/>
-            <a:ahLst/>
-            <a:cxnLst/>
-            <a:rect r="r" b="b" t="t" l="l"/>
-            <a:pathLst>
-              <a:path h="24664199" w="24036383">
-                <a:moveTo>
-                  <a:pt x="0" y="0"/>
-                </a:moveTo>
-                <a:lnTo>
-                  <a:pt x="24036383" y="0"/>
-                </a:lnTo>
-                <a:lnTo>
-                  <a:pt x="24036383" y="24664198"/>
-                </a:lnTo>
-                <a:lnTo>
-                  <a:pt x="0" y="24664198"/>
-                </a:lnTo>
-                <a:lnTo>
-                  <a:pt x="0" y="0"/>
-                </a:lnTo>
-                <a:close/>
-              </a:path>
-            </a:pathLst>
-          </a:custGeom>
-          <a:blipFill>
-            <a:blip r:embed="rId3">
-              <a:extLst>
-                <a:ext uri="{96DAC541-7B7A-43D3-8B79-37D633B846F1}">
-                  <asvg:svgBlip xmlns:asvg="http://schemas.microsoft.com/office/drawing/2016/SVG/main" r:embed="rId4"/>
-                </a:ext>
-              </a:extLst>
-            </a:blip>
-            <a:stretch>
-              <a:fillRect l="0" t="0" r="0" b="0"/>
-            </a:stretch>
-          </a:blipFill>
-        </p:spPr>
-      </p:sp>
-      <p:sp>
-        <p:nvSpPr>
-          <p:cNvPr name="TextBox 4" id="4"/>
-          <p:cNvSpPr txBox="true"/>
-          <p:nvPr/>
-        </p:nvSpPr>
-        <p:spPr>
-          <a:xfrm rot="0">
+          <a:xfrm>
             <a:off x="1028700" y="3393931"/>
             <a:ext cx="8097687" cy="4937413"/>
           </a:xfrm>
@@ -5108,12 +5144,12 @@
           </a:prstGeom>
         </p:spPr>
         <p:txBody>
-          <a:bodyPr anchor="t" rtlCol="false" tIns="0" lIns="0" bIns="0" rIns="0">
+          <a:bodyPr lIns="0" tIns="0" rIns="0" bIns="0" rtlCol="0" anchor="t">
             <a:spAutoFit/>
           </a:bodyPr>
           <a:lstStyle/>
           <a:p>
-            <a:pPr algn="l" marL="0" indent="0" lvl="0">
+            <a:pPr marL="0" lvl="0" indent="0" algn="l">
               <a:lnSpc>
                 <a:spcPts val="13015"/>
               </a:lnSpc>
@@ -5142,13 +5178,14 @@
 </file>
 
 <file path=ppt/slides/slide2.xml><?xml version="1.0" encoding="utf-8"?>
-<p:sld xmlns:p="http://schemas.openxmlformats.org/presentationml/2006/main" xmlns:a="http://schemas.openxmlformats.org/drawingml/2006/main" xmlns:r="http://schemas.openxmlformats.org/officeDocument/2006/relationships">
+<p:sld xmlns:a="http://schemas.openxmlformats.org/drawingml/2006/main" xmlns:r="http://schemas.openxmlformats.org/officeDocument/2006/relationships" xmlns:p="http://schemas.openxmlformats.org/presentationml/2006/main">
   <p:cSld>
     <p:bg>
       <p:bgPr>
         <a:solidFill>
           <a:srgbClr val="F2F4F5"/>
         </a:solidFill>
+        <a:effectLst/>
       </p:bgPr>
     </p:bg>
     <p:spTree>
@@ -5167,12 +5204,12 @@
       </p:grpSpPr>
       <p:sp>
         <p:nvSpPr>
-          <p:cNvPr name="Freeform 2" id="2"/>
+          <p:cNvPr id="2" name="Freeform 2"/>
           <p:cNvSpPr/>
           <p:nvPr/>
         </p:nvSpPr>
         <p:spPr>
-          <a:xfrm flipH="false" flipV="false" rot="7659121">
+          <a:xfrm rot="7659121">
             <a:off x="-2773274" y="6997691"/>
             <a:ext cx="7629294" cy="7828566"/>
           </a:xfrm>
@@ -5181,9 +5218,9 @@
             <a:gdLst/>
             <a:ahLst/>
             <a:cxnLst/>
-            <a:rect r="r" b="b" t="t" l="l"/>
+            <a:rect l="l" t="t" r="r" b="b"/>
             <a:pathLst>
-              <a:path h="7828566" w="7629294">
+              <a:path w="7629294" h="7828566">
                 <a:moveTo>
                   <a:pt x="0" y="0"/>
                 </a:moveTo>
@@ -5212,19 +5249,26 @@
               </a:extLst>
             </a:blip>
             <a:stretch>
-              <a:fillRect l="0" t="0" r="0" b="0"/>
+              <a:fillRect/>
             </a:stretch>
           </a:blipFill>
         </p:spPr>
+        <p:txBody>
+          <a:bodyPr/>
+          <a:lstStyle/>
+          <a:p>
+            <a:endParaRPr lang="en-US"/>
+          </a:p>
+        </p:txBody>
       </p:sp>
       <p:grpSp>
         <p:nvGrpSpPr>
-          <p:cNvPr name="Group 3" id="3"/>
+          <p:cNvPr id="3" name="Group 3"/>
           <p:cNvGrpSpPr/>
           <p:nvPr/>
         </p:nvGrpSpPr>
         <p:grpSpPr>
-          <a:xfrm rot="0">
+          <a:xfrm>
             <a:off x="1502675" y="1734704"/>
             <a:ext cx="1548623" cy="4892320"/>
             <a:chOff x="0" y="0"/>
@@ -5233,12 +5277,12 @@
         </p:grpSpPr>
         <p:sp>
           <p:nvSpPr>
-            <p:cNvPr name="Freeform 4" id="4"/>
+            <p:cNvPr id="4" name="Freeform 4"/>
             <p:cNvSpPr/>
             <p:nvPr/>
           </p:nvSpPr>
           <p:spPr>
-            <a:xfrm flipH="false" flipV="false" rot="0">
+            <a:xfrm>
               <a:off x="0" y="0"/>
               <a:ext cx="368852" cy="1165256"/>
             </a:xfrm>
@@ -5247,9 +5291,9 @@
               <a:gdLst/>
               <a:ahLst/>
               <a:cxnLst/>
-              <a:rect r="r" b="b" t="t" l="l"/>
+              <a:rect l="l" t="t" r="r" b="b"/>
               <a:pathLst>
-                <a:path h="1165256" w="368852">
+                <a:path w="368852" h="1165256">
                   <a:moveTo>
                     <a:pt x="0" y="0"/>
                   </a:moveTo>
@@ -5270,11 +5314,18 @@
               <a:srgbClr val="CCCCCC"/>
             </a:solidFill>
           </p:spPr>
+          <p:txBody>
+            <a:bodyPr/>
+            <a:lstStyle/>
+            <a:p>
+              <a:endParaRPr lang="en-US"/>
+            </a:p>
+          </p:txBody>
         </p:sp>
         <p:sp>
           <p:nvSpPr>
-            <p:cNvPr name="TextBox 5" id="5"/>
-            <p:cNvSpPr txBox="true"/>
+            <p:cNvPr id="5" name="TextBox 5"/>
+            <p:cNvSpPr txBox="1"/>
             <p:nvPr/>
           </p:nvSpPr>
           <p:spPr>
@@ -5287,7 +5338,7 @@
             </a:prstGeom>
           </p:spPr>
           <p:txBody>
-            <a:bodyPr anchor="ctr" rtlCol="false" tIns="50800" lIns="50800" bIns="50800" rIns="50800"/>
+            <a:bodyPr lIns="50800" tIns="50800" rIns="50800" bIns="50800" rtlCol="0" anchor="ctr"/>
             <a:lstStyle/>
             <a:p>
               <a:pPr algn="ctr">
@@ -5295,18 +5346,19 @@
                   <a:spcPts val="2859"/>
                 </a:lnSpc>
               </a:pPr>
+              <a:endParaRPr/>
             </a:p>
           </p:txBody>
         </p:sp>
       </p:grpSp>
       <p:sp>
         <p:nvSpPr>
-          <p:cNvPr name="TextBox 6" id="6"/>
-          <p:cNvSpPr txBox="true"/>
+          <p:cNvPr id="6" name="TextBox 6"/>
+          <p:cNvSpPr txBox="1"/>
           <p:nvPr/>
         </p:nvSpPr>
         <p:spPr>
-          <a:xfrm rot="0">
+          <a:xfrm>
             <a:off x="5727576" y="72536"/>
             <a:ext cx="7416941" cy="1714917"/>
           </a:xfrm>
@@ -5315,7 +5367,7 @@
           </a:prstGeom>
         </p:spPr>
         <p:txBody>
-          <a:bodyPr anchor="t" rtlCol="false" tIns="0" lIns="0" bIns="0" rIns="0">
+          <a:bodyPr lIns="0" tIns="0" rIns="0" bIns="0" rtlCol="0" anchor="t">
             <a:spAutoFit/>
           </a:bodyPr>
           <a:lstStyle/>
@@ -5339,12 +5391,12 @@
       </p:sp>
       <p:sp>
         <p:nvSpPr>
-          <p:cNvPr name="Freeform 7" id="7"/>
+          <p:cNvPr id="7" name="Freeform 7"/>
           <p:cNvSpPr/>
           <p:nvPr/>
         </p:nvSpPr>
         <p:spPr>
-          <a:xfrm flipH="false" flipV="false" rot="2016048">
+          <a:xfrm rot="2016048">
             <a:off x="11974687" y="979429"/>
             <a:ext cx="10749463" cy="2687366"/>
           </a:xfrm>
@@ -5353,9 +5405,9 @@
             <a:gdLst/>
             <a:ahLst/>
             <a:cxnLst/>
-            <a:rect r="r" b="b" t="t" l="l"/>
+            <a:rect l="l" t="t" r="r" b="b"/>
             <a:pathLst>
-              <a:path h="2687366" w="10749463">
+              <a:path w="10749463" h="2687366">
                 <a:moveTo>
                   <a:pt x="0" y="0"/>
                 </a:moveTo>
@@ -5384,19 +5436,26 @@
               </a:extLst>
             </a:blip>
             <a:stretch>
-              <a:fillRect l="0" t="0" r="0" b="0"/>
+              <a:fillRect/>
             </a:stretch>
           </a:blipFill>
         </p:spPr>
-      </p:sp>
-      <p:sp>
-        <p:nvSpPr>
-          <p:cNvPr name="TextBox 8" id="8"/>
-          <p:cNvSpPr txBox="true"/>
+        <p:txBody>
+          <a:bodyPr/>
+          <a:lstStyle/>
+          <a:p>
+            <a:endParaRPr lang="en-US"/>
+          </a:p>
+        </p:txBody>
+      </p:sp>
+      <p:sp>
+        <p:nvSpPr>
+          <p:cNvPr id="8" name="TextBox 8"/>
+          <p:cNvSpPr txBox="1"/>
           <p:nvPr/>
         </p:nvSpPr>
         <p:spPr>
-          <a:xfrm rot="0">
+          <a:xfrm>
             <a:off x="1747545" y="1912877"/>
             <a:ext cx="1036354" cy="735261"/>
           </a:xfrm>
@@ -5405,7 +5464,7 @@
           </a:prstGeom>
         </p:spPr>
         <p:txBody>
-          <a:bodyPr anchor="t" rtlCol="false" tIns="0" lIns="0" bIns="0" rIns="0">
+          <a:bodyPr lIns="0" tIns="0" rIns="0" bIns="0" rtlCol="0" anchor="t">
             <a:spAutoFit/>
           </a:bodyPr>
           <a:lstStyle/>
@@ -5429,12 +5488,12 @@
       </p:sp>
       <p:sp>
         <p:nvSpPr>
-          <p:cNvPr name="TextBox 9" id="9"/>
-          <p:cNvSpPr txBox="true"/>
+          <p:cNvPr id="9" name="TextBox 9"/>
+          <p:cNvSpPr txBox="1"/>
           <p:nvPr/>
         </p:nvSpPr>
         <p:spPr>
-          <a:xfrm rot="0">
+          <a:xfrm>
             <a:off x="1758809" y="2832932"/>
             <a:ext cx="1036354" cy="735261"/>
           </a:xfrm>
@@ -5443,7 +5502,7 @@
           </a:prstGeom>
         </p:spPr>
         <p:txBody>
-          <a:bodyPr anchor="t" rtlCol="false" tIns="0" lIns="0" bIns="0" rIns="0">
+          <a:bodyPr lIns="0" tIns="0" rIns="0" bIns="0" rtlCol="0" anchor="t">
             <a:spAutoFit/>
           </a:bodyPr>
           <a:lstStyle/>
@@ -5467,12 +5526,12 @@
       </p:sp>
       <p:sp>
         <p:nvSpPr>
-          <p:cNvPr name="TextBox 10" id="10"/>
-          <p:cNvSpPr txBox="true"/>
+          <p:cNvPr id="10" name="TextBox 10"/>
+          <p:cNvSpPr txBox="1"/>
           <p:nvPr/>
         </p:nvSpPr>
         <p:spPr>
-          <a:xfrm rot="0">
+          <a:xfrm>
             <a:off x="1758809" y="3749168"/>
             <a:ext cx="1036354" cy="735261"/>
           </a:xfrm>
@@ -5481,7 +5540,7 @@
           </a:prstGeom>
         </p:spPr>
         <p:txBody>
-          <a:bodyPr anchor="t" rtlCol="false" tIns="0" lIns="0" bIns="0" rIns="0">
+          <a:bodyPr lIns="0" tIns="0" rIns="0" bIns="0" rtlCol="0" anchor="t">
             <a:spAutoFit/>
           </a:bodyPr>
           <a:lstStyle/>
@@ -5505,12 +5564,12 @@
       </p:sp>
       <p:sp>
         <p:nvSpPr>
-          <p:cNvPr name="TextBox 11" id="11"/>
-          <p:cNvSpPr txBox="true"/>
+          <p:cNvPr id="11" name="TextBox 11"/>
+          <p:cNvSpPr txBox="1"/>
           <p:nvPr/>
         </p:nvSpPr>
         <p:spPr>
-          <a:xfrm rot="0">
+          <a:xfrm>
             <a:off x="3269180" y="2018305"/>
             <a:ext cx="6610472" cy="486306"/>
           </a:xfrm>
@@ -5519,7 +5578,7 @@
           </a:prstGeom>
         </p:spPr>
         <p:txBody>
-          <a:bodyPr anchor="t" rtlCol="false" tIns="0" lIns="0" bIns="0" rIns="0">
+          <a:bodyPr lIns="0" tIns="0" rIns="0" bIns="0" rtlCol="0" anchor="t">
             <a:spAutoFit/>
           </a:bodyPr>
           <a:lstStyle/>
@@ -5543,12 +5602,12 @@
       </p:sp>
       <p:sp>
         <p:nvSpPr>
-          <p:cNvPr name="TextBox 12" id="12"/>
-          <p:cNvSpPr txBox="true"/>
+          <p:cNvPr id="12" name="TextBox 12"/>
+          <p:cNvSpPr txBox="1"/>
           <p:nvPr/>
         </p:nvSpPr>
         <p:spPr>
-          <a:xfrm rot="0">
+          <a:xfrm>
             <a:off x="3269180" y="2933067"/>
             <a:ext cx="6719392" cy="487366"/>
           </a:xfrm>
@@ -5557,7 +5616,7 @@
           </a:prstGeom>
         </p:spPr>
         <p:txBody>
-          <a:bodyPr anchor="t" rtlCol="false" tIns="0" lIns="0" bIns="0" rIns="0">
+          <a:bodyPr lIns="0" tIns="0" rIns="0" bIns="0" rtlCol="0" anchor="t">
             <a:spAutoFit/>
           </a:bodyPr>
           <a:lstStyle/>
@@ -5581,12 +5640,12 @@
       </p:sp>
       <p:sp>
         <p:nvSpPr>
-          <p:cNvPr name="TextBox 13" id="13"/>
-          <p:cNvSpPr txBox="true"/>
+          <p:cNvPr id="13" name="TextBox 13"/>
+          <p:cNvSpPr txBox="1"/>
           <p:nvPr/>
         </p:nvSpPr>
         <p:spPr>
-          <a:xfrm rot="0">
+          <a:xfrm>
             <a:off x="3269180" y="3849304"/>
             <a:ext cx="6403001" cy="487366"/>
           </a:xfrm>
@@ -5595,12 +5654,12 @@
           </a:prstGeom>
         </p:spPr>
         <p:txBody>
-          <a:bodyPr anchor="t" rtlCol="false" tIns="0" lIns="0" bIns="0" rIns="0">
+          <a:bodyPr lIns="0" tIns="0" rIns="0" bIns="0" rtlCol="0" anchor="t">
             <a:spAutoFit/>
           </a:bodyPr>
           <a:lstStyle/>
           <a:p>
-            <a:pPr algn="l" marL="0" indent="0" lvl="0">
+            <a:pPr marL="0" lvl="0" indent="0" algn="l">
               <a:lnSpc>
                 <a:spcPts val="3851"/>
               </a:lnSpc>
@@ -5622,12 +5681,12 @@
       </p:sp>
       <p:sp>
         <p:nvSpPr>
-          <p:cNvPr name="TextBox 14" id="14"/>
-          <p:cNvSpPr txBox="true"/>
+          <p:cNvPr id="14" name="TextBox 14"/>
+          <p:cNvSpPr txBox="1"/>
           <p:nvPr/>
         </p:nvSpPr>
         <p:spPr>
-          <a:xfrm rot="0">
+          <a:xfrm>
             <a:off x="1747545" y="4665405"/>
             <a:ext cx="1036354" cy="735261"/>
           </a:xfrm>
@@ -5636,7 +5695,7 @@
           </a:prstGeom>
         </p:spPr>
         <p:txBody>
-          <a:bodyPr anchor="t" rtlCol="false" tIns="0" lIns="0" bIns="0" rIns="0">
+          <a:bodyPr lIns="0" tIns="0" rIns="0" bIns="0" rtlCol="0" anchor="t">
             <a:spAutoFit/>
           </a:bodyPr>
           <a:lstStyle/>
@@ -5660,12 +5719,12 @@
       </p:sp>
       <p:grpSp>
         <p:nvGrpSpPr>
-          <p:cNvPr name="Group 15" id="15"/>
+          <p:cNvPr id="15" name="Group 15"/>
           <p:cNvGrpSpPr/>
           <p:nvPr/>
         </p:nvGrpSpPr>
         <p:grpSpPr>
-          <a:xfrm rot="0">
+          <a:xfrm>
             <a:off x="9144000" y="5747533"/>
             <a:ext cx="1548623" cy="4014138"/>
             <a:chOff x="0" y="0"/>
@@ -5674,12 +5733,12 @@
         </p:grpSpPr>
         <p:sp>
           <p:nvSpPr>
-            <p:cNvPr name="Freeform 16" id="16"/>
+            <p:cNvPr id="16" name="Freeform 16"/>
             <p:cNvSpPr/>
             <p:nvPr/>
           </p:nvSpPr>
           <p:spPr>
-            <a:xfrm flipH="false" flipV="false" rot="0">
+            <a:xfrm>
               <a:off x="0" y="0"/>
               <a:ext cx="368852" cy="956090"/>
             </a:xfrm>
@@ -5688,9 +5747,9 @@
               <a:gdLst/>
               <a:ahLst/>
               <a:cxnLst/>
-              <a:rect r="r" b="b" t="t" l="l"/>
+              <a:rect l="l" t="t" r="r" b="b"/>
               <a:pathLst>
-                <a:path h="956090" w="368852">
+                <a:path w="368852" h="956090">
                   <a:moveTo>
                     <a:pt x="0" y="0"/>
                   </a:moveTo>
@@ -5711,11 +5770,18 @@
               <a:srgbClr val="CCCCCC"/>
             </a:solidFill>
           </p:spPr>
+          <p:txBody>
+            <a:bodyPr/>
+            <a:lstStyle/>
+            <a:p>
+              <a:endParaRPr lang="en-US"/>
+            </a:p>
+          </p:txBody>
         </p:sp>
         <p:sp>
           <p:nvSpPr>
-            <p:cNvPr name="TextBox 17" id="17"/>
-            <p:cNvSpPr txBox="true"/>
+            <p:cNvPr id="17" name="TextBox 17"/>
+            <p:cNvSpPr txBox="1"/>
             <p:nvPr/>
           </p:nvSpPr>
           <p:spPr>
@@ -5728,7 +5794,7 @@
             </a:prstGeom>
           </p:spPr>
           <p:txBody>
-            <a:bodyPr anchor="ctr" rtlCol="false" tIns="50800" lIns="50800" bIns="50800" rIns="50800"/>
+            <a:bodyPr lIns="50800" tIns="50800" rIns="50800" bIns="50800" rtlCol="0" anchor="ctr"/>
             <a:lstStyle/>
             <a:p>
               <a:pPr algn="ctr">
@@ -5736,18 +5802,19 @@
                   <a:spcPts val="2859"/>
                 </a:lnSpc>
               </a:pPr>
+              <a:endParaRPr/>
             </a:p>
           </p:txBody>
         </p:sp>
       </p:grpSp>
       <p:sp>
         <p:nvSpPr>
-          <p:cNvPr name="TextBox 18" id="18"/>
-          <p:cNvSpPr txBox="true"/>
+          <p:cNvPr id="18" name="TextBox 18"/>
+          <p:cNvSpPr txBox="1"/>
           <p:nvPr/>
         </p:nvSpPr>
         <p:spPr>
-          <a:xfrm rot="0">
+          <a:xfrm>
             <a:off x="3269180" y="4764867"/>
             <a:ext cx="6403001" cy="487366"/>
           </a:xfrm>
@@ -5756,12 +5823,12 @@
           </a:prstGeom>
         </p:spPr>
         <p:txBody>
-          <a:bodyPr anchor="t" rtlCol="false" tIns="0" lIns="0" bIns="0" rIns="0">
+          <a:bodyPr lIns="0" tIns="0" rIns="0" bIns="0" rtlCol="0" anchor="t">
             <a:spAutoFit/>
           </a:bodyPr>
           <a:lstStyle/>
           <a:p>
-            <a:pPr algn="l" marL="0" indent="0" lvl="0">
+            <a:pPr marL="0" lvl="0" indent="0" algn="l">
               <a:lnSpc>
                 <a:spcPts val="3851"/>
               </a:lnSpc>
@@ -5783,12 +5850,12 @@
       </p:sp>
       <p:sp>
         <p:nvSpPr>
-          <p:cNvPr name="TextBox 19" id="19"/>
-          <p:cNvSpPr txBox="true"/>
+          <p:cNvPr id="19" name="TextBox 19"/>
+          <p:cNvSpPr txBox="1"/>
           <p:nvPr/>
         </p:nvSpPr>
         <p:spPr>
-          <a:xfrm rot="0">
+          <a:xfrm>
             <a:off x="3269180" y="5680858"/>
             <a:ext cx="6403001" cy="487366"/>
           </a:xfrm>
@@ -5797,12 +5864,12 @@
           </a:prstGeom>
         </p:spPr>
         <p:txBody>
-          <a:bodyPr anchor="t" rtlCol="false" tIns="0" lIns="0" bIns="0" rIns="0">
+          <a:bodyPr lIns="0" tIns="0" rIns="0" bIns="0" rtlCol="0" anchor="t">
             <a:spAutoFit/>
           </a:bodyPr>
           <a:lstStyle/>
           <a:p>
-            <a:pPr algn="l" marL="0" indent="0" lvl="0">
+            <a:pPr marL="0" lvl="0" indent="0" algn="l">
               <a:lnSpc>
                 <a:spcPts val="3851"/>
               </a:lnSpc>
@@ -5824,12 +5891,12 @@
       </p:sp>
       <p:sp>
         <p:nvSpPr>
-          <p:cNvPr name="TextBox 20" id="20"/>
-          <p:cNvSpPr txBox="true"/>
+          <p:cNvPr id="20" name="TextBox 20"/>
+          <p:cNvSpPr txBox="1"/>
           <p:nvPr/>
         </p:nvSpPr>
         <p:spPr>
-          <a:xfrm rot="0">
+          <a:xfrm>
             <a:off x="10946417" y="6139658"/>
             <a:ext cx="6403001" cy="487366"/>
           </a:xfrm>
@@ -5838,12 +5905,12 @@
           </a:prstGeom>
         </p:spPr>
         <p:txBody>
-          <a:bodyPr anchor="t" rtlCol="false" tIns="0" lIns="0" bIns="0" rIns="0">
+          <a:bodyPr lIns="0" tIns="0" rIns="0" bIns="0" rtlCol="0" anchor="t">
             <a:spAutoFit/>
           </a:bodyPr>
           <a:lstStyle/>
           <a:p>
-            <a:pPr algn="l" marL="0" indent="0" lvl="0">
+            <a:pPr marL="0" lvl="0" indent="0" algn="l">
               <a:lnSpc>
                 <a:spcPts val="3851"/>
               </a:lnSpc>
@@ -5865,12 +5932,12 @@
       </p:sp>
       <p:sp>
         <p:nvSpPr>
-          <p:cNvPr name="TextBox 21" id="21"/>
-          <p:cNvSpPr txBox="true"/>
+          <p:cNvPr id="21" name="TextBox 21"/>
+          <p:cNvSpPr txBox="1"/>
           <p:nvPr/>
         </p:nvSpPr>
         <p:spPr>
-          <a:xfrm rot="0">
+          <a:xfrm>
             <a:off x="1747545" y="5581641"/>
             <a:ext cx="1036354" cy="733425"/>
           </a:xfrm>
@@ -5879,7 +5946,7 @@
           </a:prstGeom>
         </p:spPr>
         <p:txBody>
-          <a:bodyPr anchor="t" rtlCol="false" tIns="0" lIns="0" bIns="0" rIns="0">
+          <a:bodyPr lIns="0" tIns="0" rIns="0" bIns="0" rtlCol="0" anchor="t">
             <a:spAutoFit/>
           </a:bodyPr>
           <a:lstStyle/>
@@ -5903,12 +5970,12 @@
       </p:sp>
       <p:sp>
         <p:nvSpPr>
-          <p:cNvPr name="TextBox 22" id="22"/>
-          <p:cNvSpPr txBox="true"/>
+          <p:cNvPr id="22" name="TextBox 22"/>
+          <p:cNvSpPr txBox="1"/>
           <p:nvPr/>
         </p:nvSpPr>
         <p:spPr>
-          <a:xfrm rot="0">
+          <a:xfrm>
             <a:off x="9436047" y="6040441"/>
             <a:ext cx="1036354" cy="733425"/>
           </a:xfrm>
@@ -5917,7 +5984,7 @@
           </a:prstGeom>
         </p:spPr>
         <p:txBody>
-          <a:bodyPr anchor="t" rtlCol="false" tIns="0" lIns="0" bIns="0" rIns="0">
+          <a:bodyPr lIns="0" tIns="0" rIns="0" bIns="0" rtlCol="0" anchor="t">
             <a:spAutoFit/>
           </a:bodyPr>
           <a:lstStyle/>
@@ -5941,12 +6008,12 @@
       </p:sp>
       <p:sp>
         <p:nvSpPr>
-          <p:cNvPr name="TextBox 23" id="23"/>
-          <p:cNvSpPr txBox="true"/>
+          <p:cNvPr id="23" name="TextBox 23"/>
+          <p:cNvSpPr txBox="1"/>
           <p:nvPr/>
         </p:nvSpPr>
         <p:spPr>
-          <a:xfrm rot="0">
+          <a:xfrm>
             <a:off x="10946417" y="7055649"/>
             <a:ext cx="6403001" cy="487366"/>
           </a:xfrm>
@@ -5955,12 +6022,12 @@
           </a:prstGeom>
         </p:spPr>
         <p:txBody>
-          <a:bodyPr anchor="t" rtlCol="false" tIns="0" lIns="0" bIns="0" rIns="0">
+          <a:bodyPr lIns="0" tIns="0" rIns="0" bIns="0" rtlCol="0" anchor="t">
             <a:spAutoFit/>
           </a:bodyPr>
           <a:lstStyle/>
           <a:p>
-            <a:pPr algn="l" marL="0" indent="0" lvl="0">
+            <a:pPr marL="0" lvl="0" indent="0" algn="l">
               <a:lnSpc>
                 <a:spcPts val="3851"/>
               </a:lnSpc>
@@ -5982,12 +6049,12 @@
       </p:sp>
       <p:sp>
         <p:nvSpPr>
-          <p:cNvPr name="TextBox 24" id="24"/>
-          <p:cNvSpPr txBox="true"/>
+          <p:cNvPr id="24" name="TextBox 24"/>
+          <p:cNvSpPr txBox="1"/>
           <p:nvPr/>
         </p:nvSpPr>
         <p:spPr>
-          <a:xfrm rot="0">
+          <a:xfrm>
             <a:off x="9446573" y="6954841"/>
             <a:ext cx="1036354" cy="733425"/>
           </a:xfrm>
@@ -5996,7 +6063,7 @@
           </a:prstGeom>
         </p:spPr>
         <p:txBody>
-          <a:bodyPr anchor="t" rtlCol="false" tIns="0" lIns="0" bIns="0" rIns="0">
+          <a:bodyPr lIns="0" tIns="0" rIns="0" bIns="0" rtlCol="0" anchor="t">
             <a:spAutoFit/>
           </a:bodyPr>
           <a:lstStyle/>
@@ -6020,12 +6087,12 @@
       </p:sp>
       <p:sp>
         <p:nvSpPr>
-          <p:cNvPr name="TextBox 25" id="25"/>
-          <p:cNvSpPr txBox="true"/>
+          <p:cNvPr id="25" name="TextBox 25"/>
+          <p:cNvSpPr txBox="1"/>
           <p:nvPr/>
         </p:nvSpPr>
         <p:spPr>
-          <a:xfrm rot="0">
+          <a:xfrm>
             <a:off x="10946417" y="7971639"/>
             <a:ext cx="6403001" cy="487366"/>
           </a:xfrm>
@@ -6034,12 +6101,12 @@
           </a:prstGeom>
         </p:spPr>
         <p:txBody>
-          <a:bodyPr anchor="t" rtlCol="false" tIns="0" lIns="0" bIns="0" rIns="0">
+          <a:bodyPr lIns="0" tIns="0" rIns="0" bIns="0" rtlCol="0" anchor="t">
             <a:spAutoFit/>
           </a:bodyPr>
           <a:lstStyle/>
           <a:p>
-            <a:pPr algn="l" marL="0" indent="0" lvl="0">
+            <a:pPr marL="0" lvl="0" indent="0" algn="l">
               <a:lnSpc>
                 <a:spcPts val="3851"/>
               </a:lnSpc>
@@ -6061,12 +6128,12 @@
       </p:sp>
       <p:sp>
         <p:nvSpPr>
-          <p:cNvPr name="TextBox 26" id="26"/>
-          <p:cNvSpPr txBox="true"/>
+          <p:cNvPr id="26" name="TextBox 26"/>
+          <p:cNvSpPr txBox="1"/>
           <p:nvPr/>
         </p:nvSpPr>
         <p:spPr>
-          <a:xfrm rot="0">
+          <a:xfrm>
             <a:off x="9446573" y="7869241"/>
             <a:ext cx="1036354" cy="733425"/>
           </a:xfrm>
@@ -6075,7 +6142,7 @@
           </a:prstGeom>
         </p:spPr>
         <p:txBody>
-          <a:bodyPr anchor="t" rtlCol="false" tIns="0" lIns="0" bIns="0" rIns="0">
+          <a:bodyPr lIns="0" tIns="0" rIns="0" bIns="0" rtlCol="0" anchor="t">
             <a:spAutoFit/>
           </a:bodyPr>
           <a:lstStyle/>
@@ -6099,12 +6166,12 @@
       </p:sp>
       <p:sp>
         <p:nvSpPr>
-          <p:cNvPr name="TextBox 27" id="27"/>
-          <p:cNvSpPr txBox="true"/>
+          <p:cNvPr id="27" name="TextBox 27"/>
+          <p:cNvSpPr txBox="1"/>
           <p:nvPr/>
         </p:nvSpPr>
         <p:spPr>
-          <a:xfrm rot="0">
+          <a:xfrm>
             <a:off x="10946417" y="8887630"/>
             <a:ext cx="6403001" cy="487366"/>
           </a:xfrm>
@@ -6113,12 +6180,12 @@
           </a:prstGeom>
         </p:spPr>
         <p:txBody>
-          <a:bodyPr anchor="t" rtlCol="false" tIns="0" lIns="0" bIns="0" rIns="0">
+          <a:bodyPr lIns="0" tIns="0" rIns="0" bIns="0" rtlCol="0" anchor="t">
             <a:spAutoFit/>
           </a:bodyPr>
           <a:lstStyle/>
           <a:p>
-            <a:pPr algn="l" marL="0" indent="0" lvl="0">
+            <a:pPr marL="0" lvl="0" indent="0" algn="l">
               <a:lnSpc>
                 <a:spcPts val="3851"/>
               </a:lnSpc>
@@ -6140,12 +6207,12 @@
       </p:sp>
       <p:sp>
         <p:nvSpPr>
-          <p:cNvPr name="TextBox 28" id="28"/>
-          <p:cNvSpPr txBox="true"/>
+          <p:cNvPr id="28" name="TextBox 28"/>
+          <p:cNvSpPr txBox="1"/>
           <p:nvPr/>
         </p:nvSpPr>
         <p:spPr>
-          <a:xfrm rot="0">
+          <a:xfrm>
             <a:off x="9436047" y="8783641"/>
             <a:ext cx="1036354" cy="733425"/>
           </a:xfrm>
@@ -6154,7 +6221,7 @@
           </a:prstGeom>
         </p:spPr>
         <p:txBody>
-          <a:bodyPr anchor="t" rtlCol="false" tIns="0" lIns="0" bIns="0" rIns="0">
+          <a:bodyPr lIns="0" tIns="0" rIns="0" bIns="0" rtlCol="0" anchor="t">
             <a:spAutoFit/>
           </a:bodyPr>
           <a:lstStyle/>
@@ -6185,13 +6252,14 @@
 </file>
 
 <file path=ppt/slides/slide3.xml><?xml version="1.0" encoding="utf-8"?>
-<p:sld xmlns:p="http://schemas.openxmlformats.org/presentationml/2006/main" xmlns:a="http://schemas.openxmlformats.org/drawingml/2006/main" xmlns:r="http://schemas.openxmlformats.org/officeDocument/2006/relationships">
+<p:sld xmlns:a="http://schemas.openxmlformats.org/drawingml/2006/main" xmlns:r="http://schemas.openxmlformats.org/officeDocument/2006/relationships" xmlns:p="http://schemas.openxmlformats.org/presentationml/2006/main">
   <p:cSld>
     <p:bg>
       <p:bgPr>
         <a:solidFill>
           <a:srgbClr val="F2F4F5"/>
         </a:solidFill>
+        <a:effectLst/>
       </p:bgPr>
     </p:bg>
     <p:spTree>
@@ -6210,12 +6278,12 @@
       </p:grpSpPr>
       <p:sp>
         <p:nvSpPr>
-          <p:cNvPr name="Freeform 2" id="2"/>
+          <p:cNvPr id="2" name="Freeform 2"/>
           <p:cNvSpPr/>
           <p:nvPr/>
         </p:nvSpPr>
         <p:spPr>
-          <a:xfrm flipH="false" flipV="false" rot="0">
+          <a:xfrm>
             <a:off x="-2779578" y="7341318"/>
             <a:ext cx="7616557" cy="7815497"/>
           </a:xfrm>
@@ -6224,9 +6292,9 @@
             <a:gdLst/>
             <a:ahLst/>
             <a:cxnLst/>
-            <a:rect r="r" b="b" t="t" l="l"/>
+            <a:rect l="l" t="t" r="r" b="b"/>
             <a:pathLst>
-              <a:path h="7815497" w="7616557">
+              <a:path w="7616557" h="7815497">
                 <a:moveTo>
                   <a:pt x="0" y="0"/>
                 </a:moveTo>
@@ -6255,19 +6323,26 @@
               </a:extLst>
             </a:blip>
             <a:stretch>
-              <a:fillRect l="0" t="0" r="0" b="0"/>
+              <a:fillRect/>
             </a:stretch>
           </a:blipFill>
         </p:spPr>
-      </p:sp>
-      <p:sp>
-        <p:nvSpPr>
-          <p:cNvPr name="Freeform 3" id="3"/>
+        <p:txBody>
+          <a:bodyPr/>
+          <a:lstStyle/>
+          <a:p>
+            <a:endParaRPr lang="en-US"/>
+          </a:p>
+        </p:txBody>
+      </p:sp>
+      <p:sp>
+        <p:nvSpPr>
+          <p:cNvPr id="3" name="Freeform 3"/>
           <p:cNvSpPr/>
           <p:nvPr/>
         </p:nvSpPr>
         <p:spPr>
-          <a:xfrm flipH="false" flipV="false" rot="0">
+          <a:xfrm>
             <a:off x="1790358" y="4346936"/>
             <a:ext cx="1918846" cy="2504204"/>
           </a:xfrm>
@@ -6276,9 +6351,9 @@
             <a:gdLst/>
             <a:ahLst/>
             <a:cxnLst/>
-            <a:rect r="r" b="b" t="t" l="l"/>
+            <a:rect l="l" t="t" r="r" b="b"/>
             <a:pathLst>
-              <a:path h="2504204" w="1918846">
+              <a:path w="1918846" h="2504204">
                 <a:moveTo>
                   <a:pt x="0" y="0"/>
                 </a:moveTo>
@@ -6307,28 +6382,35 @@
               </a:extLst>
             </a:blip>
             <a:stretch>
-              <a:fillRect l="0" t="0" r="0" b="0"/>
+              <a:fillRect/>
             </a:stretch>
           </a:blipFill>
         </p:spPr>
+        <p:txBody>
+          <a:bodyPr/>
+          <a:lstStyle/>
+          <a:p>
+            <a:endParaRPr lang="en-US"/>
+          </a:p>
+        </p:txBody>
       </p:sp>
       <p:pic>
         <p:nvPicPr>
-          <p:cNvPr name="Picture 4" id="4"/>
+          <p:cNvPr id="4" name="Picture 4"/>
           <p:cNvPicPr>
-            <a:picLocks noChangeAspect="true"/>
+            <a:picLocks noChangeAspect="1"/>
           </p:cNvPicPr>
           <p:nvPr/>
         </p:nvPicPr>
         <p:blipFill>
           <a:blip r:embed="rId6"/>
-          <a:srcRect l="0" t="0" r="0" b="0"/>
+          <a:srcRect/>
           <a:stretch>
             <a:fillRect/>
           </a:stretch>
         </p:blipFill>
         <p:spPr>
-          <a:xfrm flipH="true" flipV="false" rot="-6307440">
+          <a:xfrm rot="-6307440" flipH="1">
             <a:off x="6651063" y="6106420"/>
             <a:ext cx="1031485" cy="995383"/>
           </a:xfrm>
@@ -6339,12 +6421,12 @@
       </p:pic>
       <p:sp>
         <p:nvSpPr>
-          <p:cNvPr name="Freeform 5" id="5"/>
+          <p:cNvPr id="5" name="Freeform 5"/>
           <p:cNvSpPr/>
           <p:nvPr/>
         </p:nvSpPr>
         <p:spPr>
-          <a:xfrm flipH="false" flipV="false" rot="5776670">
+          <a:xfrm rot="5776670">
             <a:off x="11424456" y="-9377329"/>
             <a:ext cx="13977230" cy="14342307"/>
           </a:xfrm>
@@ -6353,9 +6435,9 @@
             <a:gdLst/>
             <a:ahLst/>
             <a:cxnLst/>
-            <a:rect r="r" b="b" t="t" l="l"/>
+            <a:rect l="l" t="t" r="r" b="b"/>
             <a:pathLst>
-              <a:path h="14342307" w="13977230">
+              <a:path w="13977230" h="14342307">
                 <a:moveTo>
                   <a:pt x="0" y="0"/>
                 </a:moveTo>
@@ -6384,19 +6466,26 @@
               </a:extLst>
             </a:blip>
             <a:stretch>
-              <a:fillRect l="0" t="0" r="0" b="0"/>
+              <a:fillRect/>
             </a:stretch>
           </a:blipFill>
         </p:spPr>
-      </p:sp>
-      <p:sp>
-        <p:nvSpPr>
-          <p:cNvPr name="TextBox 6" id="6"/>
-          <p:cNvSpPr txBox="true"/>
+        <p:txBody>
+          <a:bodyPr/>
+          <a:lstStyle/>
+          <a:p>
+            <a:endParaRPr lang="en-US"/>
+          </a:p>
+        </p:txBody>
+      </p:sp>
+      <p:sp>
+        <p:nvSpPr>
+          <p:cNvPr id="6" name="TextBox 6"/>
+          <p:cNvSpPr txBox="1"/>
           <p:nvPr/>
         </p:nvSpPr>
         <p:spPr>
-          <a:xfrm rot="0">
+          <a:xfrm>
             <a:off x="6157608" y="7406124"/>
             <a:ext cx="9182398" cy="459629"/>
           </a:xfrm>
@@ -6405,7 +6494,7 @@
           </a:prstGeom>
         </p:spPr>
         <p:txBody>
-          <a:bodyPr anchor="t" rtlCol="false" tIns="0" lIns="0" bIns="0" rIns="0">
+          <a:bodyPr lIns="0" tIns="0" rIns="0" bIns="0" rtlCol="0" anchor="t">
             <a:spAutoFit/>
           </a:bodyPr>
           <a:lstStyle/>
@@ -6450,21 +6539,21 @@
       </p:sp>
       <p:pic>
         <p:nvPicPr>
-          <p:cNvPr name="Picture 7" id="7"/>
+          <p:cNvPr id="7" name="Picture 7"/>
           <p:cNvPicPr>
-            <a:picLocks noChangeAspect="true"/>
+            <a:picLocks noChangeAspect="1"/>
           </p:cNvPicPr>
           <p:nvPr/>
         </p:nvPicPr>
         <p:blipFill>
           <a:blip r:embed="rId6"/>
-          <a:srcRect l="0" t="0" r="0" b="0"/>
+          <a:srcRect/>
           <a:stretch>
             <a:fillRect/>
           </a:stretch>
         </p:blipFill>
         <p:spPr>
-          <a:xfrm flipH="true" flipV="true" rot="-6307440">
+          <a:xfrm rot="-6307440" flipH="1" flipV="1">
             <a:off x="11596669" y="7785028"/>
             <a:ext cx="1031485" cy="995383"/>
           </a:xfrm>
@@ -6475,12 +6564,12 @@
       </p:pic>
       <p:sp>
         <p:nvSpPr>
-          <p:cNvPr name="Freeform 8" id="8"/>
+          <p:cNvPr id="8" name="Freeform 8"/>
           <p:cNvSpPr/>
           <p:nvPr/>
         </p:nvSpPr>
         <p:spPr>
-          <a:xfrm flipH="false" flipV="false" rot="0">
+          <a:xfrm>
             <a:off x="3370974" y="5449308"/>
             <a:ext cx="2184077" cy="2485436"/>
           </a:xfrm>
@@ -6489,9 +6578,9 @@
             <a:gdLst/>
             <a:ahLst/>
             <a:cxnLst/>
-            <a:rect r="r" b="b" t="t" l="l"/>
+            <a:rect l="l" t="t" r="r" b="b"/>
             <a:pathLst>
-              <a:path h="2485436" w="2184077">
+              <a:path w="2184077" h="2485436">
                 <a:moveTo>
                   <a:pt x="0" y="0"/>
                 </a:moveTo>
@@ -6514,19 +6603,26 @@
           <a:blipFill>
             <a:blip r:embed="rId7"/>
             <a:stretch>
-              <a:fillRect l="0" t="0" r="0" b="0"/>
+              <a:fillRect/>
             </a:stretch>
           </a:blipFill>
         </p:spPr>
-      </p:sp>
-      <p:sp>
-        <p:nvSpPr>
-          <p:cNvPr name="TextBox 9" id="9"/>
-          <p:cNvSpPr txBox="true"/>
+        <p:txBody>
+          <a:bodyPr/>
+          <a:lstStyle/>
+          <a:p>
+            <a:endParaRPr lang="en-US"/>
+          </a:p>
+        </p:txBody>
+      </p:sp>
+      <p:sp>
+        <p:nvSpPr>
+          <p:cNvPr id="9" name="TextBox 9"/>
+          <p:cNvSpPr txBox="1"/>
           <p:nvPr/>
         </p:nvSpPr>
         <p:spPr>
-          <a:xfrm rot="0">
+          <a:xfrm>
             <a:off x="1248655" y="265941"/>
             <a:ext cx="12822379" cy="1714917"/>
           </a:xfrm>
@@ -6535,7 +6631,7 @@
           </a:prstGeom>
         </p:spPr>
         <p:txBody>
-          <a:bodyPr anchor="t" rtlCol="false" tIns="0" lIns="0" bIns="0" rIns="0">
+          <a:bodyPr lIns="0" tIns="0" rIns="0" bIns="0" rtlCol="0" anchor="t">
             <a:spAutoFit/>
           </a:bodyPr>
           <a:lstStyle/>
@@ -6559,12 +6655,12 @@
       </p:sp>
       <p:sp>
         <p:nvSpPr>
-          <p:cNvPr name="TextBox 10" id="10"/>
-          <p:cNvSpPr txBox="true"/>
+          <p:cNvPr id="10" name="TextBox 10"/>
+          <p:cNvSpPr txBox="1"/>
           <p:nvPr/>
         </p:nvSpPr>
         <p:spPr>
-          <a:xfrm rot="0">
+          <a:xfrm>
             <a:off x="1028700" y="2270437"/>
             <a:ext cx="14666221" cy="945404"/>
           </a:xfrm>
@@ -6573,12 +6669,12 @@
           </a:prstGeom>
         </p:spPr>
         <p:txBody>
-          <a:bodyPr anchor="t" rtlCol="false" tIns="0" lIns="0" bIns="0" rIns="0">
+          <a:bodyPr lIns="0" tIns="0" rIns="0" bIns="0" rtlCol="0" anchor="t">
             <a:spAutoFit/>
           </a:bodyPr>
           <a:lstStyle/>
           <a:p>
-            <a:pPr algn="l" marL="606765" indent="-303383" lvl="1">
+            <a:pPr marL="606765" lvl="1" indent="-303383" algn="l">
               <a:lnSpc>
                 <a:spcPts val="3878"/>
               </a:lnSpc>
@@ -6619,17 +6715,23 @@
                 <a:spcPts val="3878"/>
               </a:lnSpc>
             </a:pPr>
-          </a:p>
-        </p:txBody>
-      </p:sp>
-      <p:sp>
-        <p:nvSpPr>
-          <p:cNvPr name="TextBox 11" id="11"/>
-          <p:cNvSpPr txBox="true"/>
+            <a:endParaRPr lang="en-US" sz="2810" spc="275">
+              <a:solidFill>
+                <a:srgbClr val="231F20"/>
+              </a:solidFill>
+              <a:latin typeface="Quicksand"/>
+            </a:endParaRPr>
+          </a:p>
+        </p:txBody>
+      </p:sp>
+      <p:sp>
+        <p:nvSpPr>
+          <p:cNvPr id="11" name="TextBox 11"/>
+          <p:cNvSpPr txBox="1"/>
           <p:nvPr/>
         </p:nvSpPr>
         <p:spPr>
-          <a:xfrm rot="0">
+          <a:xfrm>
             <a:off x="5016333" y="4308836"/>
             <a:ext cx="4300945" cy="459629"/>
           </a:xfrm>
@@ -6638,12 +6740,12 @@
           </a:prstGeom>
         </p:spPr>
         <p:txBody>
-          <a:bodyPr anchor="t" rtlCol="false" tIns="0" lIns="0" bIns="0" rIns="0">
+          <a:bodyPr lIns="0" tIns="0" rIns="0" bIns="0" rtlCol="0" anchor="t">
             <a:spAutoFit/>
           </a:bodyPr>
           <a:lstStyle/>
           <a:p>
-            <a:pPr algn="l" marL="1213531" indent="-404510" lvl="2">
+            <a:pPr marL="1213531" lvl="2" indent="-404510" algn="l">
               <a:lnSpc>
                 <a:spcPts val="3878"/>
               </a:lnSpc>
@@ -6673,12 +6775,12 @@
       </p:sp>
       <p:sp>
         <p:nvSpPr>
-          <p:cNvPr name="TextBox 12" id="12"/>
-          <p:cNvSpPr txBox="true"/>
+          <p:cNvPr id="12" name="TextBox 12"/>
+          <p:cNvSpPr txBox="1"/>
           <p:nvPr/>
         </p:nvSpPr>
         <p:spPr>
-          <a:xfrm rot="0">
+          <a:xfrm>
             <a:off x="5665685" y="8801629"/>
             <a:ext cx="12242967" cy="945404"/>
           </a:xfrm>
@@ -6687,12 +6789,12 @@
           </a:prstGeom>
         </p:spPr>
         <p:txBody>
-          <a:bodyPr anchor="t" rtlCol="false" tIns="0" lIns="0" bIns="0" rIns="0">
+          <a:bodyPr lIns="0" tIns="0" rIns="0" bIns="0" rtlCol="0" anchor="t">
             <a:spAutoFit/>
           </a:bodyPr>
           <a:lstStyle/>
           <a:p>
-            <a:pPr algn="l" marL="0" indent="0" lvl="0">
+            <a:pPr marL="0" lvl="0" indent="0" algn="l">
               <a:lnSpc>
                 <a:spcPts val="3878"/>
               </a:lnSpc>
@@ -6732,12 +6834,12 @@
       </p:sp>
       <p:sp>
         <p:nvSpPr>
-          <p:cNvPr name="TextBox 13" id="13"/>
-          <p:cNvSpPr txBox="true"/>
+          <p:cNvPr id="13" name="TextBox 13"/>
+          <p:cNvSpPr txBox="1"/>
           <p:nvPr/>
         </p:nvSpPr>
         <p:spPr>
-          <a:xfrm rot="0">
+          <a:xfrm>
             <a:off x="1028700" y="3313315"/>
             <a:ext cx="16059150" cy="459629"/>
           </a:xfrm>
@@ -6746,12 +6848,12 @@
           </a:prstGeom>
         </p:spPr>
         <p:txBody>
-          <a:bodyPr anchor="t" rtlCol="false" tIns="0" lIns="0" bIns="0" rIns="0">
+          <a:bodyPr lIns="0" tIns="0" rIns="0" bIns="0" rtlCol="0" anchor="t">
             <a:spAutoFit/>
           </a:bodyPr>
           <a:lstStyle/>
           <a:p>
-            <a:pPr algn="ctr" marL="606765" indent="-303383" lvl="1">
+            <a:pPr marL="606765" lvl="1" indent="-303383" algn="ctr">
               <a:lnSpc>
                 <a:spcPts val="3878"/>
               </a:lnSpc>
@@ -6765,16 +6867,7 @@
                 </a:solidFill>
                 <a:latin typeface="Quicksand"/>
               </a:rPr>
-              <a:t>L</a:t>
-            </a:r>
-            <a:r>
-              <a:rPr lang="en-US" sz="2810" spc="275">
-                <a:solidFill>
-                  <a:srgbClr val="231F20"/>
-                </a:solidFill>
-                <a:latin typeface="Quicksand"/>
-              </a:rPr>
-              <a:t>ợi dụng </a:t>
+              <a:t>Lợi dụng </a:t>
             </a:r>
             <a:r>
               <a:rPr lang="en-US" sz="2810" spc="275">
@@ -6799,12 +6892,12 @@
       </p:sp>
       <p:sp>
         <p:nvSpPr>
-          <p:cNvPr name="TextBox 14" id="14"/>
-          <p:cNvSpPr txBox="true"/>
+          <p:cNvPr id="14" name="TextBox 14"/>
+          <p:cNvSpPr txBox="1"/>
           <p:nvPr/>
         </p:nvSpPr>
         <p:spPr>
-          <a:xfrm rot="0">
+          <a:xfrm>
             <a:off x="6486486" y="4911906"/>
             <a:ext cx="10601364" cy="1780120"/>
           </a:xfrm>
@@ -6813,12 +6906,12 @@
           </a:prstGeom>
         </p:spPr>
         <p:txBody>
-          <a:bodyPr anchor="t" rtlCol="false" tIns="0" lIns="0" bIns="0" rIns="0">
+          <a:bodyPr lIns="0" tIns="0" rIns="0" bIns="0" rtlCol="0" anchor="t">
             <a:spAutoFit/>
           </a:bodyPr>
           <a:lstStyle/>
           <a:p>
-            <a:pPr algn="l" marL="1820296" indent="-455074" lvl="3">
+            <a:pPr marL="1820296" lvl="3" indent="-455074" algn="l">
               <a:lnSpc>
                 <a:spcPts val="4805"/>
               </a:lnSpc>
@@ -6836,7 +6929,7 @@
             </a:r>
           </a:p>
           <a:p>
-            <a:pPr algn="l" marL="1820296" indent="-455074" lvl="3">
+            <a:pPr marL="1820296" lvl="3" indent="-455074" algn="l">
               <a:lnSpc>
                 <a:spcPts val="4805"/>
               </a:lnSpc>
@@ -6854,7 +6947,7 @@
             </a:r>
           </a:p>
           <a:p>
-            <a:pPr algn="l" marL="1820296" indent="-455074" lvl="3">
+            <a:pPr marL="1820296" lvl="3" indent="-455074" algn="l">
               <a:lnSpc>
                 <a:spcPts val="4805"/>
               </a:lnSpc>
@@ -6882,7 +6975,7 @@
 </file>
 
 <file path=ppt/slides/slide4.xml><?xml version="1.0" encoding="utf-8"?>
-<p:sld xmlns:p="http://schemas.openxmlformats.org/presentationml/2006/main" xmlns:a="http://schemas.openxmlformats.org/drawingml/2006/main" xmlns:r="http://schemas.openxmlformats.org/officeDocument/2006/relationships">
+<p:sld xmlns:a="http://schemas.openxmlformats.org/drawingml/2006/main" xmlns:r="http://schemas.openxmlformats.org/officeDocument/2006/relationships" xmlns:p="http://schemas.openxmlformats.org/presentationml/2006/main">
   <p:cSld>
     <p:spTree>
       <p:nvGrpSpPr>
@@ -6900,12 +6993,12 @@
       </p:grpSpPr>
       <p:sp>
         <p:nvSpPr>
-          <p:cNvPr name="Freeform 2" id="2"/>
+          <p:cNvPr id="2" name="Freeform 2"/>
           <p:cNvSpPr/>
           <p:nvPr/>
         </p:nvSpPr>
         <p:spPr>
-          <a:xfrm flipH="true" flipV="true" rot="0">
+          <a:xfrm flipH="1" flipV="1">
             <a:off x="0" y="0"/>
             <a:ext cx="18288000" cy="10287000"/>
           </a:xfrm>
@@ -6914,9 +7007,9 @@
             <a:gdLst/>
             <a:ahLst/>
             <a:cxnLst/>
-            <a:rect r="r" b="b" t="t" l="l"/>
+            <a:rect l="l" t="t" r="r" b="b"/>
             <a:pathLst>
-              <a:path h="10287000" w="18288000">
+              <a:path w="18288000" h="10287000">
                 <a:moveTo>
                   <a:pt x="18288000" y="10287000"/>
                 </a:moveTo>
@@ -6939,19 +7032,26 @@
           <a:blipFill>
             <a:blip r:embed="rId2"/>
             <a:stretch>
-              <a:fillRect l="0" t="-38888" r="0" b="-38888"/>
+              <a:fillRect t="-38888" b="-38888"/>
             </a:stretch>
           </a:blipFill>
         </p:spPr>
-      </p:sp>
-      <p:sp>
-        <p:nvSpPr>
-          <p:cNvPr name="TextBox 3" id="3"/>
-          <p:cNvSpPr txBox="true"/>
+        <p:txBody>
+          <a:bodyPr/>
+          <a:lstStyle/>
+          <a:p>
+            <a:endParaRPr lang="en-US"/>
+          </a:p>
+        </p:txBody>
+      </p:sp>
+      <p:sp>
+        <p:nvSpPr>
+          <p:cNvPr id="3" name="TextBox 3"/>
+          <p:cNvSpPr txBox="1"/>
           <p:nvPr/>
         </p:nvSpPr>
         <p:spPr>
-          <a:xfrm rot="0">
+          <a:xfrm>
             <a:off x="1028700" y="8362368"/>
             <a:ext cx="16604825" cy="945404"/>
           </a:xfrm>
@@ -6960,12 +7060,12 @@
           </a:prstGeom>
         </p:spPr>
         <p:txBody>
-          <a:bodyPr anchor="t" rtlCol="false" tIns="0" lIns="0" bIns="0" rIns="0">
+          <a:bodyPr lIns="0" tIns="0" rIns="0" bIns="0" rtlCol="0" anchor="t">
             <a:spAutoFit/>
           </a:bodyPr>
           <a:lstStyle/>
           <a:p>
-            <a:pPr algn="l" marL="606765" indent="-303383" lvl="1">
+            <a:pPr marL="606765" lvl="1" indent="-303383" algn="l">
               <a:lnSpc>
                 <a:spcPts val="3878"/>
               </a:lnSpc>
@@ -7013,12 +7113,12 @@
       </p:sp>
       <p:sp>
         <p:nvSpPr>
-          <p:cNvPr name="Freeform 4" id="4"/>
+          <p:cNvPr id="4" name="Freeform 4"/>
           <p:cNvSpPr/>
           <p:nvPr/>
         </p:nvSpPr>
         <p:spPr>
-          <a:xfrm flipH="false" flipV="false" rot="0">
+          <a:xfrm>
             <a:off x="15171420" y="4932735"/>
             <a:ext cx="2087880" cy="2504204"/>
           </a:xfrm>
@@ -7027,9 +7127,9 @@
             <a:gdLst/>
             <a:ahLst/>
             <a:cxnLst/>
-            <a:rect r="r" b="b" t="t" l="l"/>
+            <a:rect l="l" t="t" r="r" b="b"/>
             <a:pathLst>
-              <a:path h="2504204" w="2087880">
+              <a:path w="2087880" h="2504204">
                 <a:moveTo>
                   <a:pt x="0" y="0"/>
                 </a:moveTo>
@@ -7058,19 +7158,26 @@
               </a:extLst>
             </a:blip>
             <a:stretch>
-              <a:fillRect l="0" t="0" r="0" b="0"/>
+              <a:fillRect/>
             </a:stretch>
           </a:blipFill>
         </p:spPr>
-      </p:sp>
-      <p:sp>
-        <p:nvSpPr>
-          <p:cNvPr name="Freeform 5" id="5"/>
+        <p:txBody>
+          <a:bodyPr/>
+          <a:lstStyle/>
+          <a:p>
+            <a:endParaRPr lang="en-US"/>
+          </a:p>
+        </p:txBody>
+      </p:sp>
+      <p:sp>
+        <p:nvSpPr>
+          <p:cNvPr id="5" name="Freeform 5"/>
           <p:cNvSpPr/>
           <p:nvPr/>
         </p:nvSpPr>
         <p:spPr>
-          <a:xfrm flipH="false" flipV="false" rot="0">
+          <a:xfrm>
             <a:off x="15594125" y="5143500"/>
             <a:ext cx="1202455" cy="1202455"/>
           </a:xfrm>
@@ -7079,9 +7186,9 @@
             <a:gdLst/>
             <a:ahLst/>
             <a:cxnLst/>
-            <a:rect r="r" b="b" t="t" l="l"/>
+            <a:rect l="l" t="t" r="r" b="b"/>
             <a:pathLst>
-              <a:path h="1202455" w="1202455">
+              <a:path w="1202455" h="1202455">
                 <a:moveTo>
                   <a:pt x="0" y="0"/>
                 </a:moveTo>
@@ -7104,19 +7211,26 @@
           <a:blipFill>
             <a:blip r:embed="rId5"/>
             <a:stretch>
-              <a:fillRect l="0" t="0" r="0" b="0"/>
+              <a:fillRect/>
             </a:stretch>
           </a:blipFill>
         </p:spPr>
-      </p:sp>
-      <p:sp>
-        <p:nvSpPr>
-          <p:cNvPr name="TextBox 6" id="6"/>
-          <p:cNvSpPr txBox="true"/>
+        <p:txBody>
+          <a:bodyPr/>
+          <a:lstStyle/>
+          <a:p>
+            <a:endParaRPr lang="en-US"/>
+          </a:p>
+        </p:txBody>
+      </p:sp>
+      <p:sp>
+        <p:nvSpPr>
+          <p:cNvPr id="6" name="TextBox 6"/>
+          <p:cNvSpPr txBox="1"/>
           <p:nvPr/>
         </p:nvSpPr>
         <p:spPr>
-          <a:xfrm rot="0">
+          <a:xfrm>
             <a:off x="1248655" y="265941"/>
             <a:ext cx="12822379" cy="1714917"/>
           </a:xfrm>
@@ -7125,7 +7239,7 @@
           </a:prstGeom>
         </p:spPr>
         <p:txBody>
-          <a:bodyPr anchor="t" rtlCol="false" tIns="0" lIns="0" bIns="0" rIns="0">
+          <a:bodyPr lIns="0" tIns="0" rIns="0" bIns="0" rtlCol="0" anchor="t">
             <a:spAutoFit/>
           </a:bodyPr>
           <a:lstStyle/>
@@ -7149,12 +7263,12 @@
       </p:sp>
       <p:sp>
         <p:nvSpPr>
-          <p:cNvPr name="TextBox 7" id="7"/>
-          <p:cNvSpPr txBox="true"/>
+          <p:cNvPr id="7" name="TextBox 7"/>
+          <p:cNvSpPr txBox="1"/>
           <p:nvPr/>
         </p:nvSpPr>
         <p:spPr>
-          <a:xfrm rot="0">
+          <a:xfrm>
             <a:off x="1028700" y="2270437"/>
             <a:ext cx="15197774" cy="945404"/>
           </a:xfrm>
@@ -7163,12 +7277,12 @@
           </a:prstGeom>
         </p:spPr>
         <p:txBody>
-          <a:bodyPr anchor="t" rtlCol="false" tIns="0" lIns="0" bIns="0" rIns="0">
+          <a:bodyPr lIns="0" tIns="0" rIns="0" bIns="0" rtlCol="0" anchor="t">
             <a:spAutoFit/>
           </a:bodyPr>
           <a:lstStyle/>
           <a:p>
-            <a:pPr algn="l" marL="606765" indent="-303383" lvl="1">
+            <a:pPr marL="606765" lvl="1" indent="-303383" algn="l">
               <a:lnSpc>
                 <a:spcPts val="3878"/>
               </a:lnSpc>
@@ -7234,12 +7348,12 @@
       </p:sp>
       <p:grpSp>
         <p:nvGrpSpPr>
-          <p:cNvPr name="Group 8" id="8"/>
+          <p:cNvPr id="8" name="Group 8"/>
           <p:cNvGrpSpPr/>
           <p:nvPr/>
         </p:nvGrpSpPr>
         <p:grpSpPr>
-          <a:xfrm rot="0">
+          <a:xfrm>
             <a:off x="1028700" y="3806212"/>
             <a:ext cx="15197774" cy="1716353"/>
             <a:chOff x="0" y="0"/>
@@ -7248,12 +7362,12 @@
         </p:grpSpPr>
         <p:sp>
           <p:nvSpPr>
-            <p:cNvPr name="TextBox 9" id="9"/>
-            <p:cNvSpPr txBox="true"/>
+            <p:cNvPr id="9" name="TextBox 9"/>
+            <p:cNvSpPr txBox="1"/>
             <p:nvPr/>
           </p:nvSpPr>
           <p:spPr>
-            <a:xfrm rot="0">
+            <a:xfrm>
               <a:off x="0" y="-161925"/>
               <a:ext cx="20263698" cy="1594070"/>
             </a:xfrm>
@@ -7262,12 +7376,12 @@
             </a:prstGeom>
           </p:spPr>
           <p:txBody>
-            <a:bodyPr anchor="t" rtlCol="false" tIns="0" lIns="0" bIns="0" rIns="0">
+            <a:bodyPr lIns="0" tIns="0" rIns="0" bIns="0" rtlCol="0" anchor="t">
               <a:spAutoFit/>
             </a:bodyPr>
             <a:lstStyle/>
             <a:p>
-              <a:pPr algn="l" marL="606765" indent="-303383" lvl="1">
+              <a:pPr marL="606765" lvl="1" indent="-303383" algn="l">
                 <a:lnSpc>
                   <a:spcPts val="5114"/>
                 </a:lnSpc>
@@ -7303,7 +7417,7 @@
               </a:r>
             </a:p>
             <a:p>
-              <a:pPr algn="l" marL="1213531" indent="-404510" lvl="2">
+              <a:pPr marL="1213531" lvl="2" indent="-404510" algn="l">
                 <a:lnSpc>
                   <a:spcPts val="5114"/>
                 </a:lnSpc>
@@ -7324,12 +7438,12 @@
         </p:sp>
         <p:sp>
           <p:nvSpPr>
-            <p:cNvPr name="TextBox 10" id="10"/>
-            <p:cNvSpPr txBox="true"/>
+            <p:cNvPr id="10" name="TextBox 10"/>
+            <p:cNvSpPr txBox="1"/>
             <p:nvPr/>
           </p:nvSpPr>
           <p:spPr>
-            <a:xfrm rot="0">
+            <a:xfrm>
               <a:off x="3878600" y="1688331"/>
               <a:ext cx="11382177" cy="600139"/>
             </a:xfrm>
@@ -7338,7 +7452,7 @@
             </a:prstGeom>
           </p:spPr>
           <p:txBody>
-            <a:bodyPr anchor="t" rtlCol="false" tIns="0" lIns="0" bIns="0" rIns="0">
+            <a:bodyPr lIns="0" tIns="0" rIns="0" bIns="0" rtlCol="0" anchor="t">
               <a:spAutoFit/>
             </a:bodyPr>
             <a:lstStyle/>
@@ -7384,12 +7498,12 @@
       </p:grpSp>
       <p:sp>
         <p:nvSpPr>
-          <p:cNvPr name="TextBox 11" id="11"/>
-          <p:cNvSpPr txBox="true"/>
+          <p:cNvPr id="11" name="TextBox 11"/>
+          <p:cNvSpPr txBox="1"/>
           <p:nvPr/>
         </p:nvSpPr>
         <p:spPr>
-          <a:xfrm rot="0">
+          <a:xfrm>
             <a:off x="1017586" y="5960715"/>
             <a:ext cx="15197774" cy="1849203"/>
           </a:xfrm>
@@ -7398,12 +7512,12 @@
           </a:prstGeom>
         </p:spPr>
         <p:txBody>
-          <a:bodyPr anchor="t" rtlCol="false" tIns="0" lIns="0" bIns="0" rIns="0">
+          <a:bodyPr lIns="0" tIns="0" rIns="0" bIns="0" rtlCol="0" anchor="t">
             <a:spAutoFit/>
           </a:bodyPr>
           <a:lstStyle/>
           <a:p>
-            <a:pPr algn="l" marL="606765" indent="-303383" lvl="1">
+            <a:pPr marL="606765" lvl="1" indent="-303383" algn="l">
               <a:lnSpc>
                 <a:spcPts val="5086"/>
               </a:lnSpc>
@@ -7439,7 +7553,7 @@
             </a:r>
           </a:p>
           <a:p>
-            <a:pPr algn="l" marL="1213531" indent="-404510" lvl="2">
+            <a:pPr marL="1213531" lvl="2" indent="-404510" algn="l">
               <a:lnSpc>
                 <a:spcPts val="5086"/>
               </a:lnSpc>
@@ -7466,7 +7580,7 @@
             </a:r>
           </a:p>
           <a:p>
-            <a:pPr algn="l" marL="1213531" indent="-404510" lvl="2">
+            <a:pPr marL="1213531" lvl="2" indent="-404510" algn="l">
               <a:lnSpc>
                 <a:spcPts val="5086"/>
               </a:lnSpc>
@@ -7496,12 +7610,12 @@
       </p:sp>
       <p:sp>
         <p:nvSpPr>
-          <p:cNvPr name="Freeform 12" id="12"/>
+          <p:cNvPr id="12" name="Freeform 12"/>
           <p:cNvSpPr/>
           <p:nvPr/>
         </p:nvSpPr>
         <p:spPr>
-          <a:xfrm flipH="false" flipV="false" rot="2035253">
+          <a:xfrm rot="2035253">
             <a:off x="15331117" y="4817487"/>
             <a:ext cx="7835077" cy="10939025"/>
           </a:xfrm>
@@ -7510,9 +7624,9 @@
             <a:gdLst/>
             <a:ahLst/>
             <a:cxnLst/>
-            <a:rect r="r" b="b" t="t" l="l"/>
+            <a:rect l="l" t="t" r="r" b="b"/>
             <a:pathLst>
-              <a:path h="10939025" w="7835077">
+              <a:path w="7835077" h="10939025">
                 <a:moveTo>
                   <a:pt x="0" y="0"/>
                 </a:moveTo>
@@ -7541,19 +7655,26 @@
               </a:extLst>
             </a:blip>
             <a:stretch>
-              <a:fillRect l="0" t="0" r="0" b="0"/>
+              <a:fillRect/>
             </a:stretch>
           </a:blipFill>
         </p:spPr>
-      </p:sp>
-      <p:sp>
-        <p:nvSpPr>
-          <p:cNvPr name="Freeform 13" id="13"/>
+        <p:txBody>
+          <a:bodyPr/>
+          <a:lstStyle/>
+          <a:p>
+            <a:endParaRPr lang="en-US"/>
+          </a:p>
+        </p:txBody>
+      </p:sp>
+      <p:sp>
+        <p:nvSpPr>
+          <p:cNvPr id="13" name="Freeform 13"/>
           <p:cNvSpPr/>
           <p:nvPr/>
         </p:nvSpPr>
         <p:spPr>
-          <a:xfrm flipH="false" flipV="false" rot="-10799999">
+          <a:xfrm rot="-10799999">
             <a:off x="-2729621" y="-7074240"/>
             <a:ext cx="7835077" cy="10939025"/>
           </a:xfrm>
@@ -7562,9 +7683,9 @@
             <a:gdLst/>
             <a:ahLst/>
             <a:cxnLst/>
-            <a:rect r="r" b="b" t="t" l="l"/>
+            <a:rect l="l" t="t" r="r" b="b"/>
             <a:pathLst>
-              <a:path h="10939025" w="7835077">
+              <a:path w="7835077" h="10939025">
                 <a:moveTo>
                   <a:pt x="0" y="0"/>
                 </a:moveTo>
@@ -7593,10 +7714,17 @@
               </a:extLst>
             </a:blip>
             <a:stretch>
-              <a:fillRect l="0" t="0" r="0" b="0"/>
+              <a:fillRect/>
             </a:stretch>
           </a:blipFill>
         </p:spPr>
+        <p:txBody>
+          <a:bodyPr/>
+          <a:lstStyle/>
+          <a:p>
+            <a:endParaRPr lang="en-US"/>
+          </a:p>
+        </p:txBody>
       </p:sp>
     </p:spTree>
   </p:cSld>
@@ -7607,7 +7735,7 @@
 </file>
 
 <file path=ppt/slides/slide5.xml><?xml version="1.0" encoding="utf-8"?>
-<p:sld xmlns:p="http://schemas.openxmlformats.org/presentationml/2006/main" xmlns:a="http://schemas.openxmlformats.org/drawingml/2006/main" xmlns:r="http://schemas.openxmlformats.org/officeDocument/2006/relationships">
+<p:sld xmlns:a="http://schemas.openxmlformats.org/drawingml/2006/main" xmlns:r="http://schemas.openxmlformats.org/officeDocument/2006/relationships" xmlns:p="http://schemas.openxmlformats.org/presentationml/2006/main">
   <p:cSld>
     <p:spTree>
       <p:nvGrpSpPr>
@@ -7625,12 +7753,12 @@
       </p:grpSpPr>
       <p:sp>
         <p:nvSpPr>
-          <p:cNvPr name="Freeform 2" id="2"/>
+          <p:cNvPr id="2" name="Freeform 2"/>
           <p:cNvSpPr/>
           <p:nvPr/>
         </p:nvSpPr>
         <p:spPr>
-          <a:xfrm flipH="true" flipV="true" rot="0">
+          <a:xfrm flipH="1" flipV="1">
             <a:off x="0" y="0"/>
             <a:ext cx="18288000" cy="10287000"/>
           </a:xfrm>
@@ -7639,9 +7767,9 @@
             <a:gdLst/>
             <a:ahLst/>
             <a:cxnLst/>
-            <a:rect r="r" b="b" t="t" l="l"/>
+            <a:rect l="l" t="t" r="r" b="b"/>
             <a:pathLst>
-              <a:path h="10287000" w="18288000">
+              <a:path w="18288000" h="10287000">
                 <a:moveTo>
                   <a:pt x="18288000" y="10287000"/>
                 </a:moveTo>
@@ -7664,19 +7792,26 @@
           <a:blipFill>
             <a:blip r:embed="rId2"/>
             <a:stretch>
-              <a:fillRect l="0" t="-38888" r="0" b="-38888"/>
+              <a:fillRect t="-38888" b="-38888"/>
             </a:stretch>
           </a:blipFill>
         </p:spPr>
+        <p:txBody>
+          <a:bodyPr/>
+          <a:lstStyle/>
+          <a:p>
+            <a:endParaRPr lang="en-US"/>
+          </a:p>
+        </p:txBody>
       </p:sp>
       <p:grpSp>
         <p:nvGrpSpPr>
-          <p:cNvPr name="Group 3" id="3"/>
+          <p:cNvPr id="3" name="Group 3"/>
           <p:cNvGrpSpPr/>
           <p:nvPr/>
         </p:nvGrpSpPr>
         <p:grpSpPr>
-          <a:xfrm rot="0">
+          <a:xfrm>
             <a:off x="3845660" y="3369755"/>
             <a:ext cx="10134600" cy="2657475"/>
             <a:chOff x="0" y="0"/>
@@ -7685,12 +7820,12 @@
         </p:grpSpPr>
         <p:sp>
           <p:nvSpPr>
-            <p:cNvPr name="Freeform 4" id="4"/>
+            <p:cNvPr id="4" name="Freeform 4"/>
             <p:cNvSpPr/>
             <p:nvPr/>
           </p:nvSpPr>
           <p:spPr>
-            <a:xfrm flipH="false" flipV="false" rot="0">
+            <a:xfrm>
               <a:off x="0" y="0"/>
               <a:ext cx="2669195" cy="699911"/>
             </a:xfrm>
@@ -7699,9 +7834,9 @@
               <a:gdLst/>
               <a:ahLst/>
               <a:cxnLst/>
-              <a:rect r="r" b="b" t="t" l="l"/>
+              <a:rect l="l" t="t" r="r" b="b"/>
               <a:pathLst>
-                <a:path h="699911" w="2669195">
+                <a:path w="2669195" h="699911">
                   <a:moveTo>
                     <a:pt x="0" y="0"/>
                   </a:moveTo>
@@ -7722,11 +7857,18 @@
               <a:srgbClr val="FFDBBA"/>
             </a:solidFill>
           </p:spPr>
+          <p:txBody>
+            <a:bodyPr/>
+            <a:lstStyle/>
+            <a:p>
+              <a:endParaRPr lang="en-US"/>
+            </a:p>
+          </p:txBody>
         </p:sp>
         <p:sp>
           <p:nvSpPr>
-            <p:cNvPr name="TextBox 5" id="5"/>
-            <p:cNvSpPr txBox="true"/>
+            <p:cNvPr id="5" name="TextBox 5"/>
+            <p:cNvSpPr txBox="1"/>
             <p:nvPr/>
           </p:nvSpPr>
           <p:spPr>
@@ -7739,7 +7881,7 @@
             </a:prstGeom>
           </p:spPr>
           <p:txBody>
-            <a:bodyPr anchor="ctr" rtlCol="false" tIns="50800" lIns="50800" bIns="50800" rIns="50800"/>
+            <a:bodyPr lIns="50800" tIns="50800" rIns="50800" bIns="50800" rtlCol="0" anchor="ctr"/>
             <a:lstStyle/>
             <a:p>
               <a:pPr algn="ctr">
@@ -7747,18 +7889,19 @@
                   <a:spcPts val="2859"/>
                 </a:lnSpc>
               </a:pPr>
+              <a:endParaRPr/>
             </a:p>
           </p:txBody>
         </p:sp>
       </p:grpSp>
       <p:grpSp>
         <p:nvGrpSpPr>
-          <p:cNvPr name="Group 6" id="6"/>
+          <p:cNvPr id="6" name="Group 6"/>
           <p:cNvGrpSpPr/>
           <p:nvPr/>
         </p:nvGrpSpPr>
         <p:grpSpPr>
-          <a:xfrm rot="0">
+          <a:xfrm>
             <a:off x="5196558" y="4410687"/>
             <a:ext cx="3716402" cy="871538"/>
             <a:chOff x="0" y="0"/>
@@ -7767,12 +7910,12 @@
         </p:grpSpPr>
         <p:sp>
           <p:nvSpPr>
-            <p:cNvPr name="Freeform 7" id="7"/>
+            <p:cNvPr id="7" name="Freeform 7"/>
             <p:cNvSpPr/>
             <p:nvPr/>
           </p:nvSpPr>
           <p:spPr>
-            <a:xfrm flipH="false" flipV="false" rot="0">
+            <a:xfrm>
               <a:off x="0" y="0"/>
               <a:ext cx="978805" cy="229541"/>
             </a:xfrm>
@@ -7781,9 +7924,9 @@
               <a:gdLst/>
               <a:ahLst/>
               <a:cxnLst/>
-              <a:rect r="r" b="b" t="t" l="l"/>
+              <a:rect l="l" t="t" r="r" b="b"/>
               <a:pathLst>
-                <a:path h="229541" w="978805">
+                <a:path w="978805" h="229541">
                   <a:moveTo>
                     <a:pt x="0" y="0"/>
                   </a:moveTo>
@@ -7804,11 +7947,18 @@
               <a:srgbClr val="FFDBBA"/>
             </a:solidFill>
           </p:spPr>
+          <p:txBody>
+            <a:bodyPr/>
+            <a:lstStyle/>
+            <a:p>
+              <a:endParaRPr lang="en-US"/>
+            </a:p>
+          </p:txBody>
         </p:sp>
         <p:sp>
           <p:nvSpPr>
-            <p:cNvPr name="TextBox 8" id="8"/>
-            <p:cNvSpPr txBox="true"/>
+            <p:cNvPr id="8" name="TextBox 8"/>
+            <p:cNvSpPr txBox="1"/>
             <p:nvPr/>
           </p:nvSpPr>
           <p:spPr>
@@ -7821,7 +7971,7 @@
             </a:prstGeom>
           </p:spPr>
           <p:txBody>
-            <a:bodyPr anchor="ctr" rtlCol="false" tIns="50800" lIns="50800" bIns="50800" rIns="50800"/>
+            <a:bodyPr lIns="50800" tIns="50800" rIns="50800" bIns="50800" rtlCol="0" anchor="ctr"/>
             <a:lstStyle/>
             <a:p>
               <a:pPr algn="ctr">
@@ -7829,18 +7979,19 @@
                   <a:spcPts val="2859"/>
                 </a:lnSpc>
               </a:pPr>
+              <a:endParaRPr/>
             </a:p>
           </p:txBody>
         </p:sp>
       </p:grpSp>
       <p:grpSp>
         <p:nvGrpSpPr>
-          <p:cNvPr name="Group 9" id="9"/>
+          <p:cNvPr id="9" name="Group 9"/>
           <p:cNvGrpSpPr/>
           <p:nvPr/>
         </p:nvGrpSpPr>
         <p:grpSpPr>
-          <a:xfrm rot="0">
+          <a:xfrm>
             <a:off x="4878478" y="4262724"/>
             <a:ext cx="3049652" cy="871538"/>
             <a:chOff x="0" y="0"/>
@@ -7849,12 +8000,12 @@
         </p:grpSpPr>
         <p:sp>
           <p:nvSpPr>
-            <p:cNvPr name="Freeform 10" id="10"/>
+            <p:cNvPr id="10" name="Freeform 10"/>
             <p:cNvSpPr/>
             <p:nvPr/>
           </p:nvSpPr>
           <p:spPr>
-            <a:xfrm flipH="false" flipV="false" rot="0">
+            <a:xfrm>
               <a:off x="0" y="0"/>
               <a:ext cx="803201" cy="229541"/>
             </a:xfrm>
@@ -7863,9 +8014,9 @@
               <a:gdLst/>
               <a:ahLst/>
               <a:cxnLst/>
-              <a:rect r="r" b="b" t="t" l="l"/>
+              <a:rect l="l" t="t" r="r" b="b"/>
               <a:pathLst>
-                <a:path h="229541" w="803201">
+                <a:path w="803201" h="229541">
                   <a:moveTo>
                     <a:pt x="0" y="0"/>
                   </a:moveTo>
@@ -7886,11 +8037,18 @@
               <a:srgbClr val="FD9739"/>
             </a:solidFill>
           </p:spPr>
+          <p:txBody>
+            <a:bodyPr/>
+            <a:lstStyle/>
+            <a:p>
+              <a:endParaRPr lang="en-US"/>
+            </a:p>
+          </p:txBody>
         </p:sp>
         <p:sp>
           <p:nvSpPr>
-            <p:cNvPr name="TextBox 11" id="11"/>
-            <p:cNvSpPr txBox="true"/>
+            <p:cNvPr id="11" name="TextBox 11"/>
+            <p:cNvSpPr txBox="1"/>
             <p:nvPr/>
           </p:nvSpPr>
           <p:spPr>
@@ -7903,7 +8061,7 @@
             </a:prstGeom>
           </p:spPr>
           <p:txBody>
-            <a:bodyPr anchor="ctr" rtlCol="false" tIns="50800" lIns="50800" bIns="50800" rIns="50800"/>
+            <a:bodyPr lIns="50800" tIns="50800" rIns="50800" bIns="50800" rtlCol="0" anchor="ctr"/>
             <a:lstStyle/>
             <a:p>
               <a:pPr algn="ctr">
@@ -7926,12 +8084,12 @@
       </p:grpSp>
       <p:grpSp>
         <p:nvGrpSpPr>
-          <p:cNvPr name="Group 12" id="12"/>
+          <p:cNvPr id="12" name="Group 12"/>
           <p:cNvGrpSpPr/>
           <p:nvPr/>
         </p:nvGrpSpPr>
         <p:grpSpPr>
-          <a:xfrm rot="0">
+          <a:xfrm>
             <a:off x="9401299" y="4262724"/>
             <a:ext cx="3716402" cy="871538"/>
             <a:chOff x="0" y="0"/>
@@ -7940,12 +8098,12 @@
         </p:grpSpPr>
         <p:sp>
           <p:nvSpPr>
-            <p:cNvPr name="Freeform 13" id="13"/>
+            <p:cNvPr id="13" name="Freeform 13"/>
             <p:cNvSpPr/>
             <p:nvPr/>
           </p:nvSpPr>
           <p:spPr>
-            <a:xfrm flipH="false" flipV="false" rot="0">
+            <a:xfrm>
               <a:off x="0" y="0"/>
               <a:ext cx="978805" cy="229541"/>
             </a:xfrm>
@@ -7954,9 +8112,9 @@
               <a:gdLst/>
               <a:ahLst/>
               <a:cxnLst/>
-              <a:rect r="r" b="b" t="t" l="l"/>
+              <a:rect l="l" t="t" r="r" b="b"/>
               <a:pathLst>
-                <a:path h="229541" w="978805">
+                <a:path w="978805" h="229541">
                   <a:moveTo>
                     <a:pt x="0" y="0"/>
                   </a:moveTo>
@@ -7977,11 +8135,18 @@
               <a:srgbClr val="FD9739"/>
             </a:solidFill>
           </p:spPr>
+          <p:txBody>
+            <a:bodyPr/>
+            <a:lstStyle/>
+            <a:p>
+              <a:endParaRPr lang="en-US"/>
+            </a:p>
+          </p:txBody>
         </p:sp>
         <p:sp>
           <p:nvSpPr>
-            <p:cNvPr name="TextBox 14" id="14"/>
-            <p:cNvSpPr txBox="true"/>
+            <p:cNvPr id="14" name="TextBox 14"/>
+            <p:cNvSpPr txBox="1"/>
             <p:nvPr/>
           </p:nvSpPr>
           <p:spPr>
@@ -7994,7 +8159,7 @@
             </a:prstGeom>
           </p:spPr>
           <p:txBody>
-            <a:bodyPr anchor="ctr" rtlCol="false" tIns="50800" lIns="50800" bIns="50800" rIns="50800"/>
+            <a:bodyPr lIns="50800" tIns="50800" rIns="50800" bIns="50800" rtlCol="0" anchor="ctr"/>
             <a:lstStyle/>
             <a:p>
               <a:pPr algn="ctr">
@@ -8017,31 +8182,38 @@
       </p:grpSp>
       <p:sp>
         <p:nvSpPr>
-          <p:cNvPr name="AutoShape 15" id="15"/>
+          <p:cNvPr id="15" name="AutoShape 15"/>
           <p:cNvSpPr/>
           <p:nvPr/>
         </p:nvSpPr>
         <p:spPr>
-          <a:xfrm flipV="true">
+          <a:xfrm flipV="1">
             <a:off x="1830400" y="4698493"/>
             <a:ext cx="2015261" cy="1297614"/>
           </a:xfrm>
           <a:prstGeom prst="line">
             <a:avLst/>
           </a:prstGeom>
-          <a:ln cap="flat" w="38100">
+          <a:ln w="38100" cap="flat">
             <a:solidFill>
               <a:srgbClr val="000000"/>
             </a:solidFill>
             <a:prstDash val="solid"/>
-            <a:headEnd type="none" len="sm" w="sm"/>
-            <a:tailEnd type="arrow" len="sm" w="med"/>
+            <a:headEnd type="none" w="sm" len="sm"/>
+            <a:tailEnd type="arrow" w="med" len="sm"/>
           </a:ln>
         </p:spPr>
-      </p:sp>
-      <p:sp>
-        <p:nvSpPr>
-          <p:cNvPr name="AutoShape 16" id="16"/>
+        <p:txBody>
+          <a:bodyPr/>
+          <a:lstStyle/>
+          <a:p>
+            <a:endParaRPr lang="en-US"/>
+          </a:p>
+        </p:txBody>
+      </p:sp>
+      <p:sp>
+        <p:nvSpPr>
+          <p:cNvPr id="16" name="AutoShape 16"/>
           <p:cNvSpPr/>
           <p:nvPr/>
         </p:nvSpPr>
@@ -8053,19 +8225,26 @@
           <a:prstGeom prst="line">
             <a:avLst/>
           </a:prstGeom>
-          <a:ln cap="flat" w="38100">
+          <a:ln w="38100" cap="flat">
             <a:solidFill>
               <a:srgbClr val="000000"/>
             </a:solidFill>
             <a:prstDash val="solid"/>
-            <a:headEnd type="none" len="sm" w="sm"/>
-            <a:tailEnd type="arrow" len="sm" w="med"/>
+            <a:headEnd type="none" w="sm" len="sm"/>
+            <a:tailEnd type="arrow" w="med" len="sm"/>
           </a:ln>
         </p:spPr>
-      </p:sp>
-      <p:sp>
-        <p:nvSpPr>
-          <p:cNvPr name="AutoShape 17" id="17"/>
+        <p:txBody>
+          <a:bodyPr/>
+          <a:lstStyle/>
+          <a:p>
+            <a:endParaRPr lang="en-US"/>
+          </a:p>
+        </p:txBody>
+      </p:sp>
+      <p:sp>
+        <p:nvSpPr>
+          <p:cNvPr id="17" name="AutoShape 17"/>
           <p:cNvSpPr/>
           <p:nvPr/>
         </p:nvSpPr>
@@ -8077,19 +8256,26 @@
           <a:prstGeom prst="line">
             <a:avLst/>
           </a:prstGeom>
-          <a:ln cap="flat" w="38100">
+          <a:ln w="38100" cap="flat">
             <a:solidFill>
               <a:srgbClr val="000000"/>
             </a:solidFill>
             <a:prstDash val="solid"/>
-            <a:headEnd type="none" len="sm" w="sm"/>
-            <a:tailEnd type="arrow" len="sm" w="med"/>
+            <a:headEnd type="none" w="sm" len="sm"/>
+            <a:tailEnd type="arrow" w="med" len="sm"/>
           </a:ln>
         </p:spPr>
-      </p:sp>
-      <p:sp>
-        <p:nvSpPr>
-          <p:cNvPr name="AutoShape 18" id="18"/>
+        <p:txBody>
+          <a:bodyPr/>
+          <a:lstStyle/>
+          <a:p>
+            <a:endParaRPr lang="en-US"/>
+          </a:p>
+        </p:txBody>
+      </p:sp>
+      <p:sp>
+        <p:nvSpPr>
+          <p:cNvPr id="18" name="AutoShape 18"/>
           <p:cNvSpPr/>
           <p:nvPr/>
         </p:nvSpPr>
@@ -8101,19 +8287,26 @@
           <a:prstGeom prst="line">
             <a:avLst/>
           </a:prstGeom>
-          <a:ln cap="flat" w="38100">
+          <a:ln w="38100" cap="flat">
             <a:solidFill>
               <a:srgbClr val="000000"/>
             </a:solidFill>
             <a:prstDash val="solid"/>
-            <a:headEnd type="none" len="sm" w="sm"/>
-            <a:tailEnd type="arrow" len="sm" w="med"/>
+            <a:headEnd type="none" w="sm" len="sm"/>
+            <a:tailEnd type="arrow" w="med" len="sm"/>
           </a:ln>
         </p:spPr>
-      </p:sp>
-      <p:sp>
-        <p:nvSpPr>
-          <p:cNvPr name="AutoShape 19" id="19"/>
+        <p:txBody>
+          <a:bodyPr/>
+          <a:lstStyle/>
+          <a:p>
+            <a:endParaRPr lang="en-US"/>
+          </a:p>
+        </p:txBody>
+      </p:sp>
+      <p:sp>
+        <p:nvSpPr>
+          <p:cNvPr id="19" name="AutoShape 19"/>
           <p:cNvSpPr/>
           <p:nvPr/>
         </p:nvSpPr>
@@ -8125,24 +8318,31 @@
           <a:prstGeom prst="line">
             <a:avLst/>
           </a:prstGeom>
-          <a:ln cap="flat" w="38100">
+          <a:ln w="38100" cap="flat">
             <a:solidFill>
               <a:srgbClr val="000000"/>
             </a:solidFill>
             <a:prstDash val="solid"/>
-            <a:headEnd type="none" len="sm" w="sm"/>
-            <a:tailEnd type="arrow" len="sm" w="med"/>
+            <a:headEnd type="none" w="sm" len="sm"/>
+            <a:tailEnd type="arrow" w="med" len="sm"/>
           </a:ln>
         </p:spPr>
-      </p:sp>
-      <p:sp>
-        <p:nvSpPr>
-          <p:cNvPr name="TextBox 20" id="20"/>
-          <p:cNvSpPr txBox="true"/>
+        <p:txBody>
+          <a:bodyPr/>
+          <a:lstStyle/>
+          <a:p>
+            <a:endParaRPr lang="en-US"/>
+          </a:p>
+        </p:txBody>
+      </p:sp>
+      <p:sp>
+        <p:nvSpPr>
+          <p:cNvPr id="20" name="TextBox 20"/>
+          <p:cNvSpPr txBox="1"/>
           <p:nvPr/>
         </p:nvSpPr>
         <p:spPr>
-          <a:xfrm rot="0">
+          <a:xfrm>
             <a:off x="1830400" y="4611831"/>
             <a:ext cx="1358606" cy="459629"/>
           </a:xfrm>
@@ -8151,12 +8351,12 @@
           </a:prstGeom>
         </p:spPr>
         <p:txBody>
-          <a:bodyPr anchor="t" rtlCol="false" tIns="0" lIns="0" bIns="0" rIns="0">
+          <a:bodyPr lIns="0" tIns="0" rIns="0" bIns="0" rtlCol="0" anchor="t">
             <a:spAutoFit/>
           </a:bodyPr>
           <a:lstStyle/>
           <a:p>
-            <a:pPr algn="ctr" marL="0" indent="0" lvl="0">
+            <a:pPr marL="0" lvl="0" indent="0" algn="ctr">
               <a:lnSpc>
                 <a:spcPts val="3878"/>
               </a:lnSpc>
@@ -8178,12 +8378,12 @@
       </p:sp>
       <p:sp>
         <p:nvSpPr>
-          <p:cNvPr name="TextBox 21" id="21"/>
-          <p:cNvSpPr txBox="true"/>
+          <p:cNvPr id="21" name="TextBox 21"/>
+          <p:cNvSpPr txBox="1"/>
           <p:nvPr/>
         </p:nvSpPr>
         <p:spPr>
-          <a:xfrm rot="0">
+          <a:xfrm>
             <a:off x="7985412" y="4190301"/>
             <a:ext cx="1358606" cy="459629"/>
           </a:xfrm>
@@ -8192,12 +8392,12 @@
           </a:prstGeom>
         </p:spPr>
         <p:txBody>
-          <a:bodyPr anchor="t" rtlCol="false" tIns="0" lIns="0" bIns="0" rIns="0">
+          <a:bodyPr lIns="0" tIns="0" rIns="0" bIns="0" rtlCol="0" anchor="t">
             <a:spAutoFit/>
           </a:bodyPr>
           <a:lstStyle/>
           <a:p>
-            <a:pPr algn="ctr" marL="0" indent="0" lvl="0">
+            <a:pPr marL="0" lvl="0" indent="0" algn="ctr">
               <a:lnSpc>
                 <a:spcPts val="3878"/>
               </a:lnSpc>
@@ -8219,12 +8419,12 @@
       </p:sp>
       <p:sp>
         <p:nvSpPr>
-          <p:cNvPr name="TextBox 22" id="22"/>
-          <p:cNvSpPr txBox="true"/>
+          <p:cNvPr id="22" name="TextBox 22"/>
+          <p:cNvSpPr txBox="1"/>
           <p:nvPr/>
         </p:nvSpPr>
         <p:spPr>
-          <a:xfrm rot="0">
+          <a:xfrm>
             <a:off x="1439399" y="8062428"/>
             <a:ext cx="644231" cy="459629"/>
           </a:xfrm>
@@ -8233,12 +8433,12 @@
           </a:prstGeom>
         </p:spPr>
         <p:txBody>
-          <a:bodyPr anchor="t" rtlCol="false" tIns="0" lIns="0" bIns="0" rIns="0">
+          <a:bodyPr lIns="0" tIns="0" rIns="0" bIns="0" rtlCol="0" anchor="t">
             <a:spAutoFit/>
           </a:bodyPr>
           <a:lstStyle/>
           <a:p>
-            <a:pPr algn="ctr" marL="0" indent="0" lvl="0">
+            <a:pPr marL="0" lvl="0" indent="0" algn="ctr">
               <a:lnSpc>
                 <a:spcPts val="3878"/>
               </a:lnSpc>
@@ -8260,12 +8460,12 @@
       </p:sp>
       <p:sp>
         <p:nvSpPr>
-          <p:cNvPr name="TextBox 23" id="23"/>
-          <p:cNvSpPr txBox="true"/>
+          <p:cNvPr id="23" name="TextBox 23"/>
+          <p:cNvSpPr txBox="1"/>
           <p:nvPr/>
         </p:nvSpPr>
         <p:spPr>
-          <a:xfrm rot="0">
+          <a:xfrm>
             <a:off x="5860043" y="5244125"/>
             <a:ext cx="644231" cy="459629"/>
           </a:xfrm>
@@ -8274,12 +8474,12 @@
           </a:prstGeom>
         </p:spPr>
         <p:txBody>
-          <a:bodyPr anchor="t" rtlCol="false" tIns="0" lIns="0" bIns="0" rIns="0">
+          <a:bodyPr lIns="0" tIns="0" rIns="0" bIns="0" rtlCol="0" anchor="t">
             <a:spAutoFit/>
           </a:bodyPr>
           <a:lstStyle/>
           <a:p>
-            <a:pPr algn="ctr" marL="0" indent="0" lvl="0">
+            <a:pPr marL="0" lvl="0" indent="0" algn="ctr">
               <a:lnSpc>
                 <a:spcPts val="3878"/>
               </a:lnSpc>
@@ -8301,12 +8501,12 @@
       </p:sp>
       <p:sp>
         <p:nvSpPr>
-          <p:cNvPr name="TextBox 24" id="24"/>
-          <p:cNvSpPr txBox="true"/>
+          <p:cNvPr id="24" name="TextBox 24"/>
+          <p:cNvSpPr txBox="1"/>
           <p:nvPr/>
         </p:nvSpPr>
         <p:spPr>
-          <a:xfrm rot="0">
+          <a:xfrm>
             <a:off x="8342599" y="4822595"/>
             <a:ext cx="644231" cy="459629"/>
           </a:xfrm>
@@ -8315,12 +8515,12 @@
           </a:prstGeom>
         </p:spPr>
         <p:txBody>
-          <a:bodyPr anchor="t" rtlCol="false" tIns="0" lIns="0" bIns="0" rIns="0">
+          <a:bodyPr lIns="0" tIns="0" rIns="0" bIns="0" rtlCol="0" anchor="t">
             <a:spAutoFit/>
           </a:bodyPr>
           <a:lstStyle/>
           <a:p>
-            <a:pPr algn="ctr" marL="0" indent="0" lvl="0">
+            <a:pPr marL="0" lvl="0" indent="0" algn="ctr">
               <a:lnSpc>
                 <a:spcPts val="3878"/>
               </a:lnSpc>
@@ -8342,12 +8542,12 @@
       </p:sp>
       <p:sp>
         <p:nvSpPr>
-          <p:cNvPr name="TextBox 25" id="25"/>
-          <p:cNvSpPr txBox="true"/>
+          <p:cNvPr id="25" name="TextBox 25"/>
+          <p:cNvSpPr txBox="1"/>
           <p:nvPr/>
         </p:nvSpPr>
         <p:spPr>
-          <a:xfrm rot="0">
+          <a:xfrm>
             <a:off x="10937385" y="5244125"/>
             <a:ext cx="644231" cy="459629"/>
           </a:xfrm>
@@ -8356,12 +8556,12 @@
           </a:prstGeom>
         </p:spPr>
         <p:txBody>
-          <a:bodyPr anchor="t" rtlCol="false" tIns="0" lIns="0" bIns="0" rIns="0">
+          <a:bodyPr lIns="0" tIns="0" rIns="0" bIns="0" rtlCol="0" anchor="t">
             <a:spAutoFit/>
           </a:bodyPr>
           <a:lstStyle/>
           <a:p>
-            <a:pPr algn="ctr" marL="0" indent="0" lvl="0">
+            <a:pPr marL="0" lvl="0" indent="0" algn="ctr">
               <a:lnSpc>
                 <a:spcPts val="3878"/>
               </a:lnSpc>
@@ -8383,12 +8583,12 @@
       </p:sp>
       <p:sp>
         <p:nvSpPr>
-          <p:cNvPr name="TextBox 26" id="26"/>
-          <p:cNvSpPr txBox="true"/>
+          <p:cNvPr id="26" name="TextBox 26"/>
+          <p:cNvSpPr txBox="1"/>
           <p:nvPr/>
         </p:nvSpPr>
         <p:spPr>
-          <a:xfrm rot="0">
+          <a:xfrm>
             <a:off x="15433171" y="8062428"/>
             <a:ext cx="644231" cy="459629"/>
           </a:xfrm>
@@ -8397,12 +8597,12 @@
           </a:prstGeom>
         </p:spPr>
         <p:txBody>
-          <a:bodyPr anchor="t" rtlCol="false" tIns="0" lIns="0" bIns="0" rIns="0">
+          <a:bodyPr lIns="0" tIns="0" rIns="0" bIns="0" rtlCol="0" anchor="t">
             <a:spAutoFit/>
           </a:bodyPr>
           <a:lstStyle/>
           <a:p>
-            <a:pPr algn="ctr" marL="0" indent="0" lvl="0">
+            <a:pPr marL="0" lvl="0" indent="0" algn="ctr">
               <a:lnSpc>
                 <a:spcPts val="3878"/>
               </a:lnSpc>
@@ -8424,12 +8624,12 @@
       </p:sp>
       <p:sp>
         <p:nvSpPr>
-          <p:cNvPr name="TextBox 27" id="27"/>
-          <p:cNvSpPr txBox="true"/>
+          <p:cNvPr id="27" name="TextBox 27"/>
+          <p:cNvSpPr txBox="1"/>
           <p:nvPr/>
         </p:nvSpPr>
         <p:spPr>
-          <a:xfrm rot="0">
+          <a:xfrm>
             <a:off x="7819160" y="3447193"/>
             <a:ext cx="1904254" cy="459629"/>
           </a:xfrm>
@@ -8438,12 +8638,12 @@
           </a:prstGeom>
         </p:spPr>
         <p:txBody>
-          <a:bodyPr anchor="t" rtlCol="false" tIns="0" lIns="0" bIns="0" rIns="0">
+          <a:bodyPr lIns="0" tIns="0" rIns="0" bIns="0" rtlCol="0" anchor="t">
             <a:spAutoFit/>
           </a:bodyPr>
           <a:lstStyle/>
           <a:p>
-            <a:pPr algn="ctr" marL="0" indent="0" lvl="0">
+            <a:pPr marL="0" lvl="0" indent="0" algn="ctr">
               <a:lnSpc>
                 <a:spcPts val="3878"/>
               </a:lnSpc>
@@ -8465,12 +8665,12 @@
       </p:sp>
       <p:sp>
         <p:nvSpPr>
-          <p:cNvPr name="TextBox 28" id="28"/>
-          <p:cNvSpPr txBox="true"/>
+          <p:cNvPr id="28" name="TextBox 28"/>
+          <p:cNvSpPr txBox="1"/>
           <p:nvPr/>
         </p:nvSpPr>
         <p:spPr>
-          <a:xfrm rot="0">
+          <a:xfrm>
             <a:off x="1248655" y="265941"/>
             <a:ext cx="15839722" cy="1714917"/>
           </a:xfrm>
@@ -8479,7 +8679,7 @@
           </a:prstGeom>
         </p:spPr>
         <p:txBody>
-          <a:bodyPr anchor="t" rtlCol="false" tIns="0" lIns="0" bIns="0" rIns="0">
+          <a:bodyPr lIns="0" tIns="0" rIns="0" bIns="0" rtlCol="0" anchor="t">
             <a:spAutoFit/>
           </a:bodyPr>
           <a:lstStyle/>
@@ -8503,12 +8703,12 @@
       </p:sp>
       <p:sp>
         <p:nvSpPr>
-          <p:cNvPr name="Freeform 29" id="29"/>
+          <p:cNvPr id="29" name="Freeform 29"/>
           <p:cNvSpPr/>
           <p:nvPr/>
         </p:nvSpPr>
         <p:spPr>
-          <a:xfrm flipH="false" flipV="false" rot="0">
+          <a:xfrm>
             <a:off x="1761515" y="6163216"/>
             <a:ext cx="1635561" cy="1635561"/>
           </a:xfrm>
@@ -8517,9 +8717,9 @@
             <a:gdLst/>
             <a:ahLst/>
             <a:cxnLst/>
-            <a:rect r="r" b="b" t="t" l="l"/>
+            <a:rect l="l" t="t" r="r" b="b"/>
             <a:pathLst>
-              <a:path h="1635561" w="1635561">
+              <a:path w="1635561" h="1635561">
                 <a:moveTo>
                   <a:pt x="0" y="0"/>
                 </a:moveTo>
@@ -8548,19 +8748,26 @@
               </a:extLst>
             </a:blip>
             <a:stretch>
-              <a:fillRect l="0" t="0" r="0" b="0"/>
+              <a:fillRect/>
             </a:stretch>
           </a:blipFill>
         </p:spPr>
-      </p:sp>
-      <p:sp>
-        <p:nvSpPr>
-          <p:cNvPr name="Freeform 30" id="30"/>
+        <p:txBody>
+          <a:bodyPr/>
+          <a:lstStyle/>
+          <a:p>
+            <a:endParaRPr lang="en-US"/>
+          </a:p>
+        </p:txBody>
+      </p:sp>
+      <p:sp>
+        <p:nvSpPr>
+          <p:cNvPr id="30" name="Freeform 30"/>
           <p:cNvSpPr/>
           <p:nvPr/>
         </p:nvSpPr>
         <p:spPr>
-          <a:xfrm flipH="false" flipV="false" rot="0">
+          <a:xfrm>
             <a:off x="263724" y="6163216"/>
             <a:ext cx="1635561" cy="1635561"/>
           </a:xfrm>
@@ -8569,9 +8776,9 @@
             <a:gdLst/>
             <a:ahLst/>
             <a:cxnLst/>
-            <a:rect r="r" b="b" t="t" l="l"/>
+            <a:rect l="l" t="t" r="r" b="b"/>
             <a:pathLst>
-              <a:path h="1635561" w="1635561">
+              <a:path w="1635561" h="1635561">
                 <a:moveTo>
                   <a:pt x="0" y="0"/>
                 </a:moveTo>
@@ -8600,19 +8807,26 @@
               </a:extLst>
             </a:blip>
             <a:stretch>
-              <a:fillRect l="0" t="0" r="0" b="0"/>
+              <a:fillRect/>
             </a:stretch>
           </a:blipFill>
         </p:spPr>
-      </p:sp>
-      <p:sp>
-        <p:nvSpPr>
-          <p:cNvPr name="TextBox 31" id="31"/>
-          <p:cNvSpPr txBox="true"/>
+        <p:txBody>
+          <a:bodyPr/>
+          <a:lstStyle/>
+          <a:p>
+            <a:endParaRPr lang="en-US"/>
+          </a:p>
+        </p:txBody>
+      </p:sp>
+      <p:sp>
+        <p:nvSpPr>
+          <p:cNvPr id="31" name="TextBox 31"/>
+          <p:cNvSpPr txBox="1"/>
           <p:nvPr/>
         </p:nvSpPr>
         <p:spPr>
-          <a:xfrm rot="0">
+          <a:xfrm>
             <a:off x="14316165" y="7638387"/>
             <a:ext cx="3361730" cy="459629"/>
           </a:xfrm>
@@ -8621,7 +8835,7 @@
           </a:prstGeom>
         </p:spPr>
         <p:txBody>
-          <a:bodyPr anchor="t" rtlCol="false" tIns="0" lIns="0" bIns="0" rIns="0">
+          <a:bodyPr lIns="0" tIns="0" rIns="0" bIns="0" rtlCol="0" anchor="t">
             <a:spAutoFit/>
           </a:bodyPr>
           <a:lstStyle/>
@@ -8648,12 +8862,12 @@
       </p:sp>
       <p:sp>
         <p:nvSpPr>
-          <p:cNvPr name="TextBox 32" id="32"/>
-          <p:cNvSpPr txBox="true"/>
+          <p:cNvPr id="32" name="TextBox 32"/>
+          <p:cNvSpPr txBox="1"/>
           <p:nvPr/>
         </p:nvSpPr>
         <p:spPr>
-          <a:xfrm rot="0">
+          <a:xfrm>
             <a:off x="14748590" y="4597591"/>
             <a:ext cx="2657624" cy="459629"/>
           </a:xfrm>
@@ -8662,7 +8876,7 @@
           </a:prstGeom>
         </p:spPr>
         <p:txBody>
-          <a:bodyPr anchor="t" rtlCol="false" tIns="0" lIns="0" bIns="0" rIns="0">
+          <a:bodyPr lIns="0" tIns="0" rIns="0" bIns="0" rtlCol="0" anchor="t">
             <a:spAutoFit/>
           </a:bodyPr>
           <a:lstStyle/>
@@ -8689,12 +8903,12 @@
       </p:sp>
       <p:sp>
         <p:nvSpPr>
-          <p:cNvPr name="Freeform 33" id="33"/>
+          <p:cNvPr id="33" name="Freeform 33"/>
           <p:cNvSpPr/>
           <p:nvPr/>
         </p:nvSpPr>
         <p:spPr>
-          <a:xfrm flipH="false" flipV="false" rot="0">
+          <a:xfrm>
             <a:off x="15755286" y="6163216"/>
             <a:ext cx="1635561" cy="1635561"/>
           </a:xfrm>
@@ -8703,9 +8917,9 @@
             <a:gdLst/>
             <a:ahLst/>
             <a:cxnLst/>
-            <a:rect r="r" b="b" t="t" l="l"/>
+            <a:rect l="l" t="t" r="r" b="b"/>
             <a:pathLst>
-              <a:path h="1635561" w="1635561">
+              <a:path w="1635561" h="1635561">
                 <a:moveTo>
                   <a:pt x="0" y="0"/>
                 </a:moveTo>
@@ -8734,19 +8948,26 @@
               </a:extLst>
             </a:blip>
             <a:stretch>
-              <a:fillRect l="0" t="0" r="0" b="0"/>
+              <a:fillRect/>
             </a:stretch>
           </a:blipFill>
         </p:spPr>
-      </p:sp>
-      <p:sp>
-        <p:nvSpPr>
-          <p:cNvPr name="Freeform 34" id="34"/>
+        <p:txBody>
+          <a:bodyPr/>
+          <a:lstStyle/>
+          <a:p>
+            <a:endParaRPr lang="en-US"/>
+          </a:p>
+        </p:txBody>
+      </p:sp>
+      <p:sp>
+        <p:nvSpPr>
+          <p:cNvPr id="34" name="Freeform 34"/>
           <p:cNvSpPr/>
           <p:nvPr/>
         </p:nvSpPr>
         <p:spPr>
-          <a:xfrm flipH="false" flipV="false" rot="0">
+          <a:xfrm>
             <a:off x="14257496" y="6163216"/>
             <a:ext cx="1635561" cy="1635561"/>
           </a:xfrm>
@@ -8755,9 +8976,9 @@
             <a:gdLst/>
             <a:ahLst/>
             <a:cxnLst/>
-            <a:rect r="r" b="b" t="t" l="l"/>
+            <a:rect l="l" t="t" r="r" b="b"/>
             <a:pathLst>
-              <a:path h="1635561" w="1635561">
+              <a:path w="1635561" h="1635561">
                 <a:moveTo>
                   <a:pt x="0" y="0"/>
                 </a:moveTo>
@@ -8786,19 +9007,26 @@
               </a:extLst>
             </a:blip>
             <a:stretch>
-              <a:fillRect l="0" t="0" r="0" b="0"/>
+              <a:fillRect/>
             </a:stretch>
           </a:blipFill>
         </p:spPr>
-      </p:sp>
-      <p:sp>
-        <p:nvSpPr>
-          <p:cNvPr name="TextBox 35" id="35"/>
-          <p:cNvSpPr txBox="true"/>
+        <p:txBody>
+          <a:bodyPr/>
+          <a:lstStyle/>
+          <a:p>
+            <a:endParaRPr lang="en-US"/>
+          </a:p>
+        </p:txBody>
+      </p:sp>
+      <p:sp>
+        <p:nvSpPr>
+          <p:cNvPr id="35" name="TextBox 35"/>
+          <p:cNvSpPr txBox="1"/>
           <p:nvPr/>
         </p:nvSpPr>
         <p:spPr>
-          <a:xfrm rot="0">
+          <a:xfrm>
             <a:off x="1156528" y="7638387"/>
             <a:ext cx="1209973" cy="459629"/>
           </a:xfrm>
@@ -8807,7 +9035,7 @@
           </a:prstGeom>
         </p:spPr>
         <p:txBody>
-          <a:bodyPr anchor="t" rtlCol="false" tIns="0" lIns="0" bIns="0" rIns="0">
+          <a:bodyPr lIns="0" tIns="0" rIns="0" bIns="0" rtlCol="0" anchor="t">
             <a:spAutoFit/>
           </a:bodyPr>
           <a:lstStyle/>
@@ -8834,12 +9062,12 @@
       </p:sp>
       <p:sp>
         <p:nvSpPr>
-          <p:cNvPr name="TextBox 36" id="36"/>
-          <p:cNvSpPr txBox="true"/>
+          <p:cNvPr id="36" name="TextBox 36"/>
+          <p:cNvSpPr txBox="1"/>
           <p:nvPr/>
         </p:nvSpPr>
         <p:spPr>
-          <a:xfrm rot="0">
+          <a:xfrm>
             <a:off x="7542265" y="2385107"/>
             <a:ext cx="2458045" cy="660798"/>
           </a:xfrm>
@@ -8848,7 +9076,7 @@
           </a:prstGeom>
         </p:spPr>
         <p:txBody>
-          <a:bodyPr anchor="t" rtlCol="false" tIns="0" lIns="0" bIns="0" rIns="0">
+          <a:bodyPr lIns="0" tIns="0" rIns="0" bIns="0" rtlCol="0" anchor="t">
             <a:spAutoFit/>
           </a:bodyPr>
           <a:lstStyle/>
@@ -8882,7 +9110,7 @@
 </file>
 
 <file path=ppt/slides/slide6.xml><?xml version="1.0" encoding="utf-8"?>
-<p:sld xmlns:p="http://schemas.openxmlformats.org/presentationml/2006/main" xmlns:a="http://schemas.openxmlformats.org/drawingml/2006/main" xmlns:r="http://schemas.openxmlformats.org/officeDocument/2006/relationships">
+<p:sld xmlns:a="http://schemas.openxmlformats.org/drawingml/2006/main" xmlns:r="http://schemas.openxmlformats.org/officeDocument/2006/relationships" xmlns:p="http://schemas.openxmlformats.org/presentationml/2006/main">
   <p:cSld>
     <p:spTree>
       <p:nvGrpSpPr>
@@ -8900,12 +9128,12 @@
       </p:grpSpPr>
       <p:sp>
         <p:nvSpPr>
-          <p:cNvPr name="Freeform 2" id="2"/>
+          <p:cNvPr id="2" name="Freeform 2"/>
           <p:cNvSpPr/>
           <p:nvPr/>
         </p:nvSpPr>
         <p:spPr>
-          <a:xfrm flipH="true" flipV="true" rot="0">
+          <a:xfrm flipH="1" flipV="1">
             <a:off x="0" y="0"/>
             <a:ext cx="18288000" cy="10287000"/>
           </a:xfrm>
@@ -8914,9 +9142,9 @@
             <a:gdLst/>
             <a:ahLst/>
             <a:cxnLst/>
-            <a:rect r="r" b="b" t="t" l="l"/>
+            <a:rect l="l" t="t" r="r" b="b"/>
             <a:pathLst>
-              <a:path h="10287000" w="18288000">
+              <a:path w="18288000" h="10287000">
                 <a:moveTo>
                   <a:pt x="18288000" y="10287000"/>
                 </a:moveTo>
@@ -8939,19 +9167,26 @@
           <a:blipFill>
             <a:blip r:embed="rId3"/>
             <a:stretch>
-              <a:fillRect l="0" t="-38888" r="0" b="-38888"/>
+              <a:fillRect t="-38888" b="-38888"/>
             </a:stretch>
           </a:blipFill>
         </p:spPr>
-      </p:sp>
-      <p:sp>
-        <p:nvSpPr>
-          <p:cNvPr name="Freeform 3" id="3"/>
+        <p:txBody>
+          <a:bodyPr/>
+          <a:lstStyle/>
+          <a:p>
+            <a:endParaRPr lang="en-US"/>
+          </a:p>
+        </p:txBody>
+      </p:sp>
+      <p:sp>
+        <p:nvSpPr>
+          <p:cNvPr id="3" name="Freeform 3"/>
           <p:cNvSpPr/>
           <p:nvPr/>
         </p:nvSpPr>
         <p:spPr>
-          <a:xfrm flipH="false" flipV="false" rot="0">
+          <a:xfrm>
             <a:off x="6516758" y="1895008"/>
             <a:ext cx="11771242" cy="8344655"/>
           </a:xfrm>
@@ -8960,9 +9195,9 @@
             <a:gdLst/>
             <a:ahLst/>
             <a:cxnLst/>
-            <a:rect r="r" b="b" t="t" l="l"/>
+            <a:rect l="l" t="t" r="r" b="b"/>
             <a:pathLst>
-              <a:path h="8344655" w="11771242">
+              <a:path w="11771242" h="8344655">
                 <a:moveTo>
                   <a:pt x="0" y="0"/>
                 </a:moveTo>
@@ -8985,19 +9220,26 @@
           <a:blipFill>
             <a:blip r:embed="rId4"/>
             <a:stretch>
-              <a:fillRect l="0" t="0" r="0" b="0"/>
+              <a:fillRect/>
             </a:stretch>
           </a:blipFill>
         </p:spPr>
-      </p:sp>
-      <p:sp>
-        <p:nvSpPr>
-          <p:cNvPr name="TextBox 4" id="4"/>
-          <p:cNvSpPr txBox="true"/>
+        <p:txBody>
+          <a:bodyPr/>
+          <a:lstStyle/>
+          <a:p>
+            <a:endParaRPr lang="en-US"/>
+          </a:p>
+        </p:txBody>
+      </p:sp>
+      <p:sp>
+        <p:nvSpPr>
+          <p:cNvPr id="4" name="TextBox 4"/>
+          <p:cNvSpPr txBox="1"/>
           <p:nvPr/>
         </p:nvSpPr>
         <p:spPr>
-          <a:xfrm rot="0">
+          <a:xfrm>
             <a:off x="441073" y="2177267"/>
             <a:ext cx="6075686" cy="4831604"/>
           </a:xfrm>
@@ -9006,12 +9248,12 @@
           </a:prstGeom>
         </p:spPr>
         <p:txBody>
-          <a:bodyPr anchor="t" rtlCol="false" tIns="0" lIns="0" bIns="0" rIns="0">
+          <a:bodyPr lIns="0" tIns="0" rIns="0" bIns="0" rtlCol="0" anchor="t">
             <a:spAutoFit/>
           </a:bodyPr>
           <a:lstStyle/>
           <a:p>
-            <a:pPr algn="l" marL="606765" indent="-303383" lvl="1">
+            <a:pPr marL="606765" lvl="1" indent="-303383" algn="l">
               <a:lnSpc>
                 <a:spcPts val="3878"/>
               </a:lnSpc>
@@ -9043,9 +9285,15 @@
                 <a:spcPts val="3878"/>
               </a:lnSpc>
             </a:pPr>
-          </a:p>
-          <a:p>
-            <a:pPr algn="l" marL="606765" indent="-303383" lvl="1">
+            <a:endParaRPr lang="en-US" sz="2810" spc="275">
+              <a:solidFill>
+                <a:srgbClr val="231F20"/>
+              </a:solidFill>
+              <a:latin typeface="Quicksand Bold"/>
+            </a:endParaRPr>
+          </a:p>
+          <a:p>
+            <a:pPr marL="606765" lvl="1" indent="-303383" algn="l">
               <a:lnSpc>
                 <a:spcPts val="3878"/>
               </a:lnSpc>
@@ -9077,9 +9325,15 @@
                 <a:spcPts val="3878"/>
               </a:lnSpc>
             </a:pPr>
-          </a:p>
-          <a:p>
-            <a:pPr algn="l" marL="606765" indent="-303383" lvl="1">
+            <a:endParaRPr lang="en-US" sz="2810" spc="275">
+              <a:solidFill>
+                <a:srgbClr val="231F20"/>
+              </a:solidFill>
+              <a:latin typeface="Quicksand Bold"/>
+            </a:endParaRPr>
+          </a:p>
+          <a:p>
+            <a:pPr marL="606765" lvl="1" indent="-303383" algn="l">
               <a:lnSpc>
                 <a:spcPts val="3878"/>
               </a:lnSpc>
@@ -9118,12 +9372,12 @@
       </p:sp>
       <p:sp>
         <p:nvSpPr>
-          <p:cNvPr name="TextBox 5" id="5"/>
-          <p:cNvSpPr txBox="true"/>
+          <p:cNvPr id="5" name="TextBox 5"/>
+          <p:cNvSpPr txBox="1"/>
           <p:nvPr/>
         </p:nvSpPr>
         <p:spPr>
-          <a:xfrm rot="0">
+          <a:xfrm>
             <a:off x="441073" y="7341346"/>
             <a:ext cx="5883748" cy="1916954"/>
           </a:xfrm>
@@ -9132,12 +9386,12 @@
           </a:prstGeom>
         </p:spPr>
         <p:txBody>
-          <a:bodyPr anchor="t" rtlCol="false" tIns="0" lIns="0" bIns="0" rIns="0">
+          <a:bodyPr lIns="0" tIns="0" rIns="0" bIns="0" rtlCol="0" anchor="t">
             <a:spAutoFit/>
           </a:bodyPr>
           <a:lstStyle/>
           <a:p>
-            <a:pPr algn="l" marL="606765" indent="-303383" lvl="1">
+            <a:pPr marL="606765" lvl="1" indent="-303383" algn="l">
               <a:lnSpc>
                 <a:spcPts val="3878"/>
               </a:lnSpc>
@@ -9164,7 +9418,7 @@
             </a:r>
           </a:p>
           <a:p>
-            <a:pPr algn="l" marL="1213531" indent="-404510" lvl="2">
+            <a:pPr marL="1213531" lvl="2" indent="-404510" algn="l">
               <a:lnSpc>
                 <a:spcPts val="3878"/>
               </a:lnSpc>
@@ -9209,7 +9463,7 @@
             </a:r>
           </a:p>
           <a:p>
-            <a:pPr algn="l" marL="1213531" indent="-404510" lvl="2">
+            <a:pPr marL="1213531" lvl="2" indent="-404510" algn="l">
               <a:lnSpc>
                 <a:spcPts val="3878"/>
               </a:lnSpc>
@@ -9245,7 +9499,7 @@
             </a:r>
           </a:p>
           <a:p>
-            <a:pPr algn="l" marL="0" indent="0" lvl="0">
+            <a:pPr marL="0" lvl="0" indent="0" algn="l">
               <a:lnSpc>
                 <a:spcPts val="3878"/>
               </a:lnSpc>
@@ -9253,17 +9507,23 @@
                 <a:spcPct val="0"/>
               </a:spcBef>
             </a:pPr>
-          </a:p>
-        </p:txBody>
-      </p:sp>
-      <p:sp>
-        <p:nvSpPr>
-          <p:cNvPr name="TextBox 6" id="6"/>
-          <p:cNvSpPr txBox="true"/>
+            <a:endParaRPr lang="en-US" sz="2810" spc="275">
+              <a:solidFill>
+                <a:srgbClr val="231F20"/>
+              </a:solidFill>
+              <a:latin typeface="Quicksand Bold"/>
+            </a:endParaRPr>
+          </a:p>
+        </p:txBody>
+      </p:sp>
+      <p:sp>
+        <p:nvSpPr>
+          <p:cNvPr id="6" name="TextBox 6"/>
+          <p:cNvSpPr txBox="1"/>
           <p:nvPr/>
         </p:nvSpPr>
         <p:spPr>
-          <a:xfrm rot="0">
+          <a:xfrm>
             <a:off x="1248655" y="265941"/>
             <a:ext cx="15839722" cy="1714917"/>
           </a:xfrm>
@@ -9272,7 +9532,7 @@
           </a:prstGeom>
         </p:spPr>
         <p:txBody>
-          <a:bodyPr anchor="t" rtlCol="false" tIns="0" lIns="0" bIns="0" rIns="0">
+          <a:bodyPr lIns="0" tIns="0" rIns="0" bIns="0" rtlCol="0" anchor="t">
             <a:spAutoFit/>
           </a:bodyPr>
           <a:lstStyle/>
@@ -9296,12 +9556,12 @@
       </p:sp>
       <p:sp>
         <p:nvSpPr>
-          <p:cNvPr name="Freeform 7" id="7"/>
+          <p:cNvPr id="7" name="Freeform 7"/>
           <p:cNvSpPr/>
           <p:nvPr/>
         </p:nvSpPr>
         <p:spPr>
-          <a:xfrm flipH="false" flipV="false" rot="2035253">
+          <a:xfrm rot="2035253">
             <a:off x="-3367029" y="7426055"/>
             <a:ext cx="7835077" cy="10939025"/>
           </a:xfrm>
@@ -9310,9 +9570,9 @@
             <a:gdLst/>
             <a:ahLst/>
             <a:cxnLst/>
-            <a:rect r="r" b="b" t="t" l="l"/>
+            <a:rect l="l" t="t" r="r" b="b"/>
             <a:pathLst>
-              <a:path h="10939025" w="7835077">
+              <a:path w="7835077" h="10939025">
                 <a:moveTo>
                   <a:pt x="0" y="0"/>
                 </a:moveTo>
@@ -9341,19 +9601,26 @@
               </a:extLst>
             </a:blip>
             <a:stretch>
-              <a:fillRect l="0" t="0" r="0" b="0"/>
+              <a:fillRect/>
             </a:stretch>
           </a:blipFill>
         </p:spPr>
-      </p:sp>
-      <p:sp>
-        <p:nvSpPr>
-          <p:cNvPr name="Freeform 8" id="8"/>
+        <p:txBody>
+          <a:bodyPr/>
+          <a:lstStyle/>
+          <a:p>
+            <a:endParaRPr lang="en-US"/>
+          </a:p>
+        </p:txBody>
+      </p:sp>
+      <p:sp>
+        <p:nvSpPr>
+          <p:cNvPr id="8" name="Freeform 8"/>
           <p:cNvSpPr/>
           <p:nvPr/>
         </p:nvSpPr>
         <p:spPr>
-          <a:xfrm flipH="false" flipV="false" rot="-6604829">
+          <a:xfrm rot="-6604829">
             <a:off x="13805565" y="-7134023"/>
             <a:ext cx="7835077" cy="10939025"/>
           </a:xfrm>
@@ -9362,9 +9629,9 @@
             <a:gdLst/>
             <a:ahLst/>
             <a:cxnLst/>
-            <a:rect r="r" b="b" t="t" l="l"/>
+            <a:rect l="l" t="t" r="r" b="b"/>
             <a:pathLst>
-              <a:path h="10939025" w="7835077">
+              <a:path w="7835077" h="10939025">
                 <a:moveTo>
                   <a:pt x="0" y="0"/>
                 </a:moveTo>
@@ -9393,10 +9660,17 @@
               </a:extLst>
             </a:blip>
             <a:stretch>
-              <a:fillRect l="0" t="0" r="0" b="0"/>
+              <a:fillRect/>
             </a:stretch>
           </a:blipFill>
         </p:spPr>
+        <p:txBody>
+          <a:bodyPr/>
+          <a:lstStyle/>
+          <a:p>
+            <a:endParaRPr lang="en-US"/>
+          </a:p>
+        </p:txBody>
       </p:sp>
     </p:spTree>
   </p:cSld>
@@ -9407,7 +9681,7 @@
 </file>
 
 <file path=ppt/slides/slide7.xml><?xml version="1.0" encoding="utf-8"?>
-<p:sld xmlns:p="http://schemas.openxmlformats.org/presentationml/2006/main" xmlns:a="http://schemas.openxmlformats.org/drawingml/2006/main" xmlns:r="http://schemas.openxmlformats.org/officeDocument/2006/relationships">
+<p:sld xmlns:a="http://schemas.openxmlformats.org/drawingml/2006/main" xmlns:r="http://schemas.openxmlformats.org/officeDocument/2006/relationships" xmlns:p="http://schemas.openxmlformats.org/presentationml/2006/main">
   <p:cSld>
     <p:spTree>
       <p:nvGrpSpPr>
@@ -9425,12 +9699,12 @@
       </p:grpSpPr>
       <p:sp>
         <p:nvSpPr>
-          <p:cNvPr name="Freeform 2" id="2"/>
+          <p:cNvPr id="2" name="Freeform 2"/>
           <p:cNvSpPr/>
           <p:nvPr/>
         </p:nvSpPr>
         <p:spPr>
-          <a:xfrm flipH="true" flipV="true" rot="0">
+          <a:xfrm flipH="1" flipV="1">
             <a:off x="0" y="0"/>
             <a:ext cx="18288000" cy="10287000"/>
           </a:xfrm>
@@ -9439,9 +9713,9 @@
             <a:gdLst/>
             <a:ahLst/>
             <a:cxnLst/>
-            <a:rect r="r" b="b" t="t" l="l"/>
+            <a:rect l="l" t="t" r="r" b="b"/>
             <a:pathLst>
-              <a:path h="10287000" w="18288000">
+              <a:path w="18288000" h="10287000">
                 <a:moveTo>
                   <a:pt x="18288000" y="10287000"/>
                 </a:moveTo>
@@ -9464,19 +9738,26 @@
           <a:blipFill>
             <a:blip r:embed="rId3"/>
             <a:stretch>
-              <a:fillRect l="0" t="-38888" r="0" b="-38888"/>
+              <a:fillRect t="-38888" b="-38888"/>
             </a:stretch>
           </a:blipFill>
         </p:spPr>
-      </p:sp>
-      <p:sp>
-        <p:nvSpPr>
-          <p:cNvPr name="Freeform 3" id="3"/>
+        <p:txBody>
+          <a:bodyPr/>
+          <a:lstStyle/>
+          <a:p>
+            <a:endParaRPr lang="en-US"/>
+          </a:p>
+        </p:txBody>
+      </p:sp>
+      <p:sp>
+        <p:nvSpPr>
+          <p:cNvPr id="3" name="Freeform 3"/>
           <p:cNvSpPr/>
           <p:nvPr/>
         </p:nvSpPr>
         <p:spPr>
-          <a:xfrm flipH="false" flipV="false" rot="0">
+          <a:xfrm>
             <a:off x="-2461981" y="7000086"/>
             <a:ext cx="7616557" cy="7815497"/>
           </a:xfrm>
@@ -9485,9 +9766,9 @@
             <a:gdLst/>
             <a:ahLst/>
             <a:cxnLst/>
-            <a:rect r="r" b="b" t="t" l="l"/>
+            <a:rect l="l" t="t" r="r" b="b"/>
             <a:pathLst>
-              <a:path h="7815497" w="7616557">
+              <a:path w="7616557" h="7815497">
                 <a:moveTo>
                   <a:pt x="0" y="0"/>
                 </a:moveTo>
@@ -9516,19 +9797,26 @@
               </a:extLst>
             </a:blip>
             <a:stretch>
-              <a:fillRect l="0" t="0" r="0" b="0"/>
+              <a:fillRect/>
             </a:stretch>
           </a:blipFill>
         </p:spPr>
-      </p:sp>
-      <p:sp>
-        <p:nvSpPr>
-          <p:cNvPr name="TextBox 4" id="4"/>
-          <p:cNvSpPr txBox="true"/>
+        <p:txBody>
+          <a:bodyPr/>
+          <a:lstStyle/>
+          <a:p>
+            <a:endParaRPr lang="en-US"/>
+          </a:p>
+        </p:txBody>
+      </p:sp>
+      <p:sp>
+        <p:nvSpPr>
+          <p:cNvPr id="4" name="TextBox 4"/>
+          <p:cNvSpPr txBox="1"/>
           <p:nvPr/>
         </p:nvSpPr>
         <p:spPr>
-          <a:xfrm rot="0">
+          <a:xfrm>
             <a:off x="1699862" y="2815102"/>
             <a:ext cx="7616698" cy="459629"/>
           </a:xfrm>
@@ -9537,12 +9825,12 @@
           </a:prstGeom>
         </p:spPr>
         <p:txBody>
-          <a:bodyPr anchor="t" rtlCol="false" tIns="0" lIns="0" bIns="0" rIns="0">
+          <a:bodyPr lIns="0" tIns="0" rIns="0" bIns="0" rtlCol="0" anchor="t">
             <a:spAutoFit/>
           </a:bodyPr>
           <a:lstStyle/>
           <a:p>
-            <a:pPr algn="l" marL="606765" indent="-303383" lvl="1">
+            <a:pPr marL="606765" lvl="1" indent="-303383" algn="l">
               <a:lnSpc>
                 <a:spcPts val="3878"/>
               </a:lnSpc>
@@ -9563,12 +9851,12 @@
       </p:sp>
       <p:sp>
         <p:nvSpPr>
-          <p:cNvPr name="TextBox 5" id="5"/>
-          <p:cNvSpPr txBox="true"/>
+          <p:cNvPr id="5" name="TextBox 5"/>
+          <p:cNvSpPr txBox="1"/>
           <p:nvPr/>
         </p:nvSpPr>
         <p:spPr>
-          <a:xfrm rot="0">
+          <a:xfrm>
             <a:off x="1699862" y="3678985"/>
             <a:ext cx="7616698" cy="459629"/>
           </a:xfrm>
@@ -9577,12 +9865,12 @@
           </a:prstGeom>
         </p:spPr>
         <p:txBody>
-          <a:bodyPr anchor="t" rtlCol="false" tIns="0" lIns="0" bIns="0" rIns="0">
+          <a:bodyPr lIns="0" tIns="0" rIns="0" bIns="0" rtlCol="0" anchor="t">
             <a:spAutoFit/>
           </a:bodyPr>
           <a:lstStyle/>
           <a:p>
-            <a:pPr algn="l" marL="606765" indent="-303383" lvl="1">
+            <a:pPr marL="606765" lvl="1" indent="-303383" algn="l">
               <a:lnSpc>
                 <a:spcPts val="3878"/>
               </a:lnSpc>
@@ -9603,12 +9891,12 @@
       </p:sp>
       <p:sp>
         <p:nvSpPr>
-          <p:cNvPr name="TextBox 6" id="6"/>
-          <p:cNvSpPr txBox="true"/>
+          <p:cNvPr id="6" name="TextBox 6"/>
+          <p:cNvSpPr txBox="1"/>
           <p:nvPr/>
         </p:nvSpPr>
         <p:spPr>
-          <a:xfrm rot="0">
+          <a:xfrm>
             <a:off x="1699862" y="4630598"/>
             <a:ext cx="7616698" cy="459629"/>
           </a:xfrm>
@@ -9617,12 +9905,12 @@
           </a:prstGeom>
         </p:spPr>
         <p:txBody>
-          <a:bodyPr anchor="t" rtlCol="false" tIns="0" lIns="0" bIns="0" rIns="0">
+          <a:bodyPr lIns="0" tIns="0" rIns="0" bIns="0" rtlCol="0" anchor="t">
             <a:spAutoFit/>
           </a:bodyPr>
           <a:lstStyle/>
           <a:p>
-            <a:pPr algn="l" marL="606765" indent="-303383" lvl="1">
+            <a:pPr marL="606765" lvl="1" indent="-303383" algn="l">
               <a:lnSpc>
                 <a:spcPts val="3878"/>
               </a:lnSpc>
@@ -9643,12 +9931,12 @@
       </p:sp>
       <p:sp>
         <p:nvSpPr>
-          <p:cNvPr name="TextBox 7" id="7"/>
-          <p:cNvSpPr txBox="true"/>
+          <p:cNvPr id="7" name="TextBox 7"/>
+          <p:cNvSpPr txBox="1"/>
           <p:nvPr/>
         </p:nvSpPr>
         <p:spPr>
-          <a:xfrm rot="0">
+          <a:xfrm>
             <a:off x="1699862" y="5585527"/>
             <a:ext cx="7616698" cy="459629"/>
           </a:xfrm>
@@ -9657,12 +9945,12 @@
           </a:prstGeom>
         </p:spPr>
         <p:txBody>
-          <a:bodyPr anchor="t" rtlCol="false" tIns="0" lIns="0" bIns="0" rIns="0">
+          <a:bodyPr lIns="0" tIns="0" rIns="0" bIns="0" rtlCol="0" anchor="t">
             <a:spAutoFit/>
           </a:bodyPr>
           <a:lstStyle/>
           <a:p>
-            <a:pPr algn="l" marL="606765" indent="-303383" lvl="1">
+            <a:pPr marL="606765" lvl="1" indent="-303383" algn="l">
               <a:lnSpc>
                 <a:spcPts val="3878"/>
               </a:lnSpc>
@@ -9683,12 +9971,12 @@
       </p:sp>
       <p:sp>
         <p:nvSpPr>
-          <p:cNvPr name="TextBox 8" id="8"/>
-          <p:cNvSpPr txBox="true"/>
+          <p:cNvPr id="8" name="TextBox 8"/>
+          <p:cNvSpPr txBox="1"/>
           <p:nvPr/>
         </p:nvSpPr>
         <p:spPr>
-          <a:xfrm rot="0">
+          <a:xfrm>
             <a:off x="1699862" y="6540456"/>
             <a:ext cx="7616698" cy="459629"/>
           </a:xfrm>
@@ -9697,12 +9985,12 @@
           </a:prstGeom>
         </p:spPr>
         <p:txBody>
-          <a:bodyPr anchor="t" rtlCol="false" tIns="0" lIns="0" bIns="0" rIns="0">
+          <a:bodyPr lIns="0" tIns="0" rIns="0" bIns="0" rtlCol="0" anchor="t">
             <a:spAutoFit/>
           </a:bodyPr>
           <a:lstStyle/>
           <a:p>
-            <a:pPr algn="l" marL="606765" indent="-303383" lvl="1">
+            <a:pPr marL="606765" lvl="1" indent="-303383" algn="l">
               <a:lnSpc>
                 <a:spcPts val="3878"/>
               </a:lnSpc>
@@ -9723,12 +10011,12 @@
       </p:sp>
       <p:sp>
         <p:nvSpPr>
-          <p:cNvPr name="TextBox 9" id="9"/>
-          <p:cNvSpPr txBox="true"/>
+          <p:cNvPr id="9" name="TextBox 9"/>
+          <p:cNvSpPr txBox="1"/>
           <p:nvPr/>
         </p:nvSpPr>
         <p:spPr>
-          <a:xfrm rot="0">
+          <a:xfrm>
             <a:off x="10146113" y="2815102"/>
             <a:ext cx="7616698" cy="459629"/>
           </a:xfrm>
@@ -9737,12 +10025,12 @@
           </a:prstGeom>
         </p:spPr>
         <p:txBody>
-          <a:bodyPr anchor="t" rtlCol="false" tIns="0" lIns="0" bIns="0" rIns="0">
+          <a:bodyPr lIns="0" tIns="0" rIns="0" bIns="0" rtlCol="0" anchor="t">
             <a:spAutoFit/>
           </a:bodyPr>
           <a:lstStyle/>
           <a:p>
-            <a:pPr algn="l" marL="606765" indent="-303383" lvl="1">
+            <a:pPr marL="606765" lvl="1" indent="-303383" algn="l">
               <a:lnSpc>
                 <a:spcPts val="3878"/>
               </a:lnSpc>
@@ -9763,12 +10051,12 @@
       </p:sp>
       <p:sp>
         <p:nvSpPr>
-          <p:cNvPr name="TextBox 10" id="10"/>
-          <p:cNvSpPr txBox="true"/>
+          <p:cNvPr id="10" name="TextBox 10"/>
+          <p:cNvSpPr txBox="1"/>
           <p:nvPr/>
         </p:nvSpPr>
         <p:spPr>
-          <a:xfrm rot="0">
+          <a:xfrm>
             <a:off x="10146113" y="3678985"/>
             <a:ext cx="7616698" cy="459629"/>
           </a:xfrm>
@@ -9777,12 +10065,12 @@
           </a:prstGeom>
         </p:spPr>
         <p:txBody>
-          <a:bodyPr anchor="t" rtlCol="false" tIns="0" lIns="0" bIns="0" rIns="0">
+          <a:bodyPr lIns="0" tIns="0" rIns="0" bIns="0" rtlCol="0" anchor="t">
             <a:spAutoFit/>
           </a:bodyPr>
           <a:lstStyle/>
           <a:p>
-            <a:pPr algn="l" marL="606765" indent="-303383" lvl="1">
+            <a:pPr marL="606765" lvl="1" indent="-303383" algn="l">
               <a:lnSpc>
                 <a:spcPts val="3878"/>
               </a:lnSpc>
@@ -9803,12 +10091,12 @@
       </p:sp>
       <p:sp>
         <p:nvSpPr>
-          <p:cNvPr name="TextBox 11" id="11"/>
-          <p:cNvSpPr txBox="true"/>
+          <p:cNvPr id="11" name="TextBox 11"/>
+          <p:cNvSpPr txBox="1"/>
           <p:nvPr/>
         </p:nvSpPr>
         <p:spPr>
-          <a:xfrm rot="0">
+          <a:xfrm>
             <a:off x="10146113" y="4630598"/>
             <a:ext cx="7616698" cy="459629"/>
           </a:xfrm>
@@ -9817,12 +10105,12 @@
           </a:prstGeom>
         </p:spPr>
         <p:txBody>
-          <a:bodyPr anchor="t" rtlCol="false" tIns="0" lIns="0" bIns="0" rIns="0">
+          <a:bodyPr lIns="0" tIns="0" rIns="0" bIns="0" rtlCol="0" anchor="t">
             <a:spAutoFit/>
           </a:bodyPr>
           <a:lstStyle/>
           <a:p>
-            <a:pPr algn="l" marL="606765" indent="-303383" lvl="1">
+            <a:pPr marL="606765" lvl="1" indent="-303383" algn="l">
               <a:lnSpc>
                 <a:spcPts val="3878"/>
               </a:lnSpc>
@@ -9843,12 +10131,12 @@
       </p:sp>
       <p:sp>
         <p:nvSpPr>
-          <p:cNvPr name="TextBox 12" id="12"/>
-          <p:cNvSpPr txBox="true"/>
+          <p:cNvPr id="12" name="TextBox 12"/>
+          <p:cNvSpPr txBox="1"/>
           <p:nvPr/>
         </p:nvSpPr>
         <p:spPr>
-          <a:xfrm rot="0">
+          <a:xfrm>
             <a:off x="10146113" y="5585527"/>
             <a:ext cx="7616698" cy="459629"/>
           </a:xfrm>
@@ -9857,12 +10145,12 @@
           </a:prstGeom>
         </p:spPr>
         <p:txBody>
-          <a:bodyPr anchor="t" rtlCol="false" tIns="0" lIns="0" bIns="0" rIns="0">
+          <a:bodyPr lIns="0" tIns="0" rIns="0" bIns="0" rtlCol="0" anchor="t">
             <a:spAutoFit/>
           </a:bodyPr>
           <a:lstStyle/>
           <a:p>
-            <a:pPr algn="l" marL="606765" indent="-303383" lvl="1">
+            <a:pPr marL="606765" lvl="1" indent="-303383" algn="l">
               <a:lnSpc>
                 <a:spcPts val="3878"/>
               </a:lnSpc>
@@ -9883,12 +10171,12 @@
       </p:sp>
       <p:sp>
         <p:nvSpPr>
-          <p:cNvPr name="TextBox 13" id="13"/>
-          <p:cNvSpPr txBox="true"/>
+          <p:cNvPr id="13" name="TextBox 13"/>
+          <p:cNvSpPr txBox="1"/>
           <p:nvPr/>
         </p:nvSpPr>
         <p:spPr>
-          <a:xfrm rot="0">
+          <a:xfrm>
             <a:off x="10146113" y="6540456"/>
             <a:ext cx="7616698" cy="459629"/>
           </a:xfrm>
@@ -9897,12 +10185,12 @@
           </a:prstGeom>
         </p:spPr>
         <p:txBody>
-          <a:bodyPr anchor="t" rtlCol="false" tIns="0" lIns="0" bIns="0" rIns="0">
+          <a:bodyPr lIns="0" tIns="0" rIns="0" bIns="0" rtlCol="0" anchor="t">
             <a:spAutoFit/>
           </a:bodyPr>
           <a:lstStyle/>
           <a:p>
-            <a:pPr algn="l" marL="606765" indent="-303383" lvl="1">
+            <a:pPr marL="606765" lvl="1" indent="-303383" algn="l">
               <a:lnSpc>
                 <a:spcPts val="3878"/>
               </a:lnSpc>
@@ -9923,12 +10211,12 @@
       </p:sp>
       <p:sp>
         <p:nvSpPr>
-          <p:cNvPr name="TextBox 14" id="14"/>
-          <p:cNvSpPr txBox="true"/>
+          <p:cNvPr id="14" name="TextBox 14"/>
+          <p:cNvSpPr txBox="1"/>
           <p:nvPr/>
         </p:nvSpPr>
         <p:spPr>
-          <a:xfrm rot="0">
+          <a:xfrm>
             <a:off x="1248655" y="265941"/>
             <a:ext cx="15839722" cy="1714917"/>
           </a:xfrm>
@@ -9937,7 +10225,7 @@
           </a:prstGeom>
         </p:spPr>
         <p:txBody>
-          <a:bodyPr anchor="t" rtlCol="false" tIns="0" lIns="0" bIns="0" rIns="0">
+          <a:bodyPr lIns="0" tIns="0" rIns="0" bIns="0" rtlCol="0" anchor="t">
             <a:spAutoFit/>
           </a:bodyPr>
           <a:lstStyle/>
@@ -9961,12 +10249,12 @@
       </p:sp>
       <p:sp>
         <p:nvSpPr>
-          <p:cNvPr name="Freeform 15" id="15"/>
+          <p:cNvPr id="15" name="Freeform 15"/>
           <p:cNvSpPr/>
           <p:nvPr/>
         </p:nvSpPr>
         <p:spPr>
-          <a:xfrm flipH="false" flipV="false" rot="0">
+          <a:xfrm>
             <a:off x="8108125" y="6921456"/>
             <a:ext cx="1474968" cy="1924917"/>
           </a:xfrm>
@@ -9975,9 +10263,9 @@
             <a:gdLst/>
             <a:ahLst/>
             <a:cxnLst/>
-            <a:rect r="r" b="b" t="t" l="l"/>
+            <a:rect l="l" t="t" r="r" b="b"/>
             <a:pathLst>
-              <a:path h="1924917" w="1474968">
+              <a:path w="1474968" h="1924917">
                 <a:moveTo>
                   <a:pt x="0" y="0"/>
                 </a:moveTo>
@@ -10006,19 +10294,26 @@
               </a:extLst>
             </a:blip>
             <a:stretch>
-              <a:fillRect l="0" t="0" r="0" b="0"/>
+              <a:fillRect/>
             </a:stretch>
           </a:blipFill>
         </p:spPr>
-      </p:sp>
-      <p:sp>
-        <p:nvSpPr>
-          <p:cNvPr name="Freeform 16" id="16"/>
+        <p:txBody>
+          <a:bodyPr/>
+          <a:lstStyle/>
+          <a:p>
+            <a:endParaRPr lang="en-US"/>
+          </a:p>
+        </p:txBody>
+      </p:sp>
+      <p:sp>
+        <p:nvSpPr>
+          <p:cNvPr id="16" name="Freeform 16"/>
           <p:cNvSpPr/>
           <p:nvPr/>
         </p:nvSpPr>
         <p:spPr>
-          <a:xfrm flipH="false" flipV="false" rot="0">
+          <a:xfrm>
             <a:off x="9325055" y="7768821"/>
             <a:ext cx="1786321" cy="2032798"/>
           </a:xfrm>
@@ -10027,9 +10322,9 @@
             <a:gdLst/>
             <a:ahLst/>
             <a:cxnLst/>
-            <a:rect r="r" b="b" t="t" l="l"/>
+            <a:rect l="l" t="t" r="r" b="b"/>
             <a:pathLst>
-              <a:path h="2032798" w="1786321">
+              <a:path w="1786321" h="2032798">
                 <a:moveTo>
                   <a:pt x="0" y="0"/>
                 </a:moveTo>
@@ -10052,19 +10347,26 @@
           <a:blipFill>
             <a:blip r:embed="rId8"/>
             <a:stretch>
-              <a:fillRect l="0" t="0" r="0" b="0"/>
+              <a:fillRect/>
             </a:stretch>
           </a:blipFill>
         </p:spPr>
-      </p:sp>
-      <p:sp>
-        <p:nvSpPr>
-          <p:cNvPr name="Freeform 17" id="17"/>
+        <p:txBody>
+          <a:bodyPr/>
+          <a:lstStyle/>
+          <a:p>
+            <a:endParaRPr lang="en-US"/>
+          </a:p>
+        </p:txBody>
+      </p:sp>
+      <p:sp>
+        <p:nvSpPr>
+          <p:cNvPr id="17" name="Freeform 17"/>
           <p:cNvSpPr/>
           <p:nvPr/>
         </p:nvSpPr>
         <p:spPr>
-          <a:xfrm flipH="false" flipV="false" rot="0">
+          <a:xfrm>
             <a:off x="6570542" y="7768821"/>
             <a:ext cx="1694845" cy="2032798"/>
           </a:xfrm>
@@ -10073,9 +10375,9 @@
             <a:gdLst/>
             <a:ahLst/>
             <a:cxnLst/>
-            <a:rect r="r" b="b" t="t" l="l"/>
+            <a:rect l="l" t="t" r="r" b="b"/>
             <a:pathLst>
-              <a:path h="2032798" w="1694845">
+              <a:path w="1694845" h="2032798">
                 <a:moveTo>
                   <a:pt x="0" y="0"/>
                 </a:moveTo>
@@ -10104,19 +10406,26 @@
               </a:extLst>
             </a:blip>
             <a:stretch>
-              <a:fillRect l="0" t="0" r="0" b="0"/>
+              <a:fillRect/>
             </a:stretch>
           </a:blipFill>
         </p:spPr>
-      </p:sp>
-      <p:sp>
-        <p:nvSpPr>
-          <p:cNvPr name="Freeform 18" id="18"/>
+        <p:txBody>
+          <a:bodyPr/>
+          <a:lstStyle/>
+          <a:p>
+            <a:endParaRPr lang="en-US"/>
+          </a:p>
+        </p:txBody>
+      </p:sp>
+      <p:sp>
+        <p:nvSpPr>
+          <p:cNvPr id="18" name="Freeform 18"/>
           <p:cNvSpPr/>
           <p:nvPr/>
         </p:nvSpPr>
         <p:spPr>
-          <a:xfrm flipH="false" flipV="false" rot="-2820098">
+          <a:xfrm rot="-2820098">
             <a:off x="13690979" y="6421983"/>
             <a:ext cx="7616557" cy="7815497"/>
           </a:xfrm>
@@ -10125,9 +10434,9 @@
             <a:gdLst/>
             <a:ahLst/>
             <a:cxnLst/>
-            <a:rect r="r" b="b" t="t" l="l"/>
+            <a:rect l="l" t="t" r="r" b="b"/>
             <a:pathLst>
-              <a:path h="7815497" w="7616557">
+              <a:path w="7616557" h="7815497">
                 <a:moveTo>
                   <a:pt x="0" y="0"/>
                 </a:moveTo>
@@ -10156,10 +10465,17 @@
               </a:extLst>
             </a:blip>
             <a:stretch>
-              <a:fillRect l="0" t="0" r="0" b="0"/>
+              <a:fillRect/>
             </a:stretch>
           </a:blipFill>
         </p:spPr>
+        <p:txBody>
+          <a:bodyPr/>
+          <a:lstStyle/>
+          <a:p>
+            <a:endParaRPr lang="en-US"/>
+          </a:p>
+        </p:txBody>
       </p:sp>
     </p:spTree>
   </p:cSld>
@@ -10170,7 +10486,7 @@
 </file>
 
 <file path=ppt/slides/slide8.xml><?xml version="1.0" encoding="utf-8"?>
-<p:sld xmlns:p="http://schemas.openxmlformats.org/presentationml/2006/main" xmlns:a="http://schemas.openxmlformats.org/drawingml/2006/main" xmlns:r="http://schemas.openxmlformats.org/officeDocument/2006/relationships">
+<p:sld xmlns:a="http://schemas.openxmlformats.org/drawingml/2006/main" xmlns:r="http://schemas.openxmlformats.org/officeDocument/2006/relationships" xmlns:p="http://schemas.openxmlformats.org/presentationml/2006/main">
   <p:cSld>
     <p:spTree>
       <p:nvGrpSpPr>
@@ -10188,12 +10504,12 @@
       </p:grpSpPr>
       <p:sp>
         <p:nvSpPr>
-          <p:cNvPr name="Freeform 2" id="2"/>
+          <p:cNvPr id="2" name="Freeform 2"/>
           <p:cNvSpPr/>
           <p:nvPr/>
         </p:nvSpPr>
         <p:spPr>
-          <a:xfrm flipH="true" flipV="true" rot="0">
+          <a:xfrm flipH="1" flipV="1">
             <a:off x="0" y="0"/>
             <a:ext cx="18288000" cy="10287000"/>
           </a:xfrm>
@@ -10202,9 +10518,9 @@
             <a:gdLst/>
             <a:ahLst/>
             <a:cxnLst/>
-            <a:rect r="r" b="b" t="t" l="l"/>
+            <a:rect l="l" t="t" r="r" b="b"/>
             <a:pathLst>
-              <a:path h="10287000" w="18288000">
+              <a:path w="18288000" h="10287000">
                 <a:moveTo>
                   <a:pt x="18288000" y="10287000"/>
                 </a:moveTo>
@@ -10227,19 +10543,26 @@
           <a:blipFill>
             <a:blip r:embed="rId2"/>
             <a:stretch>
-              <a:fillRect l="0" t="-38888" r="0" b="-38888"/>
+              <a:fillRect t="-38888" b="-38888"/>
             </a:stretch>
           </a:blipFill>
         </p:spPr>
-      </p:sp>
-      <p:sp>
-        <p:nvSpPr>
-          <p:cNvPr name="Freeform 3" id="3"/>
+        <p:txBody>
+          <a:bodyPr/>
+          <a:lstStyle/>
+          <a:p>
+            <a:endParaRPr lang="en-US"/>
+          </a:p>
+        </p:txBody>
+      </p:sp>
+      <p:sp>
+        <p:nvSpPr>
+          <p:cNvPr id="3" name="Freeform 3"/>
           <p:cNvSpPr/>
           <p:nvPr/>
         </p:nvSpPr>
         <p:spPr>
-          <a:xfrm flipH="false" flipV="false" rot="5558739">
+          <a:xfrm rot="5558739">
             <a:off x="-2220014" y="6777728"/>
             <a:ext cx="7616557" cy="7815497"/>
           </a:xfrm>
@@ -10248,9 +10571,9 @@
             <a:gdLst/>
             <a:ahLst/>
             <a:cxnLst/>
-            <a:rect r="r" b="b" t="t" l="l"/>
+            <a:rect l="l" t="t" r="r" b="b"/>
             <a:pathLst>
-              <a:path h="7815497" w="7616557">
+              <a:path w="7616557" h="7815497">
                 <a:moveTo>
                   <a:pt x="0" y="0"/>
                 </a:moveTo>
@@ -10279,19 +10602,26 @@
               </a:extLst>
             </a:blip>
             <a:stretch>
-              <a:fillRect l="0" t="0" r="0" b="0"/>
+              <a:fillRect/>
             </a:stretch>
           </a:blipFill>
         </p:spPr>
-      </p:sp>
-      <p:sp>
-        <p:nvSpPr>
-          <p:cNvPr name="TextBox 4" id="4"/>
-          <p:cNvSpPr txBox="true"/>
+        <p:txBody>
+          <a:bodyPr/>
+          <a:lstStyle/>
+          <a:p>
+            <a:endParaRPr lang="en-US"/>
+          </a:p>
+        </p:txBody>
+      </p:sp>
+      <p:sp>
+        <p:nvSpPr>
+          <p:cNvPr id="4" name="TextBox 4"/>
+          <p:cNvSpPr txBox="1"/>
           <p:nvPr/>
         </p:nvSpPr>
         <p:spPr>
-          <a:xfrm rot="0">
+          <a:xfrm>
             <a:off x="3920577" y="2641336"/>
             <a:ext cx="7081635" cy="713376"/>
           </a:xfrm>
@@ -10300,7 +10630,7 @@
           </a:prstGeom>
         </p:spPr>
         <p:txBody>
-          <a:bodyPr anchor="t" rtlCol="false" tIns="0" lIns="0" bIns="0" rIns="0">
+          <a:bodyPr lIns="0" tIns="0" rIns="0" bIns="0" rtlCol="0" anchor="t">
             <a:spAutoFit/>
           </a:bodyPr>
           <a:lstStyle/>
@@ -10324,12 +10654,12 @@
       </p:sp>
       <p:sp>
         <p:nvSpPr>
-          <p:cNvPr name="TextBox 5" id="5"/>
-          <p:cNvSpPr txBox="true"/>
+          <p:cNvPr id="5" name="TextBox 5"/>
+          <p:cNvSpPr txBox="1"/>
           <p:nvPr/>
         </p:nvSpPr>
         <p:spPr>
-          <a:xfrm rot="0">
+          <a:xfrm>
             <a:off x="11632923" y="5768420"/>
             <a:ext cx="8115300" cy="713376"/>
           </a:xfrm>
@@ -10338,7 +10668,7 @@
           </a:prstGeom>
         </p:spPr>
         <p:txBody>
-          <a:bodyPr anchor="t" rtlCol="false" tIns="0" lIns="0" bIns="0" rIns="0">
+          <a:bodyPr lIns="0" tIns="0" rIns="0" bIns="0" rtlCol="0" anchor="t">
             <a:spAutoFit/>
           </a:bodyPr>
           <a:lstStyle/>
@@ -10362,12 +10692,12 @@
       </p:sp>
       <p:sp>
         <p:nvSpPr>
-          <p:cNvPr name="TextBox 6" id="6"/>
-          <p:cNvSpPr txBox="true"/>
+          <p:cNvPr id="6" name="TextBox 6"/>
+          <p:cNvSpPr txBox="1"/>
           <p:nvPr/>
         </p:nvSpPr>
         <p:spPr>
-          <a:xfrm rot="0">
+          <a:xfrm>
             <a:off x="5361922" y="7045226"/>
             <a:ext cx="10495403" cy="713376"/>
           </a:xfrm>
@@ -10376,7 +10706,7 @@
           </a:prstGeom>
         </p:spPr>
         <p:txBody>
-          <a:bodyPr anchor="t" rtlCol="false" tIns="0" lIns="0" bIns="0" rIns="0">
+          <a:bodyPr lIns="0" tIns="0" rIns="0" bIns="0" rtlCol="0" anchor="t">
             <a:spAutoFit/>
           </a:bodyPr>
           <a:lstStyle/>
@@ -10400,12 +10730,12 @@
       </p:sp>
       <p:sp>
         <p:nvSpPr>
-          <p:cNvPr name="TextBox 7" id="7"/>
-          <p:cNvSpPr txBox="true"/>
+          <p:cNvPr id="7" name="TextBox 7"/>
+          <p:cNvSpPr txBox="1"/>
           <p:nvPr/>
         </p:nvSpPr>
         <p:spPr>
-          <a:xfrm rot="0">
+          <a:xfrm>
             <a:off x="1248655" y="265941"/>
             <a:ext cx="15839722" cy="1714917"/>
           </a:xfrm>
@@ -10414,7 +10744,7 @@
           </a:prstGeom>
         </p:spPr>
         <p:txBody>
-          <a:bodyPr anchor="t" rtlCol="false" tIns="0" lIns="0" bIns="0" rIns="0">
+          <a:bodyPr lIns="0" tIns="0" rIns="0" bIns="0" rtlCol="0" anchor="t">
             <a:spAutoFit/>
           </a:bodyPr>
           <a:lstStyle/>
@@ -10438,12 +10768,12 @@
       </p:sp>
       <p:sp>
         <p:nvSpPr>
-          <p:cNvPr name="Freeform 8" id="8"/>
+          <p:cNvPr id="8" name="Freeform 8"/>
           <p:cNvSpPr/>
           <p:nvPr/>
         </p:nvSpPr>
         <p:spPr>
-          <a:xfrm flipH="false" flipV="false" rot="0">
+          <a:xfrm>
             <a:off x="11919135" y="3573787"/>
             <a:ext cx="2370354" cy="2370354"/>
           </a:xfrm>
@@ -10452,9 +10782,9 @@
             <a:gdLst/>
             <a:ahLst/>
             <a:cxnLst/>
-            <a:rect r="r" b="b" t="t" l="l"/>
+            <a:rect l="l" t="t" r="r" b="b"/>
             <a:pathLst>
-              <a:path h="2370354" w="2370354">
+              <a:path w="2370354" h="2370354">
                 <a:moveTo>
                   <a:pt x="0" y="0"/>
                 </a:moveTo>
@@ -10483,19 +10813,26 @@
               </a:extLst>
             </a:blip>
             <a:stretch>
-              <a:fillRect l="0" t="0" r="0" b="0"/>
+              <a:fillRect/>
             </a:stretch>
           </a:blipFill>
         </p:spPr>
-      </p:sp>
-      <p:sp>
-        <p:nvSpPr>
-          <p:cNvPr name="Freeform 9" id="9"/>
+        <p:txBody>
+          <a:bodyPr/>
+          <a:lstStyle/>
+          <a:p>
+            <a:endParaRPr lang="en-US"/>
+          </a:p>
+        </p:txBody>
+      </p:sp>
+      <p:sp>
+        <p:nvSpPr>
+          <p:cNvPr id="9" name="Freeform 9"/>
           <p:cNvSpPr/>
           <p:nvPr/>
         </p:nvSpPr>
         <p:spPr>
-          <a:xfrm flipH="false" flipV="false" rot="0">
+          <a:xfrm>
             <a:off x="3920577" y="3573787"/>
             <a:ext cx="2370354" cy="2370354"/>
           </a:xfrm>
@@ -10504,9 +10841,9 @@
             <a:gdLst/>
             <a:ahLst/>
             <a:cxnLst/>
-            <a:rect r="r" b="b" t="t" l="l"/>
+            <a:rect l="l" t="t" r="r" b="b"/>
             <a:pathLst>
-              <a:path h="2370354" w="2370354">
+              <a:path w="2370354" h="2370354">
                 <a:moveTo>
                   <a:pt x="0" y="0"/>
                 </a:moveTo>
@@ -10535,19 +10872,26 @@
               </a:extLst>
             </a:blip>
             <a:stretch>
-              <a:fillRect l="0" t="0" r="0" b="0"/>
+              <a:fillRect/>
             </a:stretch>
           </a:blipFill>
         </p:spPr>
-      </p:sp>
-      <p:sp>
-        <p:nvSpPr>
-          <p:cNvPr name="TextBox 10" id="10"/>
-          <p:cNvSpPr txBox="true"/>
+        <p:txBody>
+          <a:bodyPr/>
+          <a:lstStyle/>
+          <a:p>
+            <a:endParaRPr lang="en-US"/>
+          </a:p>
+        </p:txBody>
+      </p:sp>
+      <p:sp>
+        <p:nvSpPr>
+          <p:cNvPr id="10" name="TextBox 10"/>
+          <p:cNvSpPr txBox="1"/>
           <p:nvPr/>
         </p:nvSpPr>
         <p:spPr>
-          <a:xfrm rot="0">
+          <a:xfrm>
             <a:off x="3141148" y="5768420"/>
             <a:ext cx="3929211" cy="713384"/>
           </a:xfrm>
@@ -10556,7 +10900,7 @@
           </a:prstGeom>
         </p:spPr>
         <p:txBody>
-          <a:bodyPr anchor="t" rtlCol="false" tIns="0" lIns="0" bIns="0" rIns="0">
+          <a:bodyPr lIns="0" tIns="0" rIns="0" bIns="0" rtlCol="0" anchor="t">
             <a:spAutoFit/>
           </a:bodyPr>
           <a:lstStyle/>
@@ -10583,12 +10927,12 @@
       </p:sp>
       <p:sp>
         <p:nvSpPr>
-          <p:cNvPr name="TextBox 11" id="11"/>
-          <p:cNvSpPr txBox="true"/>
+          <p:cNvPr id="11" name="TextBox 11"/>
+          <p:cNvSpPr txBox="1"/>
           <p:nvPr/>
         </p:nvSpPr>
         <p:spPr>
-          <a:xfrm rot="0">
+          <a:xfrm>
             <a:off x="11632923" y="2641336"/>
             <a:ext cx="2942779" cy="713384"/>
           </a:xfrm>
@@ -10597,7 +10941,7 @@
           </a:prstGeom>
         </p:spPr>
         <p:txBody>
-          <a:bodyPr anchor="t" rtlCol="false" tIns="0" lIns="0" bIns="0" rIns="0">
+          <a:bodyPr lIns="0" tIns="0" rIns="0" bIns="0" rtlCol="0" anchor="t">
             <a:spAutoFit/>
           </a:bodyPr>
           <a:lstStyle/>
@@ -10624,12 +10968,12 @@
       </p:sp>
       <p:sp>
         <p:nvSpPr>
-          <p:cNvPr name="Freeform 12" id="12"/>
+          <p:cNvPr id="12" name="Freeform 12"/>
           <p:cNvSpPr/>
           <p:nvPr/>
         </p:nvSpPr>
         <p:spPr>
-          <a:xfrm flipH="false" flipV="false" rot="-2820098">
+          <a:xfrm rot="-2820098">
             <a:off x="14629013" y="-3194810"/>
             <a:ext cx="7616557" cy="7815497"/>
           </a:xfrm>
@@ -10638,9 +10982,9 @@
             <a:gdLst/>
             <a:ahLst/>
             <a:cxnLst/>
-            <a:rect r="r" b="b" t="t" l="l"/>
+            <a:rect l="l" t="t" r="r" b="b"/>
             <a:pathLst>
-              <a:path h="7815497" w="7616557">
+              <a:path w="7616557" h="7815497">
                 <a:moveTo>
                   <a:pt x="0" y="0"/>
                 </a:moveTo>
@@ -10669,10 +11013,17 @@
               </a:extLst>
             </a:blip>
             <a:stretch>
-              <a:fillRect l="0" t="0" r="0" b="0"/>
+              <a:fillRect/>
             </a:stretch>
           </a:blipFill>
         </p:spPr>
+        <p:txBody>
+          <a:bodyPr/>
+          <a:lstStyle/>
+          <a:p>
+            <a:endParaRPr lang="en-US"/>
+          </a:p>
+        </p:txBody>
       </p:sp>
     </p:spTree>
   </p:cSld>
@@ -10683,7 +11034,7 @@
 </file>
 
 <file path=ppt/slides/slide9.xml><?xml version="1.0" encoding="utf-8"?>
-<p:sld xmlns:p="http://schemas.openxmlformats.org/presentationml/2006/main" xmlns:a="http://schemas.openxmlformats.org/drawingml/2006/main" xmlns:r="http://schemas.openxmlformats.org/officeDocument/2006/relationships">
+<p:sld xmlns:a="http://schemas.openxmlformats.org/drawingml/2006/main" xmlns:r="http://schemas.openxmlformats.org/officeDocument/2006/relationships" xmlns:p="http://schemas.openxmlformats.org/presentationml/2006/main">
   <p:cSld>
     <p:spTree>
       <p:nvGrpSpPr>
@@ -10701,13 +11052,13 @@
       </p:grpSpPr>
       <p:sp>
         <p:nvSpPr>
-          <p:cNvPr name="Freeform 2" id="2"/>
+          <p:cNvPr id="2" name="Freeform 2"/>
           <p:cNvSpPr/>
           <p:nvPr/>
         </p:nvSpPr>
         <p:spPr>
-          <a:xfrm flipH="true" flipV="true" rot="0">
-            <a:off x="0" y="0"/>
+          <a:xfrm flipH="1" flipV="1">
+            <a:off x="-34636" y="0"/>
             <a:ext cx="18288000" cy="10287000"/>
           </a:xfrm>
           <a:custGeom>
@@ -10715,9 +11066,9 @@
             <a:gdLst/>
             <a:ahLst/>
             <a:cxnLst/>
-            <a:rect r="r" b="b" t="t" l="l"/>
+            <a:rect l="l" t="t" r="r" b="b"/>
             <a:pathLst>
-              <a:path h="10287000" w="18288000">
+              <a:path w="18288000" h="10287000">
                 <a:moveTo>
                   <a:pt x="18288000" y="10287000"/>
                 </a:moveTo>
@@ -10740,39 +11091,82 @@
           <a:blipFill>
             <a:blip r:embed="rId2"/>
             <a:stretch>
-              <a:fillRect l="0" t="-38888" r="0" b="-38888"/>
+              <a:fillRect t="-38888" b="-38888"/>
             </a:stretch>
           </a:blipFill>
         </p:spPr>
+        <p:txBody>
+          <a:bodyPr/>
+          <a:lstStyle/>
+          <a:p>
+            <a:endParaRPr lang="en-US"/>
+          </a:p>
+        </p:txBody>
       </p:sp>
       <p:graphicFrame>
         <p:nvGraphicFramePr>
-          <p:cNvPr name="Table 3" id="3"/>
+          <p:cNvPr id="3" name="Table 3"/>
           <p:cNvGraphicFramePr>
-            <a:graphicFrameLocks noGrp="true"/>
+            <a:graphicFrameLocks noGrp="1"/>
           </p:cNvGraphicFramePr>
           <p:nvPr/>
         </p:nvGraphicFramePr>
         <p:xfrm>
           <a:off x="0" y="2484905"/>
-          <a:ext cx="18288000" cy="7130982"/>
+          <a:ext cx="18288000" cy="7130984"/>
         </p:xfrm>
         <a:graphic>
           <a:graphicData uri="http://schemas.openxmlformats.org/drawingml/2006/table">
             <a:tbl>
               <a:tblPr/>
               <a:tblGrid>
-                <a:gridCol w="2659315"/>
-                <a:gridCol w="3272076"/>
-                <a:gridCol w="3017258"/>
-                <a:gridCol w="3098207"/>
-                <a:gridCol w="3489301"/>
-                <a:gridCol w="2751843"/>
+                <a:gridCol w="2659315">
+                  <a:extLst>
+                    <a:ext uri="{9D8B030D-6E8A-4147-A177-3AD203B41FA5}">
+                      <a16:colId xmlns:a16="http://schemas.microsoft.com/office/drawing/2014/main" val="20000"/>
+                    </a:ext>
+                  </a:extLst>
+                </a:gridCol>
+                <a:gridCol w="3272076">
+                  <a:extLst>
+                    <a:ext uri="{9D8B030D-6E8A-4147-A177-3AD203B41FA5}">
+                      <a16:colId xmlns:a16="http://schemas.microsoft.com/office/drawing/2014/main" val="20001"/>
+                    </a:ext>
+                  </a:extLst>
+                </a:gridCol>
+                <a:gridCol w="3017258">
+                  <a:extLst>
+                    <a:ext uri="{9D8B030D-6E8A-4147-A177-3AD203B41FA5}">
+                      <a16:colId xmlns:a16="http://schemas.microsoft.com/office/drawing/2014/main" val="20002"/>
+                    </a:ext>
+                  </a:extLst>
+                </a:gridCol>
+                <a:gridCol w="3098207">
+                  <a:extLst>
+                    <a:ext uri="{9D8B030D-6E8A-4147-A177-3AD203B41FA5}">
+                      <a16:colId xmlns:a16="http://schemas.microsoft.com/office/drawing/2014/main" val="20003"/>
+                    </a:ext>
+                  </a:extLst>
+                </a:gridCol>
+                <a:gridCol w="3489301">
+                  <a:extLst>
+                    <a:ext uri="{9D8B030D-6E8A-4147-A177-3AD203B41FA5}">
+                      <a16:colId xmlns:a16="http://schemas.microsoft.com/office/drawing/2014/main" val="20004"/>
+                    </a:ext>
+                  </a:extLst>
+                </a:gridCol>
+                <a:gridCol w="2751843">
+                  <a:extLst>
+                    <a:ext uri="{9D8B030D-6E8A-4147-A177-3AD203B41FA5}">
+                      <a16:colId xmlns:a16="http://schemas.microsoft.com/office/drawing/2014/main" val="20005"/>
+                    </a:ext>
+                  </a:extLst>
+                </a:gridCol>
               </a:tblGrid>
               <a:tr h="1209811">
                 <a:tc>
                   <a:txBody>
-                    <a:bodyPr anchor="t" rtlCol="false"/>
+                    <a:bodyPr/>
                     <a:lstStyle/>
                     <a:p>
                       <a:pPr algn="ctr">
@@ -10785,7 +11179,7 @@
                     </a:p>
                   </a:txBody>
                   <a:tcPr marL="190500" marR="190500" marT="190500" marB="190500" anchor="ctr">
-                    <a:lnL cmpd="sng" algn="ctr" cap="flat" w="9525">
+                    <a:lnL w="9525" cap="flat" cmpd="sng" algn="ctr">
                       <a:solidFill>
                         <a:srgbClr val="2B2B2B"/>
                       </a:solidFill>
@@ -10794,7 +11188,7 @@
                       <a:headEnd type="none" w="med" len="med"/>
                       <a:tailEnd type="none" w="med" len="med"/>
                     </a:lnL>
-                    <a:lnR cmpd="sng" algn="ctr" cap="flat" w="9525">
+                    <a:lnR w="9525" cap="flat" cmpd="sng" algn="ctr">
                       <a:solidFill>
                         <a:srgbClr val="2B2B2B"/>
                       </a:solidFill>
@@ -10803,7 +11197,7 @@
                       <a:headEnd type="none" w="med" len="med"/>
                       <a:tailEnd type="none" w="med" len="med"/>
                     </a:lnR>
-                    <a:lnT cmpd="sng" algn="ctr" cap="flat" w="9525">
+                    <a:lnT w="9525" cap="flat" cmpd="sng" algn="ctr">
                       <a:solidFill>
                         <a:srgbClr val="2B2B2B"/>
                       </a:solidFill>
@@ -10812,7 +11206,7 @@
                       <a:headEnd type="none" w="med" len="med"/>
                       <a:tailEnd type="none" w="med" len="med"/>
                     </a:lnT>
-                    <a:lnB cmpd="sng" algn="ctr" cap="flat" w="9525">
+                    <a:lnB w="9525" cap="flat" cmpd="sng" algn="ctr">
                       <a:solidFill>
                         <a:srgbClr val="2B2B2B"/>
                       </a:solidFill>
@@ -10828,7 +11222,7 @@
                 </a:tc>
                 <a:tc>
                   <a:txBody>
-                    <a:bodyPr anchor="t" rtlCol="false"/>
+                    <a:bodyPr/>
                     <a:lstStyle/>
                     <a:p>
                       <a:pPr algn="ctr">
@@ -10850,7 +11244,7 @@
                     </a:p>
                   </a:txBody>
                   <a:tcPr marL="190500" marR="190500" marT="190500" marB="190500" anchor="ctr">
-                    <a:lnL cmpd="sng" algn="ctr" cap="flat" w="9525">
+                    <a:lnL w="9525" cap="flat" cmpd="sng" algn="ctr">
                       <a:solidFill>
                         <a:srgbClr val="2B2B2B"/>
                       </a:solidFill>
@@ -10859,7 +11253,7 @@
                       <a:headEnd type="none" w="med" len="med"/>
                       <a:tailEnd type="none" w="med" len="med"/>
                     </a:lnL>
-                    <a:lnR cmpd="sng" algn="ctr" cap="flat" w="9525">
+                    <a:lnR w="9525" cap="flat" cmpd="sng" algn="ctr">
                       <a:solidFill>
                         <a:srgbClr val="2B2B2B"/>
                       </a:solidFill>
@@ -10868,7 +11262,7 @@
                       <a:headEnd type="none" w="med" len="med"/>
                       <a:tailEnd type="none" w="med" len="med"/>
                     </a:lnR>
-                    <a:lnT cmpd="sng" algn="ctr" cap="flat" w="9525">
+                    <a:lnT w="9525" cap="flat" cmpd="sng" algn="ctr">
                       <a:solidFill>
                         <a:srgbClr val="2B2B2B"/>
                       </a:solidFill>
@@ -10877,7 +11271,7 @@
                       <a:headEnd type="none" w="med" len="med"/>
                       <a:tailEnd type="none" w="med" len="med"/>
                     </a:lnT>
-                    <a:lnB cmpd="sng" algn="ctr" cap="flat" w="9525">
+                    <a:lnB w="9525" cap="flat" cmpd="sng" algn="ctr">
                       <a:solidFill>
                         <a:srgbClr val="2B2B2B"/>
                       </a:solidFill>
@@ -10893,7 +11287,7 @@
                 </a:tc>
                 <a:tc>
                   <a:txBody>
-                    <a:bodyPr anchor="t" rtlCol="false"/>
+                    <a:bodyPr/>
                     <a:lstStyle/>
                     <a:p>
                       <a:pPr algn="ctr">
@@ -10915,7 +11309,7 @@
                     </a:p>
                   </a:txBody>
                   <a:tcPr marL="190500" marR="190500" marT="190500" marB="190500" anchor="ctr">
-                    <a:lnL cmpd="sng" algn="ctr" cap="flat" w="9525">
+                    <a:lnL w="9525" cap="flat" cmpd="sng" algn="ctr">
                       <a:solidFill>
                         <a:srgbClr val="2B2B2B"/>
                       </a:solidFill>
@@ -10924,7 +11318,7 @@
                       <a:headEnd type="none" w="med" len="med"/>
                       <a:tailEnd type="none" w="med" len="med"/>
                     </a:lnL>
-                    <a:lnR cmpd="sng" algn="ctr" cap="flat" w="9525">
+                    <a:lnR w="9525" cap="flat" cmpd="sng" algn="ctr">
                       <a:solidFill>
                         <a:srgbClr val="2B2B2B"/>
                       </a:solidFill>
@@ -10933,7 +11327,7 @@
                       <a:headEnd type="none" w="med" len="med"/>
                       <a:tailEnd type="none" w="med" len="med"/>
                     </a:lnR>
-                    <a:lnT cmpd="sng" algn="ctr" cap="flat" w="9525">
+                    <a:lnT w="9525" cap="flat" cmpd="sng" algn="ctr">
                       <a:solidFill>
                         <a:srgbClr val="2B2B2B"/>
                       </a:solidFill>
@@ -10942,7 +11336,7 @@
                       <a:headEnd type="none" w="med" len="med"/>
                       <a:tailEnd type="none" w="med" len="med"/>
                     </a:lnT>
-                    <a:lnB cmpd="sng" algn="ctr" cap="flat" w="9525">
+                    <a:lnB w="9525" cap="flat" cmpd="sng" algn="ctr">
                       <a:solidFill>
                         <a:srgbClr val="2B2B2B"/>
                       </a:solidFill>
@@ -10958,7 +11352,7 @@
                 </a:tc>
                 <a:tc>
                   <a:txBody>
-                    <a:bodyPr anchor="t" rtlCol="false"/>
+                    <a:bodyPr/>
                     <a:lstStyle/>
                     <a:p>
                       <a:pPr algn="ctr">
@@ -10980,7 +11374,7 @@
                     </a:p>
                   </a:txBody>
                   <a:tcPr marL="190500" marR="190500" marT="190500" marB="190500" anchor="ctr">
-                    <a:lnL cmpd="sng" algn="ctr" cap="flat" w="9525">
+                    <a:lnL w="9525" cap="flat" cmpd="sng" algn="ctr">
                       <a:solidFill>
                         <a:srgbClr val="2B2B2B"/>
                       </a:solidFill>
@@ -10989,7 +11383,7 @@
                       <a:headEnd type="none" w="med" len="med"/>
                       <a:tailEnd type="none" w="med" len="med"/>
                     </a:lnL>
-                    <a:lnR cmpd="sng" algn="ctr" cap="flat" w="9525">
+                    <a:lnR w="9525" cap="flat" cmpd="sng" algn="ctr">
                       <a:solidFill>
                         <a:srgbClr val="2B2B2B"/>
                       </a:solidFill>
@@ -10998,7 +11392,7 @@
                       <a:headEnd type="none" w="med" len="med"/>
                       <a:tailEnd type="none" w="med" len="med"/>
                     </a:lnR>
-                    <a:lnT cmpd="sng" algn="ctr" cap="flat" w="9525">
+                    <a:lnT w="9525" cap="flat" cmpd="sng" algn="ctr">
                       <a:solidFill>
                         <a:srgbClr val="2B2B2B"/>
                       </a:solidFill>
@@ -11007,7 +11401,7 @@
                       <a:headEnd type="none" w="med" len="med"/>
                       <a:tailEnd type="none" w="med" len="med"/>
                     </a:lnT>
-                    <a:lnB cmpd="sng" algn="ctr" cap="flat" w="9525">
+                    <a:lnB w="9525" cap="flat" cmpd="sng" algn="ctr">
                       <a:solidFill>
                         <a:srgbClr val="2B2B2B"/>
                       </a:solidFill>
@@ -11023,7 +11417,7 @@
                 </a:tc>
                 <a:tc>
                   <a:txBody>
-                    <a:bodyPr anchor="t" rtlCol="false"/>
+                    <a:bodyPr/>
                     <a:lstStyle/>
                     <a:p>
                       <a:pPr algn="ctr">
@@ -11045,7 +11439,7 @@
                     </a:p>
                   </a:txBody>
                   <a:tcPr marL="190500" marR="190500" marT="190500" marB="190500" anchor="ctr">
-                    <a:lnL cmpd="sng" algn="ctr" cap="flat" w="9525">
+                    <a:lnL w="9525" cap="flat" cmpd="sng" algn="ctr">
                       <a:solidFill>
                         <a:srgbClr val="2B2B2B"/>
                       </a:solidFill>
@@ -11054,7 +11448,7 @@
                       <a:headEnd type="none" w="med" len="med"/>
                       <a:tailEnd type="none" w="med" len="med"/>
                     </a:lnL>
-                    <a:lnR cmpd="sng" algn="ctr" cap="flat" w="9525">
+                    <a:lnR w="9525" cap="flat" cmpd="sng" algn="ctr">
                       <a:solidFill>
                         <a:srgbClr val="2B2B2B"/>
                       </a:solidFill>
@@ -11063,7 +11457,7 @@
                       <a:headEnd type="none" w="med" len="med"/>
                       <a:tailEnd type="none" w="med" len="med"/>
                     </a:lnR>
-                    <a:lnT cmpd="sng" algn="ctr" cap="flat" w="9525">
+                    <a:lnT w="9525" cap="flat" cmpd="sng" algn="ctr">
                       <a:solidFill>
                         <a:srgbClr val="2B2B2B"/>
                       </a:solidFill>
@@ -11072,7 +11466,7 @@
                       <a:headEnd type="none" w="med" len="med"/>
                       <a:tailEnd type="none" w="med" len="med"/>
                     </a:lnT>
-                    <a:lnB cmpd="sng" algn="ctr" cap="flat" w="9525">
+                    <a:lnB w="9525" cap="flat" cmpd="sng" algn="ctr">
                       <a:solidFill>
                         <a:srgbClr val="2B2B2B"/>
                       </a:solidFill>
@@ -11088,7 +11482,7 @@
                 </a:tc>
                 <a:tc>
                   <a:txBody>
-                    <a:bodyPr anchor="t" rtlCol="false"/>
+                    <a:bodyPr/>
                     <a:lstStyle/>
                     <a:p>
                       <a:pPr algn="ctr">
@@ -11110,7 +11504,7 @@
                     </a:p>
                   </a:txBody>
                   <a:tcPr marL="190500" marR="190500" marT="190500" marB="190500" anchor="ctr">
-                    <a:lnL cmpd="sng" algn="ctr" cap="flat" w="9525">
+                    <a:lnL w="9525" cap="flat" cmpd="sng" algn="ctr">
                       <a:solidFill>
                         <a:srgbClr val="2B2B2B"/>
                       </a:solidFill>
@@ -11119,7 +11513,7 @@
                       <a:headEnd type="none" w="med" len="med"/>
                       <a:tailEnd type="none" w="med" len="med"/>
                     </a:lnL>
-                    <a:lnR cmpd="sng" algn="ctr" cap="flat" w="9525">
+                    <a:lnR w="9525" cap="flat" cmpd="sng" algn="ctr">
                       <a:solidFill>
                         <a:srgbClr val="2B2B2B"/>
                       </a:solidFill>
@@ -11128,7 +11522,7 @@
                       <a:headEnd type="none" w="med" len="med"/>
                       <a:tailEnd type="none" w="med" len="med"/>
                     </a:lnR>
-                    <a:lnT cmpd="sng" algn="ctr" cap="flat" w="9525">
+                    <a:lnT w="9525" cap="flat" cmpd="sng" algn="ctr">
                       <a:solidFill>
                         <a:srgbClr val="2B2B2B"/>
                       </a:solidFill>
@@ -11137,7 +11531,7 @@
                       <a:headEnd type="none" w="med" len="med"/>
                       <a:tailEnd type="none" w="med" len="med"/>
                     </a:lnT>
-                    <a:lnB cmpd="sng" algn="ctr" cap="flat" w="9525">
+                    <a:lnB w="9525" cap="flat" cmpd="sng" algn="ctr">
                       <a:solidFill>
                         <a:srgbClr val="2B2B2B"/>
                       </a:solidFill>
@@ -11151,11 +11545,16 @@
                     </a:solidFill>
                   </a:tcPr>
                 </a:tc>
+                <a:extLst>
+                  <a:ext uri="{0D108BD9-81ED-4DB2-BD59-A6C34878D82A}">
+                    <a16:rowId xmlns:a16="http://schemas.microsoft.com/office/drawing/2014/main" val="10000"/>
+                  </a:ext>
+                </a:extLst>
               </a:tr>
               <a:tr h="1464166">
                 <a:tc>
                   <a:txBody>
-                    <a:bodyPr anchor="t" rtlCol="false"/>
+                    <a:bodyPr/>
                     <a:lstStyle/>
                     <a:p>
                       <a:pPr algn="ctr">
@@ -11177,7 +11576,7 @@
                     </a:p>
                   </a:txBody>
                   <a:tcPr marL="190500" marR="190500" marT="190500" marB="190500" anchor="ctr">
-                    <a:lnL cmpd="sng" algn="ctr" cap="flat" w="9525">
+                    <a:lnL w="9525" cap="flat" cmpd="sng" algn="ctr">
                       <a:solidFill>
                         <a:srgbClr val="2B2B2B"/>
                       </a:solidFill>
@@ -11186,7 +11585,7 @@
                       <a:headEnd type="none" w="med" len="med"/>
                       <a:tailEnd type="none" w="med" len="med"/>
                     </a:lnL>
-                    <a:lnR cmpd="sng" algn="ctr" cap="flat" w="9525">
+                    <a:lnR w="9525" cap="flat" cmpd="sng" algn="ctr">
                       <a:solidFill>
                         <a:srgbClr val="2B2B2B"/>
                       </a:solidFill>
@@ -11195,7 +11594,7 @@
                       <a:headEnd type="none" w="med" len="med"/>
                       <a:tailEnd type="none" w="med" len="med"/>
                     </a:lnR>
-                    <a:lnT cmpd="sng" algn="ctr" cap="flat" w="9525">
+                    <a:lnT w="9525" cap="flat" cmpd="sng" algn="ctr">
                       <a:solidFill>
                         <a:srgbClr val="2B2B2B"/>
                       </a:solidFill>
@@ -11204,7 +11603,7 @@
                       <a:headEnd type="none" w="med" len="med"/>
                       <a:tailEnd type="none" w="med" len="med"/>
                     </a:lnT>
-                    <a:lnB cmpd="sng" algn="ctr" cap="flat" w="9525">
+                    <a:lnB w="9525" cap="flat" cmpd="sng" algn="ctr">
                       <a:solidFill>
                         <a:srgbClr val="2B2B2B"/>
                       </a:solidFill>
@@ -11220,7 +11619,7 @@
                 </a:tc>
                 <a:tc>
                   <a:txBody>
-                    <a:bodyPr anchor="t" rtlCol="false"/>
+                    <a:bodyPr/>
                     <a:lstStyle/>
                     <a:p>
                       <a:pPr algn="ctr">
@@ -11242,7 +11641,7 @@
                     </a:p>
                   </a:txBody>
                   <a:tcPr marL="190500" marR="190500" marT="190500" marB="190500" anchor="ctr">
-                    <a:lnL cmpd="sng" algn="ctr" cap="flat" w="9525">
+                    <a:lnL w="9525" cap="flat" cmpd="sng" algn="ctr">
                       <a:solidFill>
                         <a:srgbClr val="2B2B2B"/>
                       </a:solidFill>
@@ -11251,7 +11650,7 @@
                       <a:headEnd type="none" w="med" len="med"/>
                       <a:tailEnd type="none" w="med" len="med"/>
                     </a:lnL>
-                    <a:lnR cmpd="sng" algn="ctr" cap="flat" w="9525">
+                    <a:lnR w="9525" cap="flat" cmpd="sng" algn="ctr">
                       <a:solidFill>
                         <a:srgbClr val="2B2B2B"/>
                       </a:solidFill>
@@ -11260,7 +11659,7 @@
                       <a:headEnd type="none" w="med" len="med"/>
                       <a:tailEnd type="none" w="med" len="med"/>
                     </a:lnR>
-                    <a:lnT cmpd="sng" algn="ctr" cap="flat" w="9525">
+                    <a:lnT w="9525" cap="flat" cmpd="sng" algn="ctr">
                       <a:solidFill>
                         <a:srgbClr val="2B2B2B"/>
                       </a:solidFill>
@@ -11269,7 +11668,7 @@
                       <a:headEnd type="none" w="med" len="med"/>
                       <a:tailEnd type="none" w="med" len="med"/>
                     </a:lnT>
-                    <a:lnB cmpd="sng" algn="ctr" cap="flat" w="9525">
+                    <a:lnB w="9525" cap="flat" cmpd="sng" algn="ctr">
                       <a:solidFill>
                         <a:srgbClr val="2B2B2B"/>
                       </a:solidFill>
@@ -11285,7 +11684,7 @@
                 </a:tc>
                 <a:tc>
                   <a:txBody>
-                    <a:bodyPr anchor="t" rtlCol="false"/>
+                    <a:bodyPr/>
                     <a:lstStyle/>
                     <a:p>
                       <a:pPr algn="ctr">
@@ -11307,7 +11706,7 @@
                     </a:p>
                   </a:txBody>
                   <a:tcPr marL="190500" marR="190500" marT="190500" marB="190500" anchor="ctr">
-                    <a:lnL cmpd="sng" algn="ctr" cap="flat" w="9525">
+                    <a:lnL w="9525" cap="flat" cmpd="sng" algn="ctr">
                       <a:solidFill>
                         <a:srgbClr val="2B2B2B"/>
                       </a:solidFill>
@@ -11316,7 +11715,7 @@
                       <a:headEnd type="none" w="med" len="med"/>
                       <a:tailEnd type="none" w="med" len="med"/>
                     </a:lnL>
-                    <a:lnR cmpd="sng" algn="ctr" cap="flat" w="9525">
+                    <a:lnR w="9525" cap="flat" cmpd="sng" algn="ctr">
                       <a:solidFill>
                         <a:srgbClr val="2B2B2B"/>
                       </a:solidFill>
@@ -11325,7 +11724,7 @@
                       <a:headEnd type="none" w="med" len="med"/>
                       <a:tailEnd type="none" w="med" len="med"/>
                     </a:lnR>
-                    <a:lnT cmpd="sng" algn="ctr" cap="flat" w="9525">
+                    <a:lnT w="9525" cap="flat" cmpd="sng" algn="ctr">
                       <a:solidFill>
                         <a:srgbClr val="2B2B2B"/>
                       </a:solidFill>
@@ -11334,7 +11733,7 @@
                       <a:headEnd type="none" w="med" len="med"/>
                       <a:tailEnd type="none" w="med" len="med"/>
                     </a:lnT>
-                    <a:lnB cmpd="sng" algn="ctr" cap="flat" w="9525">
+                    <a:lnB w="9525" cap="flat" cmpd="sng" algn="ctr">
                       <a:solidFill>
                         <a:srgbClr val="2B2B2B"/>
                       </a:solidFill>
@@ -11350,7 +11749,7 @@
                 </a:tc>
                 <a:tc>
                   <a:txBody>
-                    <a:bodyPr anchor="t" rtlCol="false"/>
+                    <a:bodyPr/>
                     <a:lstStyle/>
                     <a:p>
                       <a:pPr algn="ctr">
@@ -11372,7 +11771,7 @@
                     </a:p>
                   </a:txBody>
                   <a:tcPr marL="190500" marR="190500" marT="190500" marB="190500" anchor="ctr">
-                    <a:lnL cmpd="sng" algn="ctr" cap="flat" w="9525">
+                    <a:lnL w="9525" cap="flat" cmpd="sng" algn="ctr">
                       <a:solidFill>
                         <a:srgbClr val="2B2B2B"/>
                       </a:solidFill>
@@ -11381,7 +11780,7 @@
                       <a:headEnd type="none" w="med" len="med"/>
                       <a:tailEnd type="none" w="med" len="med"/>
                     </a:lnL>
-                    <a:lnR cmpd="sng" algn="ctr" cap="flat" w="9525">
+                    <a:lnR w="9525" cap="flat" cmpd="sng" algn="ctr">
                       <a:solidFill>
                         <a:srgbClr val="2B2B2B"/>
                       </a:solidFill>
@@ -11390,7 +11789,7 @@
                       <a:headEnd type="none" w="med" len="med"/>
                       <a:tailEnd type="none" w="med" len="med"/>
                     </a:lnR>
-                    <a:lnT cmpd="sng" algn="ctr" cap="flat" w="9525">
+                    <a:lnT w="9525" cap="flat" cmpd="sng" algn="ctr">
                       <a:solidFill>
                         <a:srgbClr val="2B2B2B"/>
                       </a:solidFill>
@@ -11399,7 +11798,7 @@
                       <a:headEnd type="none" w="med" len="med"/>
                       <a:tailEnd type="none" w="med" len="med"/>
                     </a:lnT>
-                    <a:lnB cmpd="sng" algn="ctr" cap="flat" w="9525">
+                    <a:lnB w="9525" cap="flat" cmpd="sng" algn="ctr">
                       <a:solidFill>
                         <a:srgbClr val="2B2B2B"/>
                       </a:solidFill>
@@ -11415,7 +11814,7 @@
                 </a:tc>
                 <a:tc>
                   <a:txBody>
-                    <a:bodyPr anchor="t" rtlCol="false"/>
+                    <a:bodyPr/>
                     <a:lstStyle/>
                     <a:p>
                       <a:pPr algn="ctr">
@@ -11437,7 +11836,7 @@
                     </a:p>
                   </a:txBody>
                   <a:tcPr marL="190500" marR="190500" marT="190500" marB="190500" anchor="ctr">
-                    <a:lnL cmpd="sng" algn="ctr" cap="flat" w="9525">
+                    <a:lnL w="9525" cap="flat" cmpd="sng" algn="ctr">
                       <a:solidFill>
                         <a:srgbClr val="2B2B2B"/>
                       </a:solidFill>
@@ -11446,7 +11845,7 @@
                       <a:headEnd type="none" w="med" len="med"/>
                       <a:tailEnd type="none" w="med" len="med"/>
                     </a:lnL>
-                    <a:lnR cmpd="sng" algn="ctr" cap="flat" w="9525">
+                    <a:lnR w="9525" cap="flat" cmpd="sng" algn="ctr">
                       <a:solidFill>
                         <a:srgbClr val="2B2B2B"/>
                       </a:solidFill>
@@ -11455,7 +11854,7 @@
                       <a:headEnd type="none" w="med" len="med"/>
                       <a:tailEnd type="none" w="med" len="med"/>
                     </a:lnR>
-                    <a:lnT cmpd="sng" algn="ctr" cap="flat" w="9525">
+                    <a:lnT w="9525" cap="flat" cmpd="sng" algn="ctr">
                       <a:solidFill>
                         <a:srgbClr val="2B2B2B"/>
                       </a:solidFill>
@@ -11464,7 +11863,7 @@
                       <a:headEnd type="none" w="med" len="med"/>
                       <a:tailEnd type="none" w="med" len="med"/>
                     </a:lnT>
-                    <a:lnB cmpd="sng" algn="ctr" cap="flat" w="9525">
+                    <a:lnB w="9525" cap="flat" cmpd="sng" algn="ctr">
                       <a:solidFill>
                         <a:srgbClr val="2B2B2B"/>
                       </a:solidFill>
@@ -11480,7 +11879,7 @@
                 </a:tc>
                 <a:tc>
                   <a:txBody>
-                    <a:bodyPr anchor="t" rtlCol="false"/>
+                    <a:bodyPr/>
                     <a:lstStyle/>
                     <a:p>
                       <a:pPr algn="ctr">
@@ -11502,7 +11901,7 @@
                     </a:p>
                   </a:txBody>
                   <a:tcPr marL="190500" marR="190500" marT="190500" marB="190500" anchor="ctr">
-                    <a:lnL cmpd="sng" algn="ctr" cap="flat" w="9525">
+                    <a:lnL w="9525" cap="flat" cmpd="sng" algn="ctr">
                       <a:solidFill>
                         <a:srgbClr val="2B2B2B"/>
                       </a:solidFill>
@@ -11511,7 +11910,7 @@
                       <a:headEnd type="none" w="med" len="med"/>
                       <a:tailEnd type="none" w="med" len="med"/>
                     </a:lnL>
-                    <a:lnR cmpd="sng" algn="ctr" cap="flat" w="9525">
+                    <a:lnR w="9525" cap="flat" cmpd="sng" algn="ctr">
                       <a:solidFill>
                         <a:srgbClr val="2B2B2B"/>
                       </a:solidFill>
@@ -11520,7 +11919,7 @@
                       <a:headEnd type="none" w="med" len="med"/>
                       <a:tailEnd type="none" w="med" len="med"/>
                     </a:lnR>
-                    <a:lnT cmpd="sng" algn="ctr" cap="flat" w="9525">
+                    <a:lnT w="9525" cap="flat" cmpd="sng" algn="ctr">
                       <a:solidFill>
                         <a:srgbClr val="2B2B2B"/>
                       </a:solidFill>
@@ -11529,7 +11928,7 @@
                       <a:headEnd type="none" w="med" len="med"/>
                       <a:tailEnd type="none" w="med" len="med"/>
                     </a:lnT>
-                    <a:lnB cmpd="sng" algn="ctr" cap="flat" w="9525">
+                    <a:lnB w="9525" cap="flat" cmpd="sng" algn="ctr">
                       <a:solidFill>
                         <a:srgbClr val="2B2B2B"/>
                       </a:solidFill>
@@ -11543,11 +11942,16 @@
                     </a:solidFill>
                   </a:tcPr>
                 </a:tc>
+                <a:extLst>
+                  <a:ext uri="{0D108BD9-81ED-4DB2-BD59-A6C34878D82A}">
+                    <a16:rowId xmlns:a16="http://schemas.microsoft.com/office/drawing/2014/main" val="10001"/>
+                  </a:ext>
+                </a:extLst>
               </a:tr>
               <a:tr h="1424005">
                 <a:tc>
                   <a:txBody>
-                    <a:bodyPr anchor="t" rtlCol="false"/>
+                    <a:bodyPr/>
                     <a:lstStyle/>
                     <a:p>
                       <a:pPr algn="ctr">
@@ -11569,7 +11973,7 @@
                     </a:p>
                   </a:txBody>
                   <a:tcPr marL="190500" marR="190500" marT="190500" marB="190500" anchor="ctr">
-                    <a:lnL cmpd="sng" algn="ctr" cap="flat" w="9525">
+                    <a:lnL w="9525" cap="flat" cmpd="sng" algn="ctr">
                       <a:solidFill>
                         <a:srgbClr val="2B2B2B"/>
                       </a:solidFill>
@@ -11578,7 +11982,7 @@
                       <a:headEnd type="none" w="med" len="med"/>
                       <a:tailEnd type="none" w="med" len="med"/>
                     </a:lnL>
-                    <a:lnR cmpd="sng" algn="ctr" cap="flat" w="9525">
+                    <a:lnR w="9525" cap="flat" cmpd="sng" algn="ctr">
                       <a:solidFill>
                         <a:srgbClr val="2B2B2B"/>
                       </a:solidFill>
@@ -11587,7 +11991,7 @@
                       <a:headEnd type="none" w="med" len="med"/>
                       <a:tailEnd type="none" w="med" len="med"/>
                     </a:lnR>
-                    <a:lnT cmpd="sng" algn="ctr" cap="flat" w="9525">
+                    <a:lnT w="9525" cap="flat" cmpd="sng" algn="ctr">
                       <a:solidFill>
                         <a:srgbClr val="2B2B2B"/>
                       </a:solidFill>
@@ -11596,7 +12000,7 @@
                       <a:headEnd type="none" w="med" len="med"/>
                       <a:tailEnd type="none" w="med" len="med"/>
                     </a:lnT>
-                    <a:lnB cmpd="sng" algn="ctr" cap="flat" w="9525">
+                    <a:lnB w="9525" cap="flat" cmpd="sng" algn="ctr">
                       <a:solidFill>
                         <a:srgbClr val="2B2B2B"/>
                       </a:solidFill>
@@ -11612,7 +12016,7 @@
                 </a:tc>
                 <a:tc>
                   <a:txBody>
-                    <a:bodyPr anchor="t" rtlCol="false"/>
+                    <a:bodyPr/>
                     <a:lstStyle/>
                     <a:p>
                       <a:pPr algn="ctr">
@@ -11634,7 +12038,7 @@
                     </a:p>
                   </a:txBody>
                   <a:tcPr marL="190500" marR="190500" marT="190500" marB="190500" anchor="ctr">
-                    <a:lnL cmpd="sng" algn="ctr" cap="flat" w="9525">
+                    <a:lnL w="9525" cap="flat" cmpd="sng" algn="ctr">
                       <a:solidFill>
                         <a:srgbClr val="2B2B2B"/>
                       </a:solidFill>
@@ -11643,7 +12047,7 @@
                       <a:headEnd type="none" w="med" len="med"/>
                       <a:tailEnd type="none" w="med" len="med"/>
                     </a:lnL>
-                    <a:lnR cmpd="sng" algn="ctr" cap="flat" w="9525">
+                    <a:lnR w="9525" cap="flat" cmpd="sng" algn="ctr">
                       <a:solidFill>
                         <a:srgbClr val="2B2B2B"/>
                       </a:solidFill>
@@ -11652,7 +12056,7 @@
                       <a:headEnd type="none" w="med" len="med"/>
                       <a:tailEnd type="none" w="med" len="med"/>
                     </a:lnR>
-                    <a:lnT cmpd="sng" algn="ctr" cap="flat" w="9525">
+                    <a:lnT w="9525" cap="flat" cmpd="sng" algn="ctr">
                       <a:solidFill>
                         <a:srgbClr val="2B2B2B"/>
                       </a:solidFill>
@@ -11661,7 +12065,7 @@
                       <a:headEnd type="none" w="med" len="med"/>
                       <a:tailEnd type="none" w="med" len="med"/>
                     </a:lnT>
-                    <a:lnB cmpd="sng" algn="ctr" cap="flat" w="9525">
+                    <a:lnB w="9525" cap="flat" cmpd="sng" algn="ctr">
                       <a:solidFill>
                         <a:srgbClr val="2B2B2B"/>
                       </a:solidFill>
@@ -11677,7 +12081,7 @@
                 </a:tc>
                 <a:tc>
                   <a:txBody>
-                    <a:bodyPr anchor="t" rtlCol="false"/>
+                    <a:bodyPr/>
                     <a:lstStyle/>
                     <a:p>
                       <a:pPr algn="ctr">
@@ -11699,7 +12103,7 @@
                     </a:p>
                   </a:txBody>
                   <a:tcPr marL="190500" marR="190500" marT="190500" marB="190500" anchor="ctr">
-                    <a:lnL cmpd="sng" algn="ctr" cap="flat" w="9525">
+                    <a:lnL w="9525" cap="flat" cmpd="sng" algn="ctr">
                       <a:solidFill>
                         <a:srgbClr val="2B2B2B"/>
                       </a:solidFill>
@@ -11708,7 +12112,7 @@
                       <a:headEnd type="none" w="med" len="med"/>
                       <a:tailEnd type="none" w="med" len="med"/>
                     </a:lnL>
-                    <a:lnR cmpd="sng" algn="ctr" cap="flat" w="9525">
+                    <a:lnR w="9525" cap="flat" cmpd="sng" algn="ctr">
                       <a:solidFill>
                         <a:srgbClr val="2B2B2B"/>
                       </a:solidFill>
@@ -11717,7 +12121,7 @@
                       <a:headEnd type="none" w="med" len="med"/>
                       <a:tailEnd type="none" w="med" len="med"/>
                     </a:lnR>
-                    <a:lnT cmpd="sng" algn="ctr" cap="flat" w="9525">
+                    <a:lnT w="9525" cap="flat" cmpd="sng" algn="ctr">
                       <a:solidFill>
                         <a:srgbClr val="2B2B2B"/>
                       </a:solidFill>
@@ -11726,7 +12130,7 @@
                       <a:headEnd type="none" w="med" len="med"/>
                       <a:tailEnd type="none" w="med" len="med"/>
                     </a:lnT>
-                    <a:lnB cmpd="sng" algn="ctr" cap="flat" w="9525">
+                    <a:lnB w="9525" cap="flat" cmpd="sng" algn="ctr">
                       <a:solidFill>
                         <a:srgbClr val="2B2B2B"/>
                       </a:solidFill>
@@ -11742,7 +12146,7 @@
                 </a:tc>
                 <a:tc>
                   <a:txBody>
-                    <a:bodyPr anchor="t" rtlCol="false"/>
+                    <a:bodyPr/>
                     <a:lstStyle/>
                     <a:p>
                       <a:pPr algn="ctr">
@@ -11764,7 +12168,7 @@
                     </a:p>
                   </a:txBody>
                   <a:tcPr marL="190500" marR="190500" marT="190500" marB="190500" anchor="ctr">
-                    <a:lnL cmpd="sng" algn="ctr" cap="flat" w="9525">
+                    <a:lnL w="9525" cap="flat" cmpd="sng" algn="ctr">
                       <a:solidFill>
                         <a:srgbClr val="2B2B2B"/>
                       </a:solidFill>
@@ -11773,7 +12177,7 @@
                       <a:headEnd type="none" w="med" len="med"/>
                       <a:tailEnd type="none" w="med" len="med"/>
                     </a:lnL>
-                    <a:lnR cmpd="sng" algn="ctr" cap="flat" w="9525">
+                    <a:lnR w="9525" cap="flat" cmpd="sng" algn="ctr">
                       <a:solidFill>
                         <a:srgbClr val="2B2B2B"/>
                       </a:solidFill>
@@ -11782,7 +12186,7 @@
                       <a:headEnd type="none" w="med" len="med"/>
                       <a:tailEnd type="none" w="med" len="med"/>
                     </a:lnR>
-                    <a:lnT cmpd="sng" algn="ctr" cap="flat" w="9525">
+                    <a:lnT w="9525" cap="flat" cmpd="sng" algn="ctr">
                       <a:solidFill>
                         <a:srgbClr val="2B2B2B"/>
                       </a:solidFill>
@@ -11791,7 +12195,7 @@
                       <a:headEnd type="none" w="med" len="med"/>
                       <a:tailEnd type="none" w="med" len="med"/>
                     </a:lnT>
-                    <a:lnB cmpd="sng" algn="ctr" cap="flat" w="9525">
+                    <a:lnB w="9525" cap="flat" cmpd="sng" algn="ctr">
                       <a:solidFill>
                         <a:srgbClr val="2B2B2B"/>
                       </a:solidFill>
@@ -11807,7 +12211,7 @@
                 </a:tc>
                 <a:tc>
                   <a:txBody>
-                    <a:bodyPr anchor="t" rtlCol="false"/>
+                    <a:bodyPr/>
                     <a:lstStyle/>
                     <a:p>
                       <a:pPr algn="ctr">
@@ -11829,7 +12233,7 @@
                     </a:p>
                   </a:txBody>
                   <a:tcPr marL="190500" marR="190500" marT="190500" marB="190500" anchor="ctr">
-                    <a:lnL cmpd="sng" algn="ctr" cap="flat" w="9525">
+                    <a:lnL w="9525" cap="flat" cmpd="sng" algn="ctr">
                       <a:solidFill>
                         <a:srgbClr val="2B2B2B"/>
                       </a:solidFill>
@@ -11838,7 +12242,7 @@
                       <a:headEnd type="none" w="med" len="med"/>
                       <a:tailEnd type="none" w="med" len="med"/>
                     </a:lnL>
-                    <a:lnR cmpd="sng" algn="ctr" cap="flat" w="9525">
+                    <a:lnR w="9525" cap="flat" cmpd="sng" algn="ctr">
                       <a:solidFill>
                         <a:srgbClr val="2B2B2B"/>
                       </a:solidFill>
@@ -11847,7 +12251,7 @@
                       <a:headEnd type="none" w="med" len="med"/>
                       <a:tailEnd type="none" w="med" len="med"/>
                     </a:lnR>
-                    <a:lnT cmpd="sng" algn="ctr" cap="flat" w="9525">
+                    <a:lnT w="9525" cap="flat" cmpd="sng" algn="ctr">
                       <a:solidFill>
                         <a:srgbClr val="2B2B2B"/>
                       </a:solidFill>
@@ -11856,7 +12260,7 @@
                       <a:headEnd type="none" w="med" len="med"/>
                       <a:tailEnd type="none" w="med" len="med"/>
                     </a:lnT>
-                    <a:lnB cmpd="sng" algn="ctr" cap="flat" w="9525">
+                    <a:lnB w="9525" cap="flat" cmpd="sng" algn="ctr">
                       <a:solidFill>
                         <a:srgbClr val="2B2B2B"/>
                       </a:solidFill>
@@ -11872,7 +12276,7 @@
                 </a:tc>
                 <a:tc>
                   <a:txBody>
-                    <a:bodyPr anchor="t" rtlCol="false"/>
+                    <a:bodyPr/>
                     <a:lstStyle/>
                     <a:p>
                       <a:pPr algn="ctr">
@@ -11894,7 +12298,7 @@
                     </a:p>
                   </a:txBody>
                   <a:tcPr marL="190500" marR="190500" marT="190500" marB="190500" anchor="ctr">
-                    <a:lnL cmpd="sng" algn="ctr" cap="flat" w="9525">
+                    <a:lnL w="9525" cap="flat" cmpd="sng" algn="ctr">
                       <a:solidFill>
                         <a:srgbClr val="2B2B2B"/>
                       </a:solidFill>
@@ -11903,7 +12307,7 @@
                       <a:headEnd type="none" w="med" len="med"/>
                       <a:tailEnd type="none" w="med" len="med"/>
                     </a:lnL>
-                    <a:lnR cmpd="sng" algn="ctr" cap="flat" w="9525">
+                    <a:lnR w="9525" cap="flat" cmpd="sng" algn="ctr">
                       <a:solidFill>
                         <a:srgbClr val="2B2B2B"/>
                       </a:solidFill>
@@ -11912,7 +12316,7 @@
                       <a:headEnd type="none" w="med" len="med"/>
                       <a:tailEnd type="none" w="med" len="med"/>
                     </a:lnR>
-                    <a:lnT cmpd="sng" algn="ctr" cap="flat" w="9525">
+                    <a:lnT w="9525" cap="flat" cmpd="sng" algn="ctr">
                       <a:solidFill>
                         <a:srgbClr val="2B2B2B"/>
                       </a:solidFill>
@@ -11921,7 +12325,7 @@
                       <a:headEnd type="none" w="med" len="med"/>
                       <a:tailEnd type="none" w="med" len="med"/>
                     </a:lnT>
-                    <a:lnB cmpd="sng" algn="ctr" cap="flat" w="9525">
+                    <a:lnB w="9525" cap="flat" cmpd="sng" algn="ctr">
                       <a:solidFill>
                         <a:srgbClr val="2B2B2B"/>
                       </a:solidFill>
@@ -11935,11 +12339,16 @@
                     </a:solidFill>
                   </a:tcPr>
                 </a:tc>
+                <a:extLst>
+                  <a:ext uri="{0D108BD9-81ED-4DB2-BD59-A6C34878D82A}">
+                    <a16:rowId xmlns:a16="http://schemas.microsoft.com/office/drawing/2014/main" val="10002"/>
+                  </a:ext>
+                </a:extLst>
               </a:tr>
               <a:tr h="1516501">
                 <a:tc>
                   <a:txBody>
-                    <a:bodyPr anchor="t" rtlCol="false"/>
+                    <a:bodyPr/>
                     <a:lstStyle/>
                     <a:p>
                       <a:pPr algn="ctr">
@@ -11961,7 +12370,7 @@
                     </a:p>
                   </a:txBody>
                   <a:tcPr marL="190500" marR="190500" marT="190500" marB="190500" anchor="ctr">
-                    <a:lnL cmpd="sng" algn="ctr" cap="flat" w="9525">
+                    <a:lnL w="9525" cap="flat" cmpd="sng" algn="ctr">
                       <a:solidFill>
                         <a:srgbClr val="2B2B2B"/>
                       </a:solidFill>
@@ -11970,7 +12379,7 @@
                       <a:headEnd type="none" w="med" len="med"/>
                       <a:tailEnd type="none" w="med" len="med"/>
                     </a:lnL>
-                    <a:lnR cmpd="sng" algn="ctr" cap="flat" w="9525">
+                    <a:lnR w="9525" cap="flat" cmpd="sng" algn="ctr">
                       <a:solidFill>
                         <a:srgbClr val="2B2B2B"/>
                       </a:solidFill>
@@ -11979,7 +12388,7 @@
                       <a:headEnd type="none" w="med" len="med"/>
                       <a:tailEnd type="none" w="med" len="med"/>
                     </a:lnR>
-                    <a:lnT cmpd="sng" algn="ctr" cap="flat" w="9525">
+                    <a:lnT w="9525" cap="flat" cmpd="sng" algn="ctr">
                       <a:solidFill>
                         <a:srgbClr val="2B2B2B"/>
                       </a:solidFill>
@@ -11988,7 +12397,7 @@
                       <a:headEnd type="none" w="med" len="med"/>
                       <a:tailEnd type="none" w="med" len="med"/>
                     </a:lnT>
-                    <a:lnB cmpd="sng" algn="ctr" cap="flat" w="9525">
+                    <a:lnB w="9525" cap="flat" cmpd="sng" algn="ctr">
                       <a:solidFill>
                         <a:srgbClr val="2B2B2B"/>
                       </a:solidFill>
@@ -12004,7 +12413,7 @@
                 </a:tc>
                 <a:tc>
                   <a:txBody>
-                    <a:bodyPr anchor="t" rtlCol="false"/>
+                    <a:bodyPr/>
                     <a:lstStyle/>
                     <a:p>
                       <a:pPr algn="ctr">
@@ -12026,7 +12435,7 @@
                     </a:p>
                   </a:txBody>
                   <a:tcPr marL="190500" marR="190500" marT="190500" marB="190500" anchor="ctr">
-                    <a:lnL cmpd="sng" algn="ctr" cap="flat" w="9525">
+                    <a:lnL w="9525" cap="flat" cmpd="sng" algn="ctr">
                       <a:solidFill>
                         <a:srgbClr val="2B2B2B"/>
                       </a:solidFill>
@@ -12035,7 +12444,7 @@
                       <a:headEnd type="none" w="med" len="med"/>
                       <a:tailEnd type="none" w="med" len="med"/>
                     </a:lnL>
-                    <a:lnR cmpd="sng" algn="ctr" cap="flat" w="9525">
+                    <a:lnR w="9525" cap="flat" cmpd="sng" algn="ctr">
                       <a:solidFill>
                         <a:srgbClr val="2B2B2B"/>
                       </a:solidFill>
@@ -12044,7 +12453,7 @@
                       <a:headEnd type="none" w="med" len="med"/>
                       <a:tailEnd type="none" w="med" len="med"/>
                     </a:lnR>
-                    <a:lnT cmpd="sng" algn="ctr" cap="flat" w="9525">
+                    <a:lnT w="9525" cap="flat" cmpd="sng" algn="ctr">
                       <a:solidFill>
                         <a:srgbClr val="2B2B2B"/>
                       </a:solidFill>
@@ -12053,7 +12462,7 @@
                       <a:headEnd type="none" w="med" len="med"/>
                       <a:tailEnd type="none" w="med" len="med"/>
                     </a:lnT>
-                    <a:lnB cmpd="sng" algn="ctr" cap="flat" w="9525">
+                    <a:lnB w="9525" cap="flat" cmpd="sng" algn="ctr">
                       <a:solidFill>
                         <a:srgbClr val="2B2B2B"/>
                       </a:solidFill>
@@ -12069,7 +12478,7 @@
                 </a:tc>
                 <a:tc>
                   <a:txBody>
-                    <a:bodyPr anchor="t" rtlCol="false"/>
+                    <a:bodyPr/>
                     <a:lstStyle/>
                     <a:p>
                       <a:pPr algn="ctr">
@@ -12091,7 +12500,7 @@
                     </a:p>
                   </a:txBody>
                   <a:tcPr marL="190500" marR="190500" marT="190500" marB="190500" anchor="ctr">
-                    <a:lnL cmpd="sng" algn="ctr" cap="flat" w="9525">
+                    <a:lnL w="9525" cap="flat" cmpd="sng" algn="ctr">
                       <a:solidFill>
                         <a:srgbClr val="2B2B2B"/>
                       </a:solidFill>
@@ -12100,7 +12509,7 @@
                       <a:headEnd type="none" w="med" len="med"/>
                       <a:tailEnd type="none" w="med" len="med"/>
                     </a:lnL>
-                    <a:lnR cmpd="sng" algn="ctr" cap="flat" w="9525">
+                    <a:lnR w="9525" cap="flat" cmpd="sng" algn="ctr">
                       <a:solidFill>
                         <a:srgbClr val="2B2B2B"/>
                       </a:solidFill>
@@ -12109,7 +12518,7 @@
                       <a:headEnd type="none" w="med" len="med"/>
                       <a:tailEnd type="none" w="med" len="med"/>
                     </a:lnR>
-                    <a:lnT cmpd="sng" algn="ctr" cap="flat" w="9525">
+                    <a:lnT w="9525" cap="flat" cmpd="sng" algn="ctr">
                       <a:solidFill>
                         <a:srgbClr val="2B2B2B"/>
                       </a:solidFill>
@@ -12118,7 +12527,7 @@
                       <a:headEnd type="none" w="med" len="med"/>
                       <a:tailEnd type="none" w="med" len="med"/>
                     </a:lnT>
-                    <a:lnB cmpd="sng" algn="ctr" cap="flat" w="9525">
+                    <a:lnB w="9525" cap="flat" cmpd="sng" algn="ctr">
                       <a:solidFill>
                         <a:srgbClr val="2B2B2B"/>
                       </a:solidFill>
@@ -12134,7 +12543,7 @@
                 </a:tc>
                 <a:tc>
                   <a:txBody>
-                    <a:bodyPr anchor="t" rtlCol="false"/>
+                    <a:bodyPr/>
                     <a:lstStyle/>
                     <a:p>
                       <a:pPr algn="ctr">
@@ -12156,7 +12565,7 @@
                     </a:p>
                   </a:txBody>
                   <a:tcPr marL="190500" marR="190500" marT="190500" marB="190500" anchor="ctr">
-                    <a:lnL cmpd="sng" algn="ctr" cap="flat" w="9525">
+                    <a:lnL w="9525" cap="flat" cmpd="sng" algn="ctr">
                       <a:solidFill>
                         <a:srgbClr val="2B2B2B"/>
                       </a:solidFill>
@@ -12165,7 +12574,7 @@
                       <a:headEnd type="none" w="med" len="med"/>
                       <a:tailEnd type="none" w="med" len="med"/>
                     </a:lnL>
-                    <a:lnR cmpd="sng" algn="ctr" cap="flat" w="9525">
+                    <a:lnR w="9525" cap="flat" cmpd="sng" algn="ctr">
                       <a:solidFill>
                         <a:srgbClr val="2B2B2B"/>
                       </a:solidFill>
@@ -12174,7 +12583,7 @@
                       <a:headEnd type="none" w="med" len="med"/>
                       <a:tailEnd type="none" w="med" len="med"/>
                     </a:lnR>
-                    <a:lnT cmpd="sng" algn="ctr" cap="flat" w="9525">
+                    <a:lnT w="9525" cap="flat" cmpd="sng" algn="ctr">
                       <a:solidFill>
                         <a:srgbClr val="2B2B2B"/>
                       </a:solidFill>
@@ -12183,7 +12592,7 @@
                       <a:headEnd type="none" w="med" len="med"/>
                       <a:tailEnd type="none" w="med" len="med"/>
                     </a:lnT>
-                    <a:lnB cmpd="sng" algn="ctr" cap="flat" w="9525">
+                    <a:lnB w="9525" cap="flat" cmpd="sng" algn="ctr">
                       <a:solidFill>
                         <a:srgbClr val="2B2B2B"/>
                       </a:solidFill>
@@ -12199,7 +12608,7 @@
                 </a:tc>
                 <a:tc>
                   <a:txBody>
-                    <a:bodyPr anchor="t" rtlCol="false"/>
+                    <a:bodyPr/>
                     <a:lstStyle/>
                     <a:p>
                       <a:pPr algn="ctr">
@@ -12221,7 +12630,7 @@
                     </a:p>
                   </a:txBody>
                   <a:tcPr marL="190500" marR="190500" marT="190500" marB="190500" anchor="ctr">
-                    <a:lnL cmpd="sng" algn="ctr" cap="flat" w="9525">
+                    <a:lnL w="9525" cap="flat" cmpd="sng" algn="ctr">
                       <a:solidFill>
                         <a:srgbClr val="2B2B2B"/>
                       </a:solidFill>
@@ -12230,7 +12639,7 @@
                       <a:headEnd type="none" w="med" len="med"/>
                       <a:tailEnd type="none" w="med" len="med"/>
                     </a:lnL>
-                    <a:lnR cmpd="sng" algn="ctr" cap="flat" w="9525">
+                    <a:lnR w="9525" cap="flat" cmpd="sng" algn="ctr">
                       <a:solidFill>
                         <a:srgbClr val="2B2B2B"/>
                       </a:solidFill>
@@ -12239,7 +12648,7 @@
                       <a:headEnd type="none" w="med" len="med"/>
                       <a:tailEnd type="none" w="med" len="med"/>
                     </a:lnR>
-                    <a:lnT cmpd="sng" algn="ctr" cap="flat" w="9525">
+                    <a:lnT w="9525" cap="flat" cmpd="sng" algn="ctr">
                       <a:solidFill>
                         <a:srgbClr val="2B2B2B"/>
                       </a:solidFill>
@@ -12248,7 +12657,7 @@
                       <a:headEnd type="none" w="med" len="med"/>
                       <a:tailEnd type="none" w="med" len="med"/>
                     </a:lnT>
-                    <a:lnB cmpd="sng" algn="ctr" cap="flat" w="9525">
+                    <a:lnB w="9525" cap="flat" cmpd="sng" algn="ctr">
                       <a:solidFill>
                         <a:srgbClr val="2B2B2B"/>
                       </a:solidFill>
@@ -12264,7 +12673,7 @@
                 </a:tc>
                 <a:tc>
                   <a:txBody>
-                    <a:bodyPr anchor="t" rtlCol="false"/>
+                    <a:bodyPr/>
                     <a:lstStyle/>
                     <a:p>
                       <a:pPr algn="ctr">
@@ -12286,7 +12695,7 @@
                     </a:p>
                   </a:txBody>
                   <a:tcPr marL="190500" marR="190500" marT="190500" marB="190500" anchor="ctr">
-                    <a:lnL cmpd="sng" algn="ctr" cap="flat" w="9525">
+                    <a:lnL w="9525" cap="flat" cmpd="sng" algn="ctr">
                       <a:solidFill>
                         <a:srgbClr val="2B2B2B"/>
                       </a:solidFill>
@@ -12295,7 +12704,7 @@
                       <a:headEnd type="none" w="med" len="med"/>
                       <a:tailEnd type="none" w="med" len="med"/>
                     </a:lnL>
-                    <a:lnR cmpd="sng" algn="ctr" cap="flat" w="9525">
+                    <a:lnR w="9525" cap="flat" cmpd="sng" algn="ctr">
                       <a:solidFill>
                         <a:srgbClr val="2B2B2B"/>
                       </a:solidFill>
@@ -12304,7 +12713,7 @@
                       <a:headEnd type="none" w="med" len="med"/>
                       <a:tailEnd type="none" w="med" len="med"/>
                     </a:lnR>
-                    <a:lnT cmpd="sng" algn="ctr" cap="flat" w="9525">
+                    <a:lnT w="9525" cap="flat" cmpd="sng" algn="ctr">
                       <a:solidFill>
                         <a:srgbClr val="2B2B2B"/>
                       </a:solidFill>
@@ -12313,7 +12722,7 @@
                       <a:headEnd type="none" w="med" len="med"/>
                       <a:tailEnd type="none" w="med" len="med"/>
                     </a:lnT>
-                    <a:lnB cmpd="sng" algn="ctr" cap="flat" w="9525">
+                    <a:lnB w="9525" cap="flat" cmpd="sng" algn="ctr">
                       <a:solidFill>
                         <a:srgbClr val="2B2B2B"/>
                       </a:solidFill>
@@ -12327,11 +12736,16 @@
                     </a:solidFill>
                   </a:tcPr>
                 </a:tc>
+                <a:extLst>
+                  <a:ext uri="{0D108BD9-81ED-4DB2-BD59-A6C34878D82A}">
+                    <a16:rowId xmlns:a16="http://schemas.microsoft.com/office/drawing/2014/main" val="10003"/>
+                  </a:ext>
+                </a:extLst>
               </a:tr>
               <a:tr h="1516501">
                 <a:tc>
                   <a:txBody>
-                    <a:bodyPr anchor="t" rtlCol="false"/>
+                    <a:bodyPr/>
                     <a:lstStyle/>
                     <a:p>
                       <a:pPr algn="ctr">
@@ -12353,7 +12767,7 @@
                     </a:p>
                   </a:txBody>
                   <a:tcPr marL="190500" marR="190500" marT="190500" marB="190500" anchor="ctr">
-                    <a:lnL cmpd="sng" algn="ctr" cap="flat" w="9525">
+                    <a:lnL w="9525" cap="flat" cmpd="sng" algn="ctr">
                       <a:solidFill>
                         <a:srgbClr val="2B2B2B"/>
                       </a:solidFill>
@@ -12362,7 +12776,7 @@
                       <a:headEnd type="none" w="med" len="med"/>
                       <a:tailEnd type="none" w="med" len="med"/>
                     </a:lnL>
-                    <a:lnR cmpd="sng" algn="ctr" cap="flat" w="9525">
+                    <a:lnR w="9525" cap="flat" cmpd="sng" algn="ctr">
                       <a:solidFill>
                         <a:srgbClr val="2B2B2B"/>
                       </a:solidFill>
@@ -12371,7 +12785,7 @@
                       <a:headEnd type="none" w="med" len="med"/>
                       <a:tailEnd type="none" w="med" len="med"/>
                     </a:lnR>
-                    <a:lnT cmpd="sng" algn="ctr" cap="flat" w="9525">
+                    <a:lnT w="9525" cap="flat" cmpd="sng" algn="ctr">
                       <a:solidFill>
                         <a:srgbClr val="2B2B2B"/>
                       </a:solidFill>
@@ -12380,7 +12794,7 @@
                       <a:headEnd type="none" w="med" len="med"/>
                       <a:tailEnd type="none" w="med" len="med"/>
                     </a:lnT>
-                    <a:lnB cmpd="sng" algn="ctr" cap="flat" w="9525">
+                    <a:lnB w="9525" cap="flat" cmpd="sng" algn="ctr">
                       <a:solidFill>
                         <a:srgbClr val="2B2B2B"/>
                       </a:solidFill>
@@ -12396,7 +12810,7 @@
                 </a:tc>
                 <a:tc>
                   <a:txBody>
-                    <a:bodyPr anchor="t" rtlCol="false"/>
+                    <a:bodyPr/>
                     <a:lstStyle/>
                     <a:p>
                       <a:pPr algn="ctr">
@@ -12418,7 +12832,7 @@
                     </a:p>
                   </a:txBody>
                   <a:tcPr marL="190500" marR="190500" marT="190500" marB="190500" anchor="ctr">
-                    <a:lnL cmpd="sng" algn="ctr" cap="flat" w="9525">
+                    <a:lnL w="9525" cap="flat" cmpd="sng" algn="ctr">
                       <a:solidFill>
                         <a:srgbClr val="2B2B2B"/>
                       </a:solidFill>
@@ -12427,7 +12841,7 @@
                       <a:headEnd type="none" w="med" len="med"/>
                       <a:tailEnd type="none" w="med" len="med"/>
                     </a:lnL>
-                    <a:lnR cmpd="sng" algn="ctr" cap="flat" w="9525">
+                    <a:lnR w="9525" cap="flat" cmpd="sng" algn="ctr">
                       <a:solidFill>
                         <a:srgbClr val="2B2B2B"/>
                       </a:solidFill>
@@ -12436,7 +12850,7 @@
                       <a:headEnd type="none" w="med" len="med"/>
                       <a:tailEnd type="none" w="med" len="med"/>
                     </a:lnR>
-                    <a:lnT cmpd="sng" algn="ctr" cap="flat" w="9525">
+                    <a:lnT w="9525" cap="flat" cmpd="sng" algn="ctr">
                       <a:solidFill>
                         <a:srgbClr val="2B2B2B"/>
                       </a:solidFill>
@@ -12445,7 +12859,7 @@
                       <a:headEnd type="none" w="med" len="med"/>
                       <a:tailEnd type="none" w="med" len="med"/>
                     </a:lnT>
-                    <a:lnB cmpd="sng" algn="ctr" cap="flat" w="9525">
+                    <a:lnB w="9525" cap="flat" cmpd="sng" algn="ctr">
                       <a:solidFill>
                         <a:srgbClr val="2B2B2B"/>
                       </a:solidFill>
@@ -12461,7 +12875,7 @@
                 </a:tc>
                 <a:tc>
                   <a:txBody>
-                    <a:bodyPr anchor="t" rtlCol="false"/>
+                    <a:bodyPr/>
                     <a:lstStyle/>
                     <a:p>
                       <a:pPr algn="ctr">
@@ -12483,7 +12897,7 @@
                     </a:p>
                   </a:txBody>
                   <a:tcPr marL="190500" marR="190500" marT="190500" marB="190500" anchor="ctr">
-                    <a:lnL cmpd="sng" algn="ctr" cap="flat" w="9525">
+                    <a:lnL w="9525" cap="flat" cmpd="sng" algn="ctr">
                       <a:solidFill>
                         <a:srgbClr val="2B2B2B"/>
                       </a:solidFill>
@@ -12492,7 +12906,7 @@
                       <a:headEnd type="none" w="med" len="med"/>
                       <a:tailEnd type="none" w="med" len="med"/>
                     </a:lnL>
-                    <a:lnR cmpd="sng" algn="ctr" cap="flat" w="9525">
+                    <a:lnR w="9525" cap="flat" cmpd="sng" algn="ctr">
                       <a:solidFill>
                         <a:srgbClr val="2B2B2B"/>
                       </a:solidFill>
@@ -12501,7 +12915,7 @@
                       <a:headEnd type="none" w="med" len="med"/>
                       <a:tailEnd type="none" w="med" len="med"/>
                     </a:lnR>
-                    <a:lnT cmpd="sng" algn="ctr" cap="flat" w="9525">
+                    <a:lnT w="9525" cap="flat" cmpd="sng" algn="ctr">
                       <a:solidFill>
                         <a:srgbClr val="2B2B2B"/>
                       </a:solidFill>
@@ -12510,7 +12924,7 @@
                       <a:headEnd type="none" w="med" len="med"/>
                       <a:tailEnd type="none" w="med" len="med"/>
                     </a:lnT>
-                    <a:lnB cmpd="sng" algn="ctr" cap="flat" w="9525">
+                    <a:lnB w="9525" cap="flat" cmpd="sng" algn="ctr">
                       <a:solidFill>
                         <a:srgbClr val="2B2B2B"/>
                       </a:solidFill>
@@ -12526,7 +12940,7 @@
                 </a:tc>
                 <a:tc>
                   <a:txBody>
-                    <a:bodyPr anchor="t" rtlCol="false"/>
+                    <a:bodyPr/>
                     <a:lstStyle/>
                     <a:p>
                       <a:pPr algn="ctr">
@@ -12548,7 +12962,7 @@
                     </a:p>
                   </a:txBody>
                   <a:tcPr marL="190500" marR="190500" marT="190500" marB="190500" anchor="ctr">
-                    <a:lnL cmpd="sng" algn="ctr" cap="flat" w="9525">
+                    <a:lnL w="9525" cap="flat" cmpd="sng" algn="ctr">
                       <a:solidFill>
                         <a:srgbClr val="2B2B2B"/>
                       </a:solidFill>
@@ -12557,7 +12971,7 @@
                       <a:headEnd type="none" w="med" len="med"/>
                       <a:tailEnd type="none" w="med" len="med"/>
                     </a:lnL>
-                    <a:lnR cmpd="sng" algn="ctr" cap="flat" w="9525">
+                    <a:lnR w="9525" cap="flat" cmpd="sng" algn="ctr">
                       <a:solidFill>
                         <a:srgbClr val="2B2B2B"/>
                       </a:solidFill>
@@ -12566,7 +12980,7 @@
                       <a:headEnd type="none" w="med" len="med"/>
                       <a:tailEnd type="none" w="med" len="med"/>
                     </a:lnR>
-                    <a:lnT cmpd="sng" algn="ctr" cap="flat" w="9525">
+                    <a:lnT w="9525" cap="flat" cmpd="sng" algn="ctr">
                       <a:solidFill>
                         <a:srgbClr val="2B2B2B"/>
                       </a:solidFill>
@@ -12575,7 +12989,7 @@
                       <a:headEnd type="none" w="med" len="med"/>
                       <a:tailEnd type="none" w="med" len="med"/>
                     </a:lnT>
-                    <a:lnB cmpd="sng" algn="ctr" cap="flat" w="9525">
+                    <a:lnB w="9525" cap="flat" cmpd="sng" algn="ctr">
                       <a:solidFill>
                         <a:srgbClr val="2B2B2B"/>
                       </a:solidFill>
@@ -12591,7 +13005,7 @@
                 </a:tc>
                 <a:tc>
                   <a:txBody>
-                    <a:bodyPr anchor="t" rtlCol="false"/>
+                    <a:bodyPr/>
                     <a:lstStyle/>
                     <a:p>
                       <a:pPr algn="ctr">
@@ -12613,7 +13027,7 @@
                     </a:p>
                   </a:txBody>
                   <a:tcPr marL="190500" marR="190500" marT="190500" marB="190500" anchor="ctr">
-                    <a:lnL cmpd="sng" algn="ctr" cap="flat" w="9525">
+                    <a:lnL w="9525" cap="flat" cmpd="sng" algn="ctr">
                       <a:solidFill>
                         <a:srgbClr val="2B2B2B"/>
                       </a:solidFill>
@@ -12622,7 +13036,7 @@
                       <a:headEnd type="none" w="med" len="med"/>
                       <a:tailEnd type="none" w="med" len="med"/>
                     </a:lnL>
-                    <a:lnR cmpd="sng" algn="ctr" cap="flat" w="9525">
+                    <a:lnR w="9525" cap="flat" cmpd="sng" algn="ctr">
                       <a:solidFill>
                         <a:srgbClr val="2B2B2B"/>
                       </a:solidFill>
@@ -12631,7 +13045,7 @@
                       <a:headEnd type="none" w="med" len="med"/>
                       <a:tailEnd type="none" w="med" len="med"/>
                     </a:lnR>
-                    <a:lnT cmpd="sng" algn="ctr" cap="flat" w="9525">
+                    <a:lnT w="9525" cap="flat" cmpd="sng" algn="ctr">
                       <a:solidFill>
                         <a:srgbClr val="2B2B2B"/>
                       </a:solidFill>
@@ -12640,7 +13054,7 @@
                       <a:headEnd type="none" w="med" len="med"/>
                       <a:tailEnd type="none" w="med" len="med"/>
                     </a:lnT>
-                    <a:lnB cmpd="sng" algn="ctr" cap="flat" w="9525">
+                    <a:lnB w="9525" cap="flat" cmpd="sng" algn="ctr">
                       <a:solidFill>
                         <a:srgbClr val="2B2B2B"/>
                       </a:solidFill>
@@ -12656,7 +13070,7 @@
                 </a:tc>
                 <a:tc>
                   <a:txBody>
-                    <a:bodyPr anchor="t" rtlCol="false"/>
+                    <a:bodyPr/>
                     <a:lstStyle/>
                     <a:p>
                       <a:pPr algn="ctr">
@@ -12678,7 +13092,7 @@
                     </a:p>
                   </a:txBody>
                   <a:tcPr marL="190500" marR="190500" marT="190500" marB="190500" anchor="ctr">
-                    <a:lnL cmpd="sng" algn="ctr" cap="flat" w="9525">
+                    <a:lnL w="9525" cap="flat" cmpd="sng" algn="ctr">
                       <a:solidFill>
                         <a:srgbClr val="2B2B2B"/>
                       </a:solidFill>
@@ -12687,7 +13101,7 @@
                       <a:headEnd type="none" w="med" len="med"/>
                       <a:tailEnd type="none" w="med" len="med"/>
                     </a:lnL>
-                    <a:lnR cmpd="sng" algn="ctr" cap="flat" w="9525">
+                    <a:lnR w="9525" cap="flat" cmpd="sng" algn="ctr">
                       <a:solidFill>
                         <a:srgbClr val="2B2B2B"/>
                       </a:solidFill>
@@ -12696,7 +13110,7 @@
                       <a:headEnd type="none" w="med" len="med"/>
                       <a:tailEnd type="none" w="med" len="med"/>
                     </a:lnR>
-                    <a:lnT cmpd="sng" algn="ctr" cap="flat" w="9525">
+                    <a:lnT w="9525" cap="flat" cmpd="sng" algn="ctr">
                       <a:solidFill>
                         <a:srgbClr val="2B2B2B"/>
                       </a:solidFill>
@@ -12705,7 +13119,7 @@
                       <a:headEnd type="none" w="med" len="med"/>
                       <a:tailEnd type="none" w="med" len="med"/>
                     </a:lnT>
-                    <a:lnB cmpd="sng" algn="ctr" cap="flat" w="9525">
+                    <a:lnB w="9525" cap="flat" cmpd="sng" algn="ctr">
                       <a:solidFill>
                         <a:srgbClr val="2B2B2B"/>
                       </a:solidFill>
@@ -12719,6 +13133,11 @@
                     </a:solidFill>
                   </a:tcPr>
                 </a:tc>
+                <a:extLst>
+                  <a:ext uri="{0D108BD9-81ED-4DB2-BD59-A6C34878D82A}">
+                    <a16:rowId xmlns:a16="http://schemas.microsoft.com/office/drawing/2014/main" val="10004"/>
+                  </a:ext>
+                </a:extLst>
               </a:tr>
             </a:tbl>
           </a:graphicData>
@@ -12726,12 +13145,12 @@
       </p:graphicFrame>
       <p:sp>
         <p:nvSpPr>
-          <p:cNvPr name="Freeform 4" id="4"/>
+          <p:cNvPr id="4" name="Freeform 4"/>
           <p:cNvSpPr/>
           <p:nvPr/>
         </p:nvSpPr>
         <p:spPr>
-          <a:xfrm flipH="false" flipV="false" rot="3549255">
+          <a:xfrm rot="3549255">
             <a:off x="12664717" y="-4650972"/>
             <a:ext cx="7616557" cy="7815497"/>
           </a:xfrm>
@@ -12740,9 +13159,9 @@
             <a:gdLst/>
             <a:ahLst/>
             <a:cxnLst/>
-            <a:rect r="r" b="b" t="t" l="l"/>
+            <a:rect l="l" t="t" r="r" b="b"/>
             <a:pathLst>
-              <a:path h="7815497" w="7616557">
+              <a:path w="7616557" h="7815497">
                 <a:moveTo>
                   <a:pt x="0" y="0"/>
                 </a:moveTo>
@@ -12771,19 +13190,26 @@
               </a:extLst>
             </a:blip>
             <a:stretch>
-              <a:fillRect l="0" t="0" r="0" b="0"/>
+              <a:fillRect/>
             </a:stretch>
           </a:blipFill>
         </p:spPr>
-      </p:sp>
-      <p:sp>
-        <p:nvSpPr>
-          <p:cNvPr name="TextBox 5" id="5"/>
-          <p:cNvSpPr txBox="true"/>
+        <p:txBody>
+          <a:bodyPr/>
+          <a:lstStyle/>
+          <a:p>
+            <a:endParaRPr lang="en-US"/>
+          </a:p>
+        </p:txBody>
+      </p:sp>
+      <p:sp>
+        <p:nvSpPr>
+          <p:cNvPr id="5" name="TextBox 5"/>
+          <p:cNvSpPr txBox="1"/>
           <p:nvPr/>
         </p:nvSpPr>
         <p:spPr>
-          <a:xfrm rot="0">
+          <a:xfrm>
             <a:off x="1248655" y="265941"/>
             <a:ext cx="15839722" cy="1714917"/>
           </a:xfrm>
@@ -12792,7 +13218,7 @@
           </a:prstGeom>
         </p:spPr>
         <p:txBody>
-          <a:bodyPr anchor="t" rtlCol="false" tIns="0" lIns="0" bIns="0" rIns="0">
+          <a:bodyPr lIns="0" tIns="0" rIns="0" bIns="0" rtlCol="0" anchor="t">
             <a:spAutoFit/>
           </a:bodyPr>
           <a:lstStyle/>
